--- a/Validators/10.Validators.pptx
+++ b/Validators/10.Validators.pptx
@@ -31,10 +31,10 @@
     <p:sldId id="537" r:id="rId20"/>
     <p:sldId id="508" r:id="rId21"/>
     <p:sldId id="538" r:id="rId22"/>
-    <p:sldId id="540" r:id="rId23"/>
-    <p:sldId id="539" r:id="rId24"/>
-    <p:sldId id="541" r:id="rId25"/>
-    <p:sldId id="542" r:id="rId26"/>
+    <p:sldId id="544" r:id="rId23"/>
+    <p:sldId id="545" r:id="rId24"/>
+    <p:sldId id="540" r:id="rId25"/>
+    <p:sldId id="539" r:id="rId26"/>
     <p:sldId id="487" r:id="rId27"/>
     <p:sldId id="482" r:id="rId28"/>
     <p:sldId id="483" r:id="rId29"/>
@@ -164,10 +164,10 @@
             <p14:sldId id="537"/>
             <p14:sldId id="508"/>
             <p14:sldId id="538"/>
+            <p14:sldId id="544"/>
+            <p14:sldId id="545"/>
             <p14:sldId id="540"/>
             <p14:sldId id="539"/>
-            <p14:sldId id="541"/>
-            <p14:sldId id="542"/>
           </p14:sldIdLst>
         </p14:section>
         <p14:section name="Conclusion" id="{10E03AB1-9AA8-4E86-9A64-D741901E50A2}">
@@ -301,7 +301,7 @@
             <a:fld id="{FE5B4EDC-59C0-49C7-8ADA-5A781B329E02}" type="datetimeFigureOut">
               <a:rPr lang="en-US"/>
               <a:pPr/>
-              <a:t>12/30/2018</a:t>
+              <a:t>1/1/2019</a:t>
             </a:fld>
             <a:endParaRPr dirty="0"/>
           </a:p>
@@ -500,7 +500,7 @@
             <a:fld id="{F2D8D46A-B586-417D-BFBD-8C8FE0AAF762}" type="datetimeFigureOut">
               <a:rPr lang="en-US" smtClean="0"/>
               <a:pPr/>
-              <a:t>12/30/2018</a:t>
+              <a:t>1/1/2019</a:t>
             </a:fld>
             <a:endParaRPr lang="en-US" dirty="0"/>
           </a:p>
@@ -2814,7 +2814,7 @@
             <a:fld id="{055373AC-9AA7-423B-BA00-BA1C74164DBD}" type="datetime1">
               <a:rPr lang="en-US" smtClean="0"/>
               <a:pPr/>
-              <a:t>12/30/2018</a:t>
+              <a:t>1/1/2019</a:t>
             </a:fld>
             <a:endParaRPr lang="en-US" dirty="0"/>
           </a:p>
@@ -3175,7 +3175,7 @@
             <a:fld id="{055373AC-9AA7-423B-BA00-BA1C74164DBD}" type="datetime1">
               <a:rPr lang="en-US" smtClean="0"/>
               <a:pPr/>
-              <a:t>12/30/2018</a:t>
+              <a:t>1/1/2019</a:t>
             </a:fld>
             <a:endParaRPr lang="en-US" dirty="0"/>
           </a:p>
@@ -4800,7 +4800,7 @@
             <a:fld id="{055373AC-9AA7-423B-BA00-BA1C74164DBD}" type="datetime1">
               <a:rPr lang="en-US" smtClean="0"/>
               <a:pPr/>
-              <a:t>12/30/2018</a:t>
+              <a:t>1/1/2019</a:t>
             </a:fld>
             <a:endParaRPr lang="en-US" dirty="0"/>
           </a:p>
@@ -5500,7 +5500,7 @@
             <a:fld id="{055373AC-9AA7-423B-BA00-BA1C74164DBD}" type="datetime1">
               <a:rPr lang="en-US" smtClean="0"/>
               <a:pPr/>
-              <a:t>12/30/2018</a:t>
+              <a:t>1/1/2019</a:t>
             </a:fld>
             <a:endParaRPr lang="en-US" dirty="0"/>
           </a:p>
@@ -5904,7 +5904,7 @@
             <a:fld id="{055373AC-9AA7-423B-BA00-BA1C74164DBD}" type="datetime1">
               <a:rPr lang="en-US" smtClean="0"/>
               <a:pPr/>
-              <a:t>12/30/2018</a:t>
+              <a:t>1/1/2019</a:t>
             </a:fld>
             <a:endParaRPr lang="en-US" dirty="0"/>
           </a:p>
@@ -6266,7 +6266,7 @@
             <a:fld id="{055373AC-9AA7-423B-BA00-BA1C74164DBD}" type="datetime1">
               <a:rPr lang="en-US" smtClean="0"/>
               <a:pPr/>
-              <a:t>12/30/2018</a:t>
+              <a:t>1/1/2019</a:t>
             </a:fld>
             <a:endParaRPr lang="en-US" dirty="0"/>
           </a:p>
@@ -6919,7 +6919,7 @@
             <a:fld id="{055373AC-9AA7-423B-BA00-BA1C74164DBD}" type="datetime1">
               <a:rPr lang="en-US" smtClean="0"/>
               <a:pPr/>
-              <a:t>12/30/2018</a:t>
+              <a:t>1/1/2019</a:t>
             </a:fld>
             <a:endParaRPr lang="en-US" dirty="0"/>
           </a:p>
@@ -7369,7 +7369,7 @@
             <a:fld id="{055373AC-9AA7-423B-BA00-BA1C74164DBD}" type="datetime1">
               <a:rPr lang="en-US" smtClean="0"/>
               <a:pPr/>
-              <a:t>12/30/2018</a:t>
+              <a:t>1/1/2019</a:t>
             </a:fld>
             <a:endParaRPr lang="en-US" dirty="0"/>
           </a:p>
@@ -7553,7 +7553,7 @@
             <a:fld id="{055373AC-9AA7-423B-BA00-BA1C74164DBD}" type="datetime1">
               <a:rPr lang="en-US" smtClean="0"/>
               <a:pPr/>
-              <a:t>12/30/2018</a:t>
+              <a:t>1/1/2019</a:t>
             </a:fld>
             <a:endParaRPr lang="en-US" dirty="0"/>
           </a:p>
@@ -8315,43 +8315,26 @@
       </p:sp>
       <p:pic>
         <p:nvPicPr>
-          <p:cNvPr id="1026" name="Picture 2" descr="https://vuejs.org/images/logo.png"/>
+          <p:cNvPr id="6" name="Picture 5"/>
           <p:cNvPicPr>
-            <a:picLocks noChangeAspect="1" noChangeArrowheads="1"/>
+            <a:picLocks noChangeAspect="1"/>
           </p:cNvPicPr>
           <p:nvPr/>
         </p:nvPicPr>
         <p:blipFill>
-          <a:blip r:embed="rId3">
-            <a:extLst>
-              <a:ext uri="{28A0092B-C50C-407E-A947-70E740481C1C}">
-                <a14:useLocalDpi xmlns:a14="http://schemas.microsoft.com/office/drawing/2010/main" val="0"/>
-              </a:ext>
-            </a:extLst>
-          </a:blip>
-          <a:srcRect/>
+          <a:blip r:embed="rId3"/>
           <a:stretch>
             <a:fillRect/>
           </a:stretch>
         </p:blipFill>
-        <p:spPr bwMode="auto">
+        <p:spPr>
           <a:xfrm>
-            <a:off x="4242908" y="1057791"/>
-            <a:ext cx="3810000" cy="3810000"/>
+            <a:off x="4722812" y="696184"/>
+            <a:ext cx="3413988" cy="3851830"/>
           </a:xfrm>
           <a:prstGeom prst="rect">
             <a:avLst/>
           </a:prstGeom>
-          <a:noFill/>
-          <a:extLst>
-            <a:ext uri="{909E8E84-426E-40DD-AFC4-6F175D3DCCD1}">
-              <a14:hiddenFill xmlns:a14="http://schemas.microsoft.com/office/drawing/2010/main">
-                <a:solidFill>
-                  <a:srgbClr val="FFFFFF"/>
-                </a:solidFill>
-              </a14:hiddenFill>
-            </a:ext>
-          </a:extLst>
         </p:spPr>
       </p:pic>
     </p:spTree>
@@ -8421,6 +8404,43 @@
           </a:p>
         </p:txBody>
       </p:sp>
+      <p:pic>
+        <p:nvPicPr>
+          <p:cNvPr id="3" name="Picture 2"/>
+          <p:cNvPicPr>
+            <a:picLocks noChangeAspect="1"/>
+          </p:cNvPicPr>
+          <p:nvPr/>
+        </p:nvPicPr>
+        <p:blipFill>
+          <a:blip r:embed="rId2">
+            <a:duotone>
+              <a:schemeClr val="accent6">
+                <a:shade val="45000"/>
+                <a:satMod val="135000"/>
+              </a:schemeClr>
+              <a:prstClr val="white"/>
+            </a:duotone>
+            <a:extLst>
+              <a:ext uri="{28A0092B-C50C-407E-A947-70E740481C1C}">
+                <a14:useLocalDpi xmlns:a14="http://schemas.microsoft.com/office/drawing/2010/main" val="0"/>
+              </a:ext>
+            </a:extLst>
+          </a:blip>
+          <a:stretch>
+            <a:fillRect/>
+          </a:stretch>
+        </p:blipFill>
+        <p:spPr>
+          <a:xfrm>
+            <a:off x="4989513" y="1524000"/>
+            <a:ext cx="2209800" cy="2209800"/>
+          </a:xfrm>
+          <a:prstGeom prst="rect">
+            <a:avLst/>
+          </a:prstGeom>
+        </p:spPr>
+      </p:pic>
     </p:spTree>
     <p:extLst>
       <p:ext uri="{BB962C8B-B14F-4D97-AF65-F5344CB8AC3E}">
@@ -8660,7 +8680,7 @@
                                         <p:tgtEl>
                                           <p:spTgt spid="6">
                                             <p:txEl>
-                                              <p:pRg st="0" end="0"/>
+                                              <p:pRg st="1" end="1"/>
                                             </p:txEl>
                                           </p:spTgt>
                                         </p:tgtEl>
@@ -8709,7 +8729,7 @@
                                         <p:tgtEl>
                                           <p:spTgt spid="6">
                                             <p:txEl>
-                                              <p:pRg st="1" end="1"/>
+                                              <p:pRg st="2" end="2"/>
                                             </p:txEl>
                                           </p:spTgt>
                                         </p:tgtEl>
@@ -8758,7 +8778,7 @@
                                         <p:tgtEl>
                                           <p:spTgt spid="6">
                                             <p:txEl>
-                                              <p:pRg st="2" end="2"/>
+                                              <p:pRg st="3" end="3"/>
                                             </p:txEl>
                                           </p:spTgt>
                                         </p:tgtEl>
@@ -8800,55 +8820,6 @@
                                     <p:set>
                                       <p:cBhvr>
                                         <p:cTn id="18" dur="1" fill="hold">
-                                          <p:stCondLst>
-                                            <p:cond delay="0"/>
-                                          </p:stCondLst>
-                                        </p:cTn>
-                                        <p:tgtEl>
-                                          <p:spTgt spid="6">
-                                            <p:txEl>
-                                              <p:pRg st="3" end="3"/>
-                                            </p:txEl>
-                                          </p:spTgt>
-                                        </p:tgtEl>
-                                        <p:attrNameLst>
-                                          <p:attrName>style.visibility</p:attrName>
-                                        </p:attrNameLst>
-                                      </p:cBhvr>
-                                      <p:to>
-                                        <p:strVal val="visible"/>
-                                      </p:to>
-                                    </p:set>
-                                  </p:childTnLst>
-                                </p:cTn>
-                              </p:par>
-                            </p:childTnLst>
-                          </p:cTn>
-                        </p:par>
-                      </p:childTnLst>
-                    </p:cTn>
-                  </p:par>
-                  <p:par>
-                    <p:cTn id="19" fill="hold">
-                      <p:stCondLst>
-                        <p:cond delay="indefinite"/>
-                      </p:stCondLst>
-                      <p:childTnLst>
-                        <p:par>
-                          <p:cTn id="20" fill="hold">
-                            <p:stCondLst>
-                              <p:cond delay="0"/>
-                            </p:stCondLst>
-                            <p:childTnLst>
-                              <p:par>
-                                <p:cTn id="21" presetID="1" presetClass="entr" presetSubtype="0" fill="hold" nodeType="clickEffect">
-                                  <p:stCondLst>
-                                    <p:cond delay="0"/>
-                                  </p:stCondLst>
-                                  <p:childTnLst>
-                                    <p:set>
-                                      <p:cBhvr>
-                                        <p:cTn id="22" dur="1" fill="hold">
                                           <p:stCondLst>
                                             <p:cond delay="0"/>
                                           </p:stCondLst>
@@ -9433,7 +9404,7 @@
                                         <p:tgtEl>
                                           <p:spTgt spid="22">
                                             <p:txEl>
-                                              <p:pRg st="0" end="0"/>
+                                              <p:pRg st="1" end="1"/>
                                             </p:txEl>
                                           </p:spTgt>
                                         </p:tgtEl>
@@ -9467,7 +9438,7 @@
                             </p:stCondLst>
                             <p:childTnLst>
                               <p:par>
-                                <p:cTn id="9" presetID="1" presetClass="entr" presetSubtype="0" fill="hold" nodeType="clickEffect">
+                                <p:cTn id="9" presetID="1" presetClass="entr" presetSubtype="0" fill="hold" grpId="0" nodeType="clickEffect">
                                   <p:stCondLst>
                                     <p:cond delay="0"/>
                                   </p:stCondLst>
@@ -9480,58 +9451,7 @@
                                           </p:stCondLst>
                                         </p:cTn>
                                         <p:tgtEl>
-                                          <p:spTgt spid="22">
-                                            <p:txEl>
-                                              <p:pRg st="1" end="1"/>
-                                            </p:txEl>
-                                          </p:spTgt>
-                                        </p:tgtEl>
-                                        <p:attrNameLst>
-                                          <p:attrName>style.visibility</p:attrName>
-                                        </p:attrNameLst>
-                                      </p:cBhvr>
-                                      <p:to>
-                                        <p:strVal val="visible"/>
-                                      </p:to>
-                                    </p:set>
-                                  </p:childTnLst>
-                                </p:cTn>
-                              </p:par>
-                            </p:childTnLst>
-                          </p:cTn>
-                        </p:par>
-                      </p:childTnLst>
-                    </p:cTn>
-                  </p:par>
-                  <p:par>
-                    <p:cTn id="11" fill="hold">
-                      <p:stCondLst>
-                        <p:cond delay="indefinite"/>
-                      </p:stCondLst>
-                      <p:childTnLst>
-                        <p:par>
-                          <p:cTn id="12" fill="hold">
-                            <p:stCondLst>
-                              <p:cond delay="0"/>
-                            </p:stCondLst>
-                            <p:childTnLst>
-                              <p:par>
-                                <p:cTn id="13" presetID="1" presetClass="entr" presetSubtype="0" fill="hold" grpId="0" nodeType="clickEffect">
-                                  <p:stCondLst>
-                                    <p:cond delay="0"/>
-                                  </p:stCondLst>
-                                  <p:childTnLst>
-                                    <p:set>
-                                      <p:cBhvr>
-                                        <p:cTn id="14" dur="1" fill="hold">
-                                          <p:stCondLst>
-                                            <p:cond delay="0"/>
-                                          </p:stCondLst>
-                                        </p:cTn>
-                                        <p:tgtEl>
-                                          <p:spTgt spid="23">
-                                            <p:bg/>
-                                          </p:spTgt>
+                                          <p:spTgt spid="23"/>
                                         </p:tgtEl>
                                         <p:attrNameLst>
                                           <p:attrName>style.visibility</p:attrName>
@@ -9545,290 +9465,14 @@
                                 </p:cTn>
                               </p:par>
                               <p:par>
-                                <p:cTn id="15" presetID="1" presetClass="entr" presetSubtype="0" fill="hold" grpId="0" nodeType="withEffect">
+                                <p:cTn id="11" presetID="1" presetClass="entr" presetSubtype="0" fill="hold" nodeType="withEffect">
                                   <p:stCondLst>
                                     <p:cond delay="0"/>
                                   </p:stCondLst>
                                   <p:childTnLst>
                                     <p:set>
                                       <p:cBhvr>
-                                        <p:cTn id="16" dur="1" fill="hold">
-                                          <p:stCondLst>
-                                            <p:cond delay="0"/>
-                                          </p:stCondLst>
-                                        </p:cTn>
-                                        <p:tgtEl>
-                                          <p:spTgt spid="23">
-                                            <p:txEl>
-                                              <p:pRg st="0" end="0"/>
-                                            </p:txEl>
-                                          </p:spTgt>
-                                        </p:tgtEl>
-                                        <p:attrNameLst>
-                                          <p:attrName>style.visibility</p:attrName>
-                                        </p:attrNameLst>
-                                      </p:cBhvr>
-                                      <p:to>
-                                        <p:strVal val="visible"/>
-                                      </p:to>
-                                    </p:set>
-                                  </p:childTnLst>
-                                </p:cTn>
-                              </p:par>
-                            </p:childTnLst>
-                          </p:cTn>
-                        </p:par>
-                      </p:childTnLst>
-                    </p:cTn>
-                  </p:par>
-                  <p:par>
-                    <p:cTn id="17" fill="hold">
-                      <p:stCondLst>
-                        <p:cond delay="indefinite"/>
-                      </p:stCondLst>
-                      <p:childTnLst>
-                        <p:par>
-                          <p:cTn id="18" fill="hold">
-                            <p:stCondLst>
-                              <p:cond delay="0"/>
-                            </p:stCondLst>
-                            <p:childTnLst>
-                              <p:par>
-                                <p:cTn id="19" presetID="1" presetClass="entr" presetSubtype="0" fill="hold" grpId="0" nodeType="clickEffect">
-                                  <p:stCondLst>
-                                    <p:cond delay="0"/>
-                                  </p:stCondLst>
-                                  <p:childTnLst>
-                                    <p:set>
-                                      <p:cBhvr>
-                                        <p:cTn id="20" dur="1" fill="hold">
-                                          <p:stCondLst>
-                                            <p:cond delay="0"/>
-                                          </p:stCondLst>
-                                        </p:cTn>
-                                        <p:tgtEl>
-                                          <p:spTgt spid="23">
-                                            <p:txEl>
-                                              <p:pRg st="1" end="1"/>
-                                            </p:txEl>
-                                          </p:spTgt>
-                                        </p:tgtEl>
-                                        <p:attrNameLst>
-                                          <p:attrName>style.visibility</p:attrName>
-                                        </p:attrNameLst>
-                                      </p:cBhvr>
-                                      <p:to>
-                                        <p:strVal val="visible"/>
-                                      </p:to>
-                                    </p:set>
-                                  </p:childTnLst>
-                                </p:cTn>
-                              </p:par>
-                            </p:childTnLst>
-                          </p:cTn>
-                        </p:par>
-                      </p:childTnLst>
-                    </p:cTn>
-                  </p:par>
-                  <p:par>
-                    <p:cTn id="21" fill="hold">
-                      <p:stCondLst>
-                        <p:cond delay="indefinite"/>
-                      </p:stCondLst>
-                      <p:childTnLst>
-                        <p:par>
-                          <p:cTn id="22" fill="hold">
-                            <p:stCondLst>
-                              <p:cond delay="0"/>
-                            </p:stCondLst>
-                            <p:childTnLst>
-                              <p:par>
-                                <p:cTn id="23" presetID="1" presetClass="entr" presetSubtype="0" fill="hold" grpId="0" nodeType="clickEffect">
-                                  <p:stCondLst>
-                                    <p:cond delay="0"/>
-                                  </p:stCondLst>
-                                  <p:childTnLst>
-                                    <p:set>
-                                      <p:cBhvr>
-                                        <p:cTn id="24" dur="1" fill="hold">
-                                          <p:stCondLst>
-                                            <p:cond delay="0"/>
-                                          </p:stCondLst>
-                                        </p:cTn>
-                                        <p:tgtEl>
-                                          <p:spTgt spid="23">
-                                            <p:txEl>
-                                              <p:pRg st="2" end="2"/>
-                                            </p:txEl>
-                                          </p:spTgt>
-                                        </p:tgtEl>
-                                        <p:attrNameLst>
-                                          <p:attrName>style.visibility</p:attrName>
-                                        </p:attrNameLst>
-                                      </p:cBhvr>
-                                      <p:to>
-                                        <p:strVal val="visible"/>
-                                      </p:to>
-                                    </p:set>
-                                  </p:childTnLst>
-                                </p:cTn>
-                              </p:par>
-                            </p:childTnLst>
-                          </p:cTn>
-                        </p:par>
-                      </p:childTnLst>
-                    </p:cTn>
-                  </p:par>
-                  <p:par>
-                    <p:cTn id="25" fill="hold">
-                      <p:stCondLst>
-                        <p:cond delay="indefinite"/>
-                      </p:stCondLst>
-                      <p:childTnLst>
-                        <p:par>
-                          <p:cTn id="26" fill="hold">
-                            <p:stCondLst>
-                              <p:cond delay="0"/>
-                            </p:stCondLst>
-                            <p:childTnLst>
-                              <p:par>
-                                <p:cTn id="27" presetID="1" presetClass="entr" presetSubtype="0" fill="hold" grpId="0" nodeType="clickEffect">
-                                  <p:stCondLst>
-                                    <p:cond delay="0"/>
-                                  </p:stCondLst>
-                                  <p:childTnLst>
-                                    <p:set>
-                                      <p:cBhvr>
-                                        <p:cTn id="28" dur="1" fill="hold">
-                                          <p:stCondLst>
-                                            <p:cond delay="0"/>
-                                          </p:stCondLst>
-                                        </p:cTn>
-                                        <p:tgtEl>
-                                          <p:spTgt spid="23">
-                                            <p:txEl>
-                                              <p:pRg st="3" end="3"/>
-                                            </p:txEl>
-                                          </p:spTgt>
-                                        </p:tgtEl>
-                                        <p:attrNameLst>
-                                          <p:attrName>style.visibility</p:attrName>
-                                        </p:attrNameLst>
-                                      </p:cBhvr>
-                                      <p:to>
-                                        <p:strVal val="visible"/>
-                                      </p:to>
-                                    </p:set>
-                                  </p:childTnLst>
-                                </p:cTn>
-                              </p:par>
-                            </p:childTnLst>
-                          </p:cTn>
-                        </p:par>
-                      </p:childTnLst>
-                    </p:cTn>
-                  </p:par>
-                  <p:par>
-                    <p:cTn id="29" fill="hold">
-                      <p:stCondLst>
-                        <p:cond delay="indefinite"/>
-                      </p:stCondLst>
-                      <p:childTnLst>
-                        <p:par>
-                          <p:cTn id="30" fill="hold">
-                            <p:stCondLst>
-                              <p:cond delay="0"/>
-                            </p:stCondLst>
-                            <p:childTnLst>
-                              <p:par>
-                                <p:cTn id="31" presetID="1" presetClass="entr" presetSubtype="0" fill="hold" grpId="0" nodeType="clickEffect">
-                                  <p:stCondLst>
-                                    <p:cond delay="0"/>
-                                  </p:stCondLst>
-                                  <p:childTnLst>
-                                    <p:set>
-                                      <p:cBhvr>
-                                        <p:cTn id="32" dur="1" fill="hold">
-                                          <p:stCondLst>
-                                            <p:cond delay="0"/>
-                                          </p:stCondLst>
-                                        </p:cTn>
-                                        <p:tgtEl>
-                                          <p:spTgt spid="23">
-                                            <p:txEl>
-                                              <p:pRg st="4" end="4"/>
-                                            </p:txEl>
-                                          </p:spTgt>
-                                        </p:tgtEl>
-                                        <p:attrNameLst>
-                                          <p:attrName>style.visibility</p:attrName>
-                                        </p:attrNameLst>
-                                      </p:cBhvr>
-                                      <p:to>
-                                        <p:strVal val="visible"/>
-                                      </p:to>
-                                    </p:set>
-                                  </p:childTnLst>
-                                </p:cTn>
-                              </p:par>
-                            </p:childTnLst>
-                          </p:cTn>
-                        </p:par>
-                      </p:childTnLst>
-                    </p:cTn>
-                  </p:par>
-                  <p:par>
-                    <p:cTn id="33" fill="hold">
-                      <p:stCondLst>
-                        <p:cond delay="indefinite"/>
-                      </p:stCondLst>
-                      <p:childTnLst>
-                        <p:par>
-                          <p:cTn id="34" fill="hold">
-                            <p:stCondLst>
-                              <p:cond delay="0"/>
-                            </p:stCondLst>
-                            <p:childTnLst>
-                              <p:par>
-                                <p:cTn id="35" presetID="1" presetClass="entr" presetSubtype="0" fill="hold" grpId="0" nodeType="clickEffect">
-                                  <p:stCondLst>
-                                    <p:cond delay="0"/>
-                                  </p:stCondLst>
-                                  <p:childTnLst>
-                                    <p:set>
-                                      <p:cBhvr>
-                                        <p:cTn id="36" dur="1" fill="hold">
-                                          <p:stCondLst>
-                                            <p:cond delay="0"/>
-                                          </p:stCondLst>
-                                        </p:cTn>
-                                        <p:tgtEl>
-                                          <p:spTgt spid="23">
-                                            <p:txEl>
-                                              <p:pRg st="5" end="5"/>
-                                            </p:txEl>
-                                          </p:spTgt>
-                                        </p:tgtEl>
-                                        <p:attrNameLst>
-                                          <p:attrName>style.visibility</p:attrName>
-                                        </p:attrNameLst>
-                                      </p:cBhvr>
-                                      <p:to>
-                                        <p:strVal val="visible"/>
-                                      </p:to>
-                                    </p:set>
-                                  </p:childTnLst>
-                                </p:cTn>
-                              </p:par>
-                              <p:par>
-                                <p:cTn id="37" presetID="1" presetClass="entr" presetSubtype="0" fill="hold" nodeType="withEffect">
-                                  <p:stCondLst>
-                                    <p:cond delay="0"/>
-                                  </p:stCondLst>
-                                  <p:childTnLst>
-                                    <p:set>
-                                      <p:cBhvr>
-                                        <p:cTn id="38" dur="1" fill="hold">
+                                        <p:cTn id="12" dur="1" fill="hold">
                                           <p:stCondLst>
                                             <p:cond delay="0"/>
                                           </p:stCondLst>
@@ -9875,7 +9519,7 @@
       </p:par>
     </p:tnLst>
     <p:bldLst>
-      <p:bldP spid="23" grpId="0" uiExpand="1" build="p" animBg="1"/>
+      <p:bldP spid="23" grpId="0" animBg="1"/>
     </p:bldLst>
   </p:timing>
 </p:sld>
@@ -9974,8 +9618,13 @@
             </a:pPr>
             <a:r>
               <a:rPr lang="en-US" dirty="0" smtClean="0"/>
-              <a:t>The function will check if the input field is filled</a:t>
-            </a:r>
+              <a:t>The function will check if the </a:t>
+            </a:r>
+            <a:r>
+              <a:rPr lang="en-US" dirty="0" smtClean="0"/>
+              <a:t>input field is filled</a:t>
+            </a:r>
+            <a:endParaRPr lang="en-US" dirty="0" smtClean="0"/>
           </a:p>
         </p:txBody>
       </p:sp>
@@ -10999,7 +10648,7 @@
         </p:nvSpPr>
         <p:spPr>
           <a:xfrm>
-            <a:off x="190353" y="3110456"/>
+            <a:off x="443913" y="2948328"/>
             <a:ext cx="10865927" cy="3726762"/>
           </a:xfrm>
           <a:prstGeom prst="rect">
@@ -11376,7 +11025,7 @@
         </p:blipFill>
         <p:spPr bwMode="auto">
           <a:xfrm>
-            <a:off x="9980612" y="3380465"/>
+            <a:off x="10409022" y="3124200"/>
             <a:ext cx="832389" cy="832389"/>
           </a:xfrm>
           <a:prstGeom prst="rect">
@@ -11441,7 +11090,7 @@
                                         <p:tgtEl>
                                           <p:spTgt spid="22">
                                             <p:txEl>
-                                              <p:pRg st="0" end="0"/>
+                                              <p:pRg st="1" end="1"/>
                                             </p:txEl>
                                           </p:spTgt>
                                         </p:tgtEl>
@@ -11490,7 +11139,7 @@
                                         <p:tgtEl>
                                           <p:spTgt spid="22">
                                             <p:txEl>
-                                              <p:pRg st="1" end="1"/>
+                                              <p:pRg st="2" end="2"/>
                                             </p:txEl>
                                           </p:spTgt>
                                         </p:tgtEl>
@@ -11524,7 +11173,7 @@
                             </p:stCondLst>
                             <p:childTnLst>
                               <p:par>
-                                <p:cTn id="13" presetID="1" presetClass="entr" presetSubtype="0" fill="hold" nodeType="clickEffect">
+                                <p:cTn id="13" presetID="1" presetClass="entr" presetSubtype="0" fill="hold" grpId="0" nodeType="clickEffect">
                                   <p:stCondLst>
                                     <p:cond delay="0"/>
                                   </p:stCondLst>
@@ -11537,58 +11186,7 @@
                                           </p:stCondLst>
                                         </p:cTn>
                                         <p:tgtEl>
-                                          <p:spTgt spid="22">
-                                            <p:txEl>
-                                              <p:pRg st="2" end="2"/>
-                                            </p:txEl>
-                                          </p:spTgt>
-                                        </p:tgtEl>
-                                        <p:attrNameLst>
-                                          <p:attrName>style.visibility</p:attrName>
-                                        </p:attrNameLst>
-                                      </p:cBhvr>
-                                      <p:to>
-                                        <p:strVal val="visible"/>
-                                      </p:to>
-                                    </p:set>
-                                  </p:childTnLst>
-                                </p:cTn>
-                              </p:par>
-                            </p:childTnLst>
-                          </p:cTn>
-                        </p:par>
-                      </p:childTnLst>
-                    </p:cTn>
-                  </p:par>
-                  <p:par>
-                    <p:cTn id="15" fill="hold">
-                      <p:stCondLst>
-                        <p:cond delay="indefinite"/>
-                      </p:stCondLst>
-                      <p:childTnLst>
-                        <p:par>
-                          <p:cTn id="16" fill="hold">
-                            <p:stCondLst>
-                              <p:cond delay="0"/>
-                            </p:stCondLst>
-                            <p:childTnLst>
-                              <p:par>
-                                <p:cTn id="17" presetID="1" presetClass="entr" presetSubtype="0" fill="hold" grpId="0" nodeType="clickEffect">
-                                  <p:stCondLst>
-                                    <p:cond delay="0"/>
-                                  </p:stCondLst>
-                                  <p:childTnLst>
-                                    <p:set>
-                                      <p:cBhvr>
-                                        <p:cTn id="18" dur="1" fill="hold">
-                                          <p:stCondLst>
-                                            <p:cond delay="0"/>
-                                          </p:stCondLst>
-                                        </p:cTn>
-                                        <p:tgtEl>
-                                          <p:spTgt spid="23">
-                                            <p:bg/>
-                                          </p:spTgt>
+                                          <p:spTgt spid="23"/>
                                         </p:tgtEl>
                                         <p:attrNameLst>
                                           <p:attrName>style.visibility</p:attrName>
@@ -11602,339 +11200,14 @@
                                 </p:cTn>
                               </p:par>
                               <p:par>
-                                <p:cTn id="19" presetID="1" presetClass="entr" presetSubtype="0" fill="hold" grpId="0" nodeType="withEffect">
+                                <p:cTn id="15" presetID="1" presetClass="entr" presetSubtype="0" fill="hold" nodeType="withEffect">
                                   <p:stCondLst>
                                     <p:cond delay="0"/>
                                   </p:stCondLst>
                                   <p:childTnLst>
                                     <p:set>
                                       <p:cBhvr>
-                                        <p:cTn id="20" dur="1" fill="hold">
-                                          <p:stCondLst>
-                                            <p:cond delay="0"/>
-                                          </p:stCondLst>
-                                        </p:cTn>
-                                        <p:tgtEl>
-                                          <p:spTgt spid="23">
-                                            <p:txEl>
-                                              <p:pRg st="0" end="0"/>
-                                            </p:txEl>
-                                          </p:spTgt>
-                                        </p:tgtEl>
-                                        <p:attrNameLst>
-                                          <p:attrName>style.visibility</p:attrName>
-                                        </p:attrNameLst>
-                                      </p:cBhvr>
-                                      <p:to>
-                                        <p:strVal val="visible"/>
-                                      </p:to>
-                                    </p:set>
-                                  </p:childTnLst>
-                                </p:cTn>
-                              </p:par>
-                            </p:childTnLst>
-                          </p:cTn>
-                        </p:par>
-                      </p:childTnLst>
-                    </p:cTn>
-                  </p:par>
-                  <p:par>
-                    <p:cTn id="21" fill="hold">
-                      <p:stCondLst>
-                        <p:cond delay="indefinite"/>
-                      </p:stCondLst>
-                      <p:childTnLst>
-                        <p:par>
-                          <p:cTn id="22" fill="hold">
-                            <p:stCondLst>
-                              <p:cond delay="0"/>
-                            </p:stCondLst>
-                            <p:childTnLst>
-                              <p:par>
-                                <p:cTn id="23" presetID="1" presetClass="entr" presetSubtype="0" fill="hold" grpId="0" nodeType="clickEffect">
-                                  <p:stCondLst>
-                                    <p:cond delay="0"/>
-                                  </p:stCondLst>
-                                  <p:childTnLst>
-                                    <p:set>
-                                      <p:cBhvr>
-                                        <p:cTn id="24" dur="1" fill="hold">
-                                          <p:stCondLst>
-                                            <p:cond delay="0"/>
-                                          </p:stCondLst>
-                                        </p:cTn>
-                                        <p:tgtEl>
-                                          <p:spTgt spid="23">
-                                            <p:txEl>
-                                              <p:pRg st="1" end="1"/>
-                                            </p:txEl>
-                                          </p:spTgt>
-                                        </p:tgtEl>
-                                        <p:attrNameLst>
-                                          <p:attrName>style.visibility</p:attrName>
-                                        </p:attrNameLst>
-                                      </p:cBhvr>
-                                      <p:to>
-                                        <p:strVal val="visible"/>
-                                      </p:to>
-                                    </p:set>
-                                  </p:childTnLst>
-                                </p:cTn>
-                              </p:par>
-                            </p:childTnLst>
-                          </p:cTn>
-                        </p:par>
-                      </p:childTnLst>
-                    </p:cTn>
-                  </p:par>
-                  <p:par>
-                    <p:cTn id="25" fill="hold">
-                      <p:stCondLst>
-                        <p:cond delay="indefinite"/>
-                      </p:stCondLst>
-                      <p:childTnLst>
-                        <p:par>
-                          <p:cTn id="26" fill="hold">
-                            <p:stCondLst>
-                              <p:cond delay="0"/>
-                            </p:stCondLst>
-                            <p:childTnLst>
-                              <p:par>
-                                <p:cTn id="27" presetID="1" presetClass="entr" presetSubtype="0" fill="hold" grpId="0" nodeType="clickEffect">
-                                  <p:stCondLst>
-                                    <p:cond delay="0"/>
-                                  </p:stCondLst>
-                                  <p:childTnLst>
-                                    <p:set>
-                                      <p:cBhvr>
-                                        <p:cTn id="28" dur="1" fill="hold">
-                                          <p:stCondLst>
-                                            <p:cond delay="0"/>
-                                          </p:stCondLst>
-                                        </p:cTn>
-                                        <p:tgtEl>
-                                          <p:spTgt spid="23">
-                                            <p:txEl>
-                                              <p:pRg st="2" end="2"/>
-                                            </p:txEl>
-                                          </p:spTgt>
-                                        </p:tgtEl>
-                                        <p:attrNameLst>
-                                          <p:attrName>style.visibility</p:attrName>
-                                        </p:attrNameLst>
-                                      </p:cBhvr>
-                                      <p:to>
-                                        <p:strVal val="visible"/>
-                                      </p:to>
-                                    </p:set>
-                                  </p:childTnLst>
-                                </p:cTn>
-                              </p:par>
-                            </p:childTnLst>
-                          </p:cTn>
-                        </p:par>
-                      </p:childTnLst>
-                    </p:cTn>
-                  </p:par>
-                  <p:par>
-                    <p:cTn id="29" fill="hold">
-                      <p:stCondLst>
-                        <p:cond delay="indefinite"/>
-                      </p:stCondLst>
-                      <p:childTnLst>
-                        <p:par>
-                          <p:cTn id="30" fill="hold">
-                            <p:stCondLst>
-                              <p:cond delay="0"/>
-                            </p:stCondLst>
-                            <p:childTnLst>
-                              <p:par>
-                                <p:cTn id="31" presetID="1" presetClass="entr" presetSubtype="0" fill="hold" grpId="0" nodeType="clickEffect">
-                                  <p:stCondLst>
-                                    <p:cond delay="0"/>
-                                  </p:stCondLst>
-                                  <p:childTnLst>
-                                    <p:set>
-                                      <p:cBhvr>
-                                        <p:cTn id="32" dur="1" fill="hold">
-                                          <p:stCondLst>
-                                            <p:cond delay="0"/>
-                                          </p:stCondLst>
-                                        </p:cTn>
-                                        <p:tgtEl>
-                                          <p:spTgt spid="23">
-                                            <p:txEl>
-                                              <p:pRg st="3" end="3"/>
-                                            </p:txEl>
-                                          </p:spTgt>
-                                        </p:tgtEl>
-                                        <p:attrNameLst>
-                                          <p:attrName>style.visibility</p:attrName>
-                                        </p:attrNameLst>
-                                      </p:cBhvr>
-                                      <p:to>
-                                        <p:strVal val="visible"/>
-                                      </p:to>
-                                    </p:set>
-                                  </p:childTnLst>
-                                </p:cTn>
-                              </p:par>
-                            </p:childTnLst>
-                          </p:cTn>
-                        </p:par>
-                      </p:childTnLst>
-                    </p:cTn>
-                  </p:par>
-                  <p:par>
-                    <p:cTn id="33" fill="hold">
-                      <p:stCondLst>
-                        <p:cond delay="indefinite"/>
-                      </p:stCondLst>
-                      <p:childTnLst>
-                        <p:par>
-                          <p:cTn id="34" fill="hold">
-                            <p:stCondLst>
-                              <p:cond delay="0"/>
-                            </p:stCondLst>
-                            <p:childTnLst>
-                              <p:par>
-                                <p:cTn id="35" presetID="1" presetClass="entr" presetSubtype="0" fill="hold" grpId="0" nodeType="clickEffect">
-                                  <p:stCondLst>
-                                    <p:cond delay="0"/>
-                                  </p:stCondLst>
-                                  <p:childTnLst>
-                                    <p:set>
-                                      <p:cBhvr>
-                                        <p:cTn id="36" dur="1" fill="hold">
-                                          <p:stCondLst>
-                                            <p:cond delay="0"/>
-                                          </p:stCondLst>
-                                        </p:cTn>
-                                        <p:tgtEl>
-                                          <p:spTgt spid="23">
-                                            <p:txEl>
-                                              <p:pRg st="4" end="4"/>
-                                            </p:txEl>
-                                          </p:spTgt>
-                                        </p:tgtEl>
-                                        <p:attrNameLst>
-                                          <p:attrName>style.visibility</p:attrName>
-                                        </p:attrNameLst>
-                                      </p:cBhvr>
-                                      <p:to>
-                                        <p:strVal val="visible"/>
-                                      </p:to>
-                                    </p:set>
-                                  </p:childTnLst>
-                                </p:cTn>
-                              </p:par>
-                            </p:childTnLst>
-                          </p:cTn>
-                        </p:par>
-                      </p:childTnLst>
-                    </p:cTn>
-                  </p:par>
-                  <p:par>
-                    <p:cTn id="37" fill="hold">
-                      <p:stCondLst>
-                        <p:cond delay="indefinite"/>
-                      </p:stCondLst>
-                      <p:childTnLst>
-                        <p:par>
-                          <p:cTn id="38" fill="hold">
-                            <p:stCondLst>
-                              <p:cond delay="0"/>
-                            </p:stCondLst>
-                            <p:childTnLst>
-                              <p:par>
-                                <p:cTn id="39" presetID="1" presetClass="entr" presetSubtype="0" fill="hold" grpId="0" nodeType="clickEffect">
-                                  <p:stCondLst>
-                                    <p:cond delay="0"/>
-                                  </p:stCondLst>
-                                  <p:childTnLst>
-                                    <p:set>
-                                      <p:cBhvr>
-                                        <p:cTn id="40" dur="1" fill="hold">
-                                          <p:stCondLst>
-                                            <p:cond delay="0"/>
-                                          </p:stCondLst>
-                                        </p:cTn>
-                                        <p:tgtEl>
-                                          <p:spTgt spid="23">
-                                            <p:txEl>
-                                              <p:pRg st="5" end="5"/>
-                                            </p:txEl>
-                                          </p:spTgt>
-                                        </p:tgtEl>
-                                        <p:attrNameLst>
-                                          <p:attrName>style.visibility</p:attrName>
-                                        </p:attrNameLst>
-                                      </p:cBhvr>
-                                      <p:to>
-                                        <p:strVal val="visible"/>
-                                      </p:to>
-                                    </p:set>
-                                  </p:childTnLst>
-                                </p:cTn>
-                              </p:par>
-                            </p:childTnLst>
-                          </p:cTn>
-                        </p:par>
-                      </p:childTnLst>
-                    </p:cTn>
-                  </p:par>
-                  <p:par>
-                    <p:cTn id="41" fill="hold">
-                      <p:stCondLst>
-                        <p:cond delay="indefinite"/>
-                      </p:stCondLst>
-                      <p:childTnLst>
-                        <p:par>
-                          <p:cTn id="42" fill="hold">
-                            <p:stCondLst>
-                              <p:cond delay="0"/>
-                            </p:stCondLst>
-                            <p:childTnLst>
-                              <p:par>
-                                <p:cTn id="43" presetID="1" presetClass="entr" presetSubtype="0" fill="hold" grpId="0" nodeType="clickEffect">
-                                  <p:stCondLst>
-                                    <p:cond delay="0"/>
-                                  </p:stCondLst>
-                                  <p:childTnLst>
-                                    <p:set>
-                                      <p:cBhvr>
-                                        <p:cTn id="44" dur="1" fill="hold">
-                                          <p:stCondLst>
-                                            <p:cond delay="0"/>
-                                          </p:stCondLst>
-                                        </p:cTn>
-                                        <p:tgtEl>
-                                          <p:spTgt spid="23">
-                                            <p:txEl>
-                                              <p:pRg st="6" end="6"/>
-                                            </p:txEl>
-                                          </p:spTgt>
-                                        </p:tgtEl>
-                                        <p:attrNameLst>
-                                          <p:attrName>style.visibility</p:attrName>
-                                        </p:attrNameLst>
-                                      </p:cBhvr>
-                                      <p:to>
-                                        <p:strVal val="visible"/>
-                                      </p:to>
-                                    </p:set>
-                                  </p:childTnLst>
-                                </p:cTn>
-                              </p:par>
-                              <p:par>
-                                <p:cTn id="45" presetID="1" presetClass="entr" presetSubtype="0" fill="hold" nodeType="withEffect">
-                                  <p:stCondLst>
-                                    <p:cond delay="0"/>
-                                  </p:stCondLst>
-                                  <p:childTnLst>
-                                    <p:set>
-                                      <p:cBhvr>
-                                        <p:cTn id="46" dur="1" fill="hold">
+                                        <p:cTn id="16" dur="1" fill="hold">
                                           <p:stCondLst>
                                             <p:cond delay="0"/>
                                           </p:stCondLst>
@@ -11981,7 +11254,7 @@
       </p:par>
     </p:tnLst>
     <p:bldLst>
-      <p:bldP spid="23" grpId="0" uiExpand="1" build="p" animBg="1"/>
+      <p:bldP spid="23" grpId="0" animBg="1"/>
     </p:bldLst>
   </p:timing>
 </p:sld>
@@ -12109,7 +11382,6 @@
               <a:rPr lang="en-US" sz="2800" dirty="0" smtClean="0"/>
               <a:t> property will be set to true and the paragraph will be displayed</a:t>
             </a:r>
-            <a:endParaRPr lang="en-US" sz="2800" dirty="0" smtClean="0"/>
           </a:p>
         </p:txBody>
       </p:sp>
@@ -12513,7 +11785,7 @@
                                         <p:tgtEl>
                                           <p:spTgt spid="22">
                                             <p:txEl>
-                                              <p:pRg st="0" end="0"/>
+                                              <p:pRg st="1" end="1"/>
                                             </p:txEl>
                                           </p:spTgt>
                                         </p:tgtEl>
@@ -12547,7 +11819,7 @@
                             </p:stCondLst>
                             <p:childTnLst>
                               <p:par>
-                                <p:cTn id="9" presetID="1" presetClass="entr" presetSubtype="0" fill="hold" nodeType="clickEffect">
+                                <p:cTn id="9" presetID="1" presetClass="entr" presetSubtype="0" fill="hold" grpId="0" nodeType="clickEffect">
                                   <p:stCondLst>
                                     <p:cond delay="0"/>
                                   </p:stCondLst>
@@ -12560,58 +11832,7 @@
                                           </p:stCondLst>
                                         </p:cTn>
                                         <p:tgtEl>
-                                          <p:spTgt spid="22">
-                                            <p:txEl>
-                                              <p:pRg st="1" end="1"/>
-                                            </p:txEl>
-                                          </p:spTgt>
-                                        </p:tgtEl>
-                                        <p:attrNameLst>
-                                          <p:attrName>style.visibility</p:attrName>
-                                        </p:attrNameLst>
-                                      </p:cBhvr>
-                                      <p:to>
-                                        <p:strVal val="visible"/>
-                                      </p:to>
-                                    </p:set>
-                                  </p:childTnLst>
-                                </p:cTn>
-                              </p:par>
-                            </p:childTnLst>
-                          </p:cTn>
-                        </p:par>
-                      </p:childTnLst>
-                    </p:cTn>
-                  </p:par>
-                  <p:par>
-                    <p:cTn id="11" fill="hold">
-                      <p:stCondLst>
-                        <p:cond delay="indefinite"/>
-                      </p:stCondLst>
-                      <p:childTnLst>
-                        <p:par>
-                          <p:cTn id="12" fill="hold">
-                            <p:stCondLst>
-                              <p:cond delay="0"/>
-                            </p:stCondLst>
-                            <p:childTnLst>
-                              <p:par>
-                                <p:cTn id="13" presetID="1" presetClass="entr" presetSubtype="0" fill="hold" grpId="0" nodeType="clickEffect">
-                                  <p:stCondLst>
-                                    <p:cond delay="0"/>
-                                  </p:stCondLst>
-                                  <p:childTnLst>
-                                    <p:set>
-                                      <p:cBhvr>
-                                        <p:cTn id="14" dur="1" fill="hold">
-                                          <p:stCondLst>
-                                            <p:cond delay="0"/>
-                                          </p:stCondLst>
-                                        </p:cTn>
-                                        <p:tgtEl>
-                                          <p:spTgt spid="23">
-                                            <p:bg/>
-                                          </p:spTgt>
+                                          <p:spTgt spid="23"/>
                                         </p:tgtEl>
                                         <p:attrNameLst>
                                           <p:attrName>style.visibility</p:attrName>
@@ -12625,303 +11846,14 @@
                                 </p:cTn>
                               </p:par>
                               <p:par>
-                                <p:cTn id="15" presetID="1" presetClass="entr" presetSubtype="0" fill="hold" grpId="0" nodeType="withEffect">
+                                <p:cTn id="11" presetID="1" presetClass="entr" presetSubtype="0" fill="hold" nodeType="withEffect">
                                   <p:stCondLst>
                                     <p:cond delay="0"/>
                                   </p:stCondLst>
                                   <p:childTnLst>
                                     <p:set>
                                       <p:cBhvr>
-                                        <p:cTn id="16" dur="1" fill="hold">
-                                          <p:stCondLst>
-                                            <p:cond delay="0"/>
-                                          </p:stCondLst>
-                                        </p:cTn>
-                                        <p:tgtEl>
-                                          <p:spTgt spid="23">
-                                            <p:txEl>
-                                              <p:pRg st="0" end="0"/>
-                                            </p:txEl>
-                                          </p:spTgt>
-                                        </p:tgtEl>
-                                        <p:attrNameLst>
-                                          <p:attrName>style.visibility</p:attrName>
-                                        </p:attrNameLst>
-                                      </p:cBhvr>
-                                      <p:to>
-                                        <p:strVal val="visible"/>
-                                      </p:to>
-                                    </p:set>
-                                  </p:childTnLst>
-                                </p:cTn>
-                              </p:par>
-                              <p:par>
-                                <p:cTn id="17" presetID="1" presetClass="entr" presetSubtype="0" fill="hold" grpId="0" nodeType="withEffect">
-                                  <p:stCondLst>
-                                    <p:cond delay="0"/>
-                                  </p:stCondLst>
-                                  <p:childTnLst>
-                                    <p:set>
-                                      <p:cBhvr>
-                                        <p:cTn id="18" dur="1" fill="hold">
-                                          <p:stCondLst>
-                                            <p:cond delay="0"/>
-                                          </p:stCondLst>
-                                        </p:cTn>
-                                        <p:tgtEl>
-                                          <p:spTgt spid="23">
-                                            <p:txEl>
-                                              <p:pRg st="1" end="1"/>
-                                            </p:txEl>
-                                          </p:spTgt>
-                                        </p:tgtEl>
-                                        <p:attrNameLst>
-                                          <p:attrName>style.visibility</p:attrName>
-                                        </p:attrNameLst>
-                                      </p:cBhvr>
-                                      <p:to>
-                                        <p:strVal val="visible"/>
-                                      </p:to>
-                                    </p:set>
-                                  </p:childTnLst>
-                                </p:cTn>
-                              </p:par>
-                            </p:childTnLst>
-                          </p:cTn>
-                        </p:par>
-                      </p:childTnLst>
-                    </p:cTn>
-                  </p:par>
-                  <p:par>
-                    <p:cTn id="19" fill="hold">
-                      <p:stCondLst>
-                        <p:cond delay="indefinite"/>
-                      </p:stCondLst>
-                      <p:childTnLst>
-                        <p:par>
-                          <p:cTn id="20" fill="hold">
-                            <p:stCondLst>
-                              <p:cond delay="0"/>
-                            </p:stCondLst>
-                            <p:childTnLst>
-                              <p:par>
-                                <p:cTn id="21" presetID="1" presetClass="entr" presetSubtype="0" fill="hold" grpId="0" nodeType="clickEffect">
-                                  <p:stCondLst>
-                                    <p:cond delay="0"/>
-                                  </p:stCondLst>
-                                  <p:childTnLst>
-                                    <p:set>
-                                      <p:cBhvr>
-                                        <p:cTn id="22" dur="1" fill="hold">
-                                          <p:stCondLst>
-                                            <p:cond delay="0"/>
-                                          </p:stCondLst>
-                                        </p:cTn>
-                                        <p:tgtEl>
-                                          <p:spTgt spid="23">
-                                            <p:txEl>
-                                              <p:pRg st="2" end="2"/>
-                                            </p:txEl>
-                                          </p:spTgt>
-                                        </p:tgtEl>
-                                        <p:attrNameLst>
-                                          <p:attrName>style.visibility</p:attrName>
-                                        </p:attrNameLst>
-                                      </p:cBhvr>
-                                      <p:to>
-                                        <p:strVal val="visible"/>
-                                      </p:to>
-                                    </p:set>
-                                  </p:childTnLst>
-                                </p:cTn>
-                              </p:par>
-                            </p:childTnLst>
-                          </p:cTn>
-                        </p:par>
-                      </p:childTnLst>
-                    </p:cTn>
-                  </p:par>
-                  <p:par>
-                    <p:cTn id="23" fill="hold">
-                      <p:stCondLst>
-                        <p:cond delay="indefinite"/>
-                      </p:stCondLst>
-                      <p:childTnLst>
-                        <p:par>
-                          <p:cTn id="24" fill="hold">
-                            <p:stCondLst>
-                              <p:cond delay="0"/>
-                            </p:stCondLst>
-                            <p:childTnLst>
-                              <p:par>
-                                <p:cTn id="25" presetID="1" presetClass="entr" presetSubtype="0" fill="hold" grpId="0" nodeType="clickEffect">
-                                  <p:stCondLst>
-                                    <p:cond delay="0"/>
-                                  </p:stCondLst>
-                                  <p:childTnLst>
-                                    <p:set>
-                                      <p:cBhvr>
-                                        <p:cTn id="26" dur="1" fill="hold">
-                                          <p:stCondLst>
-                                            <p:cond delay="0"/>
-                                          </p:stCondLst>
-                                        </p:cTn>
-                                        <p:tgtEl>
-                                          <p:spTgt spid="23">
-                                            <p:txEl>
-                                              <p:pRg st="3" end="3"/>
-                                            </p:txEl>
-                                          </p:spTgt>
-                                        </p:tgtEl>
-                                        <p:attrNameLst>
-                                          <p:attrName>style.visibility</p:attrName>
-                                        </p:attrNameLst>
-                                      </p:cBhvr>
-                                      <p:to>
-                                        <p:strVal val="visible"/>
-                                      </p:to>
-                                    </p:set>
-                                  </p:childTnLst>
-                                </p:cTn>
-                              </p:par>
-                              <p:par>
-                                <p:cTn id="27" presetID="1" presetClass="entr" presetSubtype="0" fill="hold" grpId="0" nodeType="withEffect">
-                                  <p:stCondLst>
-                                    <p:cond delay="0"/>
-                                  </p:stCondLst>
-                                  <p:childTnLst>
-                                    <p:set>
-                                      <p:cBhvr>
-                                        <p:cTn id="28" dur="1" fill="hold">
-                                          <p:stCondLst>
-                                            <p:cond delay="0"/>
-                                          </p:stCondLst>
-                                        </p:cTn>
-                                        <p:tgtEl>
-                                          <p:spTgt spid="23">
-                                            <p:txEl>
-                                              <p:pRg st="4" end="4"/>
-                                            </p:txEl>
-                                          </p:spTgt>
-                                        </p:tgtEl>
-                                        <p:attrNameLst>
-                                          <p:attrName>style.visibility</p:attrName>
-                                        </p:attrNameLst>
-                                      </p:cBhvr>
-                                      <p:to>
-                                        <p:strVal val="visible"/>
-                                      </p:to>
-                                    </p:set>
-                                  </p:childTnLst>
-                                </p:cTn>
-                              </p:par>
-                            </p:childTnLst>
-                          </p:cTn>
-                        </p:par>
-                      </p:childTnLst>
-                    </p:cTn>
-                  </p:par>
-                  <p:par>
-                    <p:cTn id="29" fill="hold">
-                      <p:stCondLst>
-                        <p:cond delay="indefinite"/>
-                      </p:stCondLst>
-                      <p:childTnLst>
-                        <p:par>
-                          <p:cTn id="30" fill="hold">
-                            <p:stCondLst>
-                              <p:cond delay="0"/>
-                            </p:stCondLst>
-                            <p:childTnLst>
-                              <p:par>
-                                <p:cTn id="31" presetID="1" presetClass="entr" presetSubtype="0" fill="hold" grpId="0" nodeType="clickEffect">
-                                  <p:stCondLst>
-                                    <p:cond delay="0"/>
-                                  </p:stCondLst>
-                                  <p:childTnLst>
-                                    <p:set>
-                                      <p:cBhvr>
-                                        <p:cTn id="32" dur="1" fill="hold">
-                                          <p:stCondLst>
-                                            <p:cond delay="0"/>
-                                          </p:stCondLst>
-                                        </p:cTn>
-                                        <p:tgtEl>
-                                          <p:spTgt spid="23">
-                                            <p:txEl>
-                                              <p:pRg st="5" end="5"/>
-                                            </p:txEl>
-                                          </p:spTgt>
-                                        </p:tgtEl>
-                                        <p:attrNameLst>
-                                          <p:attrName>style.visibility</p:attrName>
-                                        </p:attrNameLst>
-                                      </p:cBhvr>
-                                      <p:to>
-                                        <p:strVal val="visible"/>
-                                      </p:to>
-                                    </p:set>
-                                  </p:childTnLst>
-                                </p:cTn>
-                              </p:par>
-                            </p:childTnLst>
-                          </p:cTn>
-                        </p:par>
-                      </p:childTnLst>
-                    </p:cTn>
-                  </p:par>
-                  <p:par>
-                    <p:cTn id="33" fill="hold">
-                      <p:stCondLst>
-                        <p:cond delay="indefinite"/>
-                      </p:stCondLst>
-                      <p:childTnLst>
-                        <p:par>
-                          <p:cTn id="34" fill="hold">
-                            <p:stCondLst>
-                              <p:cond delay="0"/>
-                            </p:stCondLst>
-                            <p:childTnLst>
-                              <p:par>
-                                <p:cTn id="35" presetID="1" presetClass="entr" presetSubtype="0" fill="hold" grpId="0" nodeType="clickEffect">
-                                  <p:stCondLst>
-                                    <p:cond delay="0"/>
-                                  </p:stCondLst>
-                                  <p:childTnLst>
-                                    <p:set>
-                                      <p:cBhvr>
-                                        <p:cTn id="36" dur="1" fill="hold">
-                                          <p:stCondLst>
-                                            <p:cond delay="0"/>
-                                          </p:stCondLst>
-                                        </p:cTn>
-                                        <p:tgtEl>
-                                          <p:spTgt spid="23">
-                                            <p:txEl>
-                                              <p:pRg st="6" end="6"/>
-                                            </p:txEl>
-                                          </p:spTgt>
-                                        </p:tgtEl>
-                                        <p:attrNameLst>
-                                          <p:attrName>style.visibility</p:attrName>
-                                        </p:attrNameLst>
-                                      </p:cBhvr>
-                                      <p:to>
-                                        <p:strVal val="visible"/>
-                                      </p:to>
-                                    </p:set>
-                                  </p:childTnLst>
-                                </p:cTn>
-                              </p:par>
-                              <p:par>
-                                <p:cTn id="37" presetID="1" presetClass="entr" presetSubtype="0" fill="hold" nodeType="withEffect">
-                                  <p:stCondLst>
-                                    <p:cond delay="0"/>
-                                  </p:stCondLst>
-                                  <p:childTnLst>
-                                    <p:set>
-                                      <p:cBhvr>
-                                        <p:cTn id="38" dur="1" fill="hold">
+                                        <p:cTn id="12" dur="1" fill="hold">
                                           <p:stCondLst>
                                             <p:cond delay="0"/>
                                           </p:stCondLst>
@@ -12968,7 +11900,7 @@
       </p:par>
     </p:tnLst>
     <p:bldLst>
-      <p:bldP spid="23" grpId="0" uiExpand="1" build="p" animBg="1"/>
+      <p:bldP spid="23" grpId="0" animBg="1"/>
     </p:bldLst>
   </p:timing>
 </p:sld>
@@ -13061,7 +11993,6 @@
               <a:rPr lang="en-US" sz="3200" dirty="0" smtClean="0"/>
               <a:t>	</a:t>
             </a:r>
-            <a:endParaRPr lang="en-US" sz="3200" dirty="0" smtClean="0"/>
           </a:p>
           <a:p>
             <a:pPr marL="457200" indent="-457200">
@@ -13776,7 +12707,7 @@
                             </p:stCondLst>
                             <p:childTnLst>
                               <p:par>
-                                <p:cTn id="5" presetID="1" presetClass="entr" presetSubtype="0" fill="hold" nodeType="clickEffect">
+                                <p:cTn id="5" presetID="1" presetClass="entr" presetSubtype="0" fill="hold" grpId="0" nodeType="clickEffect">
                                   <p:stCondLst>
                                     <p:cond delay="0"/>
                                   </p:stCondLst>
@@ -13789,11 +12720,34 @@
                                           </p:stCondLst>
                                         </p:cTn>
                                         <p:tgtEl>
-                                          <p:spTgt spid="5">
-                                            <p:txEl>
-                                              <p:pRg st="0" end="0"/>
-                                            </p:txEl>
-                                          </p:spTgt>
+                                          <p:spTgt spid="11"/>
+                                        </p:tgtEl>
+                                        <p:attrNameLst>
+                                          <p:attrName>style.visibility</p:attrName>
+                                        </p:attrNameLst>
+                                      </p:cBhvr>
+                                      <p:to>
+                                        <p:strVal val="visible"/>
+                                      </p:to>
+                                    </p:set>
+                                  </p:childTnLst>
+                                </p:cTn>
+                              </p:par>
+                              <p:par>
+                                <p:cTn id="7" presetID="1" presetClass="entr" presetSubtype="0" fill="hold" nodeType="withEffect">
+                                  <p:stCondLst>
+                                    <p:cond delay="0"/>
+                                  </p:stCondLst>
+                                  <p:childTnLst>
+                                    <p:set>
+                                      <p:cBhvr>
+                                        <p:cTn id="8" dur="1" fill="hold">
+                                          <p:stCondLst>
+                                            <p:cond delay="0"/>
+                                          </p:stCondLst>
+                                        </p:cTn>
+                                        <p:tgtEl>
+                                          <p:spTgt spid="15"/>
                                         </p:tgtEl>
                                         <p:attrNameLst>
                                           <p:attrName>style.visibility</p:attrName>
@@ -13813,26 +12767,26 @@
                     </p:cTn>
                   </p:par>
                   <p:par>
-                    <p:cTn id="7" fill="hold">
+                    <p:cTn id="9" fill="hold">
                       <p:stCondLst>
                         <p:cond delay="indefinite"/>
                       </p:stCondLst>
                       <p:childTnLst>
                         <p:par>
-                          <p:cTn id="8" fill="hold">
+                          <p:cTn id="10" fill="hold">
                             <p:stCondLst>
                               <p:cond delay="0"/>
                             </p:stCondLst>
                             <p:childTnLst>
                               <p:par>
-                                <p:cTn id="9" presetID="1" presetClass="entr" presetSubtype="0" fill="hold" nodeType="clickEffect">
+                                <p:cTn id="11" presetID="1" presetClass="entr" presetSubtype="0" fill="hold" nodeType="clickEffect">
                                   <p:stCondLst>
                                     <p:cond delay="0"/>
                                   </p:stCondLst>
                                   <p:childTnLst>
                                     <p:set>
                                       <p:cBhvr>
-                                        <p:cTn id="10" dur="1" fill="hold">
+                                        <p:cTn id="12" dur="1" fill="hold">
                                           <p:stCondLst>
                                             <p:cond delay="0"/>
                                           </p:stCondLst>
@@ -13855,26 +12809,8 @@
                                   </p:childTnLst>
                                 </p:cTn>
                               </p:par>
-                            </p:childTnLst>
-                          </p:cTn>
-                        </p:par>
-                      </p:childTnLst>
-                    </p:cTn>
-                  </p:par>
-                  <p:par>
-                    <p:cTn id="11" fill="hold">
-                      <p:stCondLst>
-                        <p:cond delay="indefinite"/>
-                      </p:stCondLst>
-                      <p:childTnLst>
-                        <p:par>
-                          <p:cTn id="12" fill="hold">
-                            <p:stCondLst>
-                              <p:cond delay="0"/>
-                            </p:stCondLst>
-                            <p:childTnLst>
                               <p:par>
-                                <p:cTn id="13" presetID="1" presetClass="entr" presetSubtype="0" fill="hold" nodeType="clickEffect">
+                                <p:cTn id="13" presetID="1" presetClass="entr" presetSubtype="0" fill="hold" nodeType="withEffect">
                                   <p:stCondLst>
                                     <p:cond delay="0"/>
                                   </p:stCondLst>
@@ -13887,11 +12823,34 @@
                                           </p:stCondLst>
                                         </p:cTn>
                                         <p:tgtEl>
-                                          <p:spTgt spid="5">
-                                            <p:txEl>
-                                              <p:pRg st="6" end="6"/>
-                                            </p:txEl>
-                                          </p:spTgt>
+                                          <p:spTgt spid="16"/>
+                                        </p:tgtEl>
+                                        <p:attrNameLst>
+                                          <p:attrName>style.visibility</p:attrName>
+                                        </p:attrNameLst>
+                                      </p:cBhvr>
+                                      <p:to>
+                                        <p:strVal val="visible"/>
+                                      </p:to>
+                                    </p:set>
+                                  </p:childTnLst>
+                                </p:cTn>
+                              </p:par>
+                              <p:par>
+                                <p:cTn id="15" presetID="1" presetClass="entr" presetSubtype="0" fill="hold" grpId="0" nodeType="withEffect">
+                                  <p:stCondLst>
+                                    <p:cond delay="0"/>
+                                  </p:stCondLst>
+                                  <p:childTnLst>
+                                    <p:set>
+                                      <p:cBhvr>
+                                        <p:cTn id="16" dur="1" fill="hold">
+                                          <p:stCondLst>
+                                            <p:cond delay="0"/>
+                                          </p:stCondLst>
+                                        </p:cTn>
+                                        <p:tgtEl>
+                                          <p:spTgt spid="14"/>
                                         </p:tgtEl>
                                         <p:attrNameLst>
                                           <p:attrName>style.visibility</p:attrName>
@@ -13911,48 +12870,19 @@
                     </p:cTn>
                   </p:par>
                   <p:par>
-                    <p:cTn id="15" fill="hold">
+                    <p:cTn id="17" fill="hold">
                       <p:stCondLst>
                         <p:cond delay="indefinite"/>
                       </p:stCondLst>
                       <p:childTnLst>
                         <p:par>
-                          <p:cTn id="16" fill="hold">
+                          <p:cTn id="18" fill="hold">
                             <p:stCondLst>
                               <p:cond delay="0"/>
                             </p:stCondLst>
                             <p:childTnLst>
                               <p:par>
-                                <p:cTn id="17" presetID="1" presetClass="entr" presetSubtype="0" fill="hold" grpId="0" nodeType="clickEffect">
-                                  <p:stCondLst>
-                                    <p:cond delay="0"/>
-                                  </p:stCondLst>
-                                  <p:childTnLst>
-                                    <p:set>
-                                      <p:cBhvr>
-                                        <p:cTn id="18" dur="1" fill="hold">
-                                          <p:stCondLst>
-                                            <p:cond delay="0"/>
-                                          </p:stCondLst>
-                                        </p:cTn>
-                                        <p:tgtEl>
-                                          <p:spTgt spid="11">
-                                            <p:bg/>
-                                          </p:spTgt>
-                                        </p:tgtEl>
-                                        <p:attrNameLst>
-                                          <p:attrName>style.visibility</p:attrName>
-                                        </p:attrNameLst>
-                                      </p:cBhvr>
-                                      <p:to>
-                                        <p:strVal val="visible"/>
-                                      </p:to>
-                                    </p:set>
-                                  </p:childTnLst>
-                                </p:cTn>
-                              </p:par>
-                              <p:par>
-                                <p:cTn id="19" presetID="1" presetClass="entr" presetSubtype="0" fill="hold" grpId="0" nodeType="withEffect">
+                                <p:cTn id="19" presetID="1" presetClass="entr" presetSubtype="0" fill="hold" grpId="0" nodeType="clickEffect">
                                   <p:stCondLst>
                                     <p:cond delay="0"/>
                                   </p:stCondLst>
@@ -13965,205 +12895,11 @@
                                           </p:stCondLst>
                                         </p:cTn>
                                         <p:tgtEl>
-                                          <p:spTgt spid="11">
+                                          <p:spTgt spid="5">
                                             <p:txEl>
-                                              <p:pRg st="0" end="0"/>
+                                              <p:pRg st="6" end="6"/>
                                             </p:txEl>
                                           </p:spTgt>
-                                        </p:tgtEl>
-                                        <p:attrNameLst>
-                                          <p:attrName>style.visibility</p:attrName>
-                                        </p:attrNameLst>
-                                      </p:cBhvr>
-                                      <p:to>
-                                        <p:strVal val="visible"/>
-                                      </p:to>
-                                    </p:set>
-                                  </p:childTnLst>
-                                </p:cTn>
-                              </p:par>
-                            </p:childTnLst>
-                          </p:cTn>
-                        </p:par>
-                      </p:childTnLst>
-                    </p:cTn>
-                  </p:par>
-                  <p:par>
-                    <p:cTn id="21" fill="hold">
-                      <p:stCondLst>
-                        <p:cond delay="indefinite"/>
-                      </p:stCondLst>
-                      <p:childTnLst>
-                        <p:par>
-                          <p:cTn id="22" fill="hold">
-                            <p:stCondLst>
-                              <p:cond delay="0"/>
-                            </p:stCondLst>
-                            <p:childTnLst>
-                              <p:par>
-                                <p:cTn id="23" presetID="1" presetClass="entr" presetSubtype="0" fill="hold" grpId="0" nodeType="clickEffect">
-                                  <p:stCondLst>
-                                    <p:cond delay="0"/>
-                                  </p:stCondLst>
-                                  <p:childTnLst>
-                                    <p:set>
-                                      <p:cBhvr>
-                                        <p:cTn id="24" dur="1" fill="hold">
-                                          <p:stCondLst>
-                                            <p:cond delay="0"/>
-                                          </p:stCondLst>
-                                        </p:cTn>
-                                        <p:tgtEl>
-                                          <p:spTgt spid="14">
-                                            <p:bg/>
-                                          </p:spTgt>
-                                        </p:tgtEl>
-                                        <p:attrNameLst>
-                                          <p:attrName>style.visibility</p:attrName>
-                                        </p:attrNameLst>
-                                      </p:cBhvr>
-                                      <p:to>
-                                        <p:strVal val="visible"/>
-                                      </p:to>
-                                    </p:set>
-                                  </p:childTnLst>
-                                </p:cTn>
-                              </p:par>
-                              <p:par>
-                                <p:cTn id="25" presetID="1" presetClass="entr" presetSubtype="0" fill="hold" grpId="0" nodeType="withEffect">
-                                  <p:stCondLst>
-                                    <p:cond delay="0"/>
-                                  </p:stCondLst>
-                                  <p:childTnLst>
-                                    <p:set>
-                                      <p:cBhvr>
-                                        <p:cTn id="26" dur="1" fill="hold">
-                                          <p:stCondLst>
-                                            <p:cond delay="0"/>
-                                          </p:stCondLst>
-                                        </p:cTn>
-                                        <p:tgtEl>
-                                          <p:spTgt spid="14">
-                                            <p:txEl>
-                                              <p:pRg st="0" end="0"/>
-                                            </p:txEl>
-                                          </p:spTgt>
-                                        </p:tgtEl>
-                                        <p:attrNameLst>
-                                          <p:attrName>style.visibility</p:attrName>
-                                        </p:attrNameLst>
-                                      </p:cBhvr>
-                                      <p:to>
-                                        <p:strVal val="visible"/>
-                                      </p:to>
-                                    </p:set>
-                                  </p:childTnLst>
-                                </p:cTn>
-                              </p:par>
-                              <p:par>
-                                <p:cTn id="27" presetID="1" presetClass="entr" presetSubtype="0" fill="hold" grpId="0" nodeType="withEffect">
-                                  <p:stCondLst>
-                                    <p:cond delay="0"/>
-                                  </p:stCondLst>
-                                  <p:childTnLst>
-                                    <p:set>
-                                      <p:cBhvr>
-                                        <p:cTn id="28" dur="1" fill="hold">
-                                          <p:stCondLst>
-                                            <p:cond delay="0"/>
-                                          </p:stCondLst>
-                                        </p:cTn>
-                                        <p:tgtEl>
-                                          <p:spTgt spid="14">
-                                            <p:txEl>
-                                              <p:pRg st="1" end="1"/>
-                                            </p:txEl>
-                                          </p:spTgt>
-                                        </p:tgtEl>
-                                        <p:attrNameLst>
-                                          <p:attrName>style.visibility</p:attrName>
-                                        </p:attrNameLst>
-                                      </p:cBhvr>
-                                      <p:to>
-                                        <p:strVal val="visible"/>
-                                      </p:to>
-                                    </p:set>
-                                  </p:childTnLst>
-                                </p:cTn>
-                              </p:par>
-                              <p:par>
-                                <p:cTn id="29" presetID="1" presetClass="entr" presetSubtype="0" fill="hold" grpId="0" nodeType="withEffect">
-                                  <p:stCondLst>
-                                    <p:cond delay="0"/>
-                                  </p:stCondLst>
-                                  <p:childTnLst>
-                                    <p:set>
-                                      <p:cBhvr>
-                                        <p:cTn id="30" dur="1" fill="hold">
-                                          <p:stCondLst>
-                                            <p:cond delay="0"/>
-                                          </p:stCondLst>
-                                        </p:cTn>
-                                        <p:tgtEl>
-                                          <p:spTgt spid="14">
-                                            <p:txEl>
-                                              <p:pRg st="2" end="2"/>
-                                            </p:txEl>
-                                          </p:spTgt>
-                                        </p:tgtEl>
-                                        <p:attrNameLst>
-                                          <p:attrName>style.visibility</p:attrName>
-                                        </p:attrNameLst>
-                                      </p:cBhvr>
-                                      <p:to>
-                                        <p:strVal val="visible"/>
-                                      </p:to>
-                                    </p:set>
-                                  </p:childTnLst>
-                                </p:cTn>
-                              </p:par>
-                              <p:par>
-                                <p:cTn id="31" presetID="1" presetClass="entr" presetSubtype="0" fill="hold" nodeType="withEffect">
-                                  <p:stCondLst>
-                                    <p:cond delay="0"/>
-                                  </p:stCondLst>
-                                  <p:childTnLst>
-                                    <p:set>
-                                      <p:cBhvr>
-                                        <p:cTn id="32" dur="1" fill="hold">
-                                          <p:stCondLst>
-                                            <p:cond delay="0"/>
-                                          </p:stCondLst>
-                                        </p:cTn>
-                                        <p:tgtEl>
-                                          <p:spTgt spid="15"/>
-                                        </p:tgtEl>
-                                        <p:attrNameLst>
-                                          <p:attrName>style.visibility</p:attrName>
-                                        </p:attrNameLst>
-                                      </p:cBhvr>
-                                      <p:to>
-                                        <p:strVal val="visible"/>
-                                      </p:to>
-                                    </p:set>
-                                  </p:childTnLst>
-                                </p:cTn>
-                              </p:par>
-                              <p:par>
-                                <p:cTn id="33" presetID="1" presetClass="entr" presetSubtype="0" fill="hold" nodeType="withEffect">
-                                  <p:stCondLst>
-                                    <p:cond delay="0"/>
-                                  </p:stCondLst>
-                                  <p:childTnLst>
-                                    <p:set>
-                                      <p:cBhvr>
-                                        <p:cTn id="34" dur="1" fill="hold">
-                                          <p:stCondLst>
-                                            <p:cond delay="0"/>
-                                          </p:stCondLst>
-                                        </p:cTn>
-                                        <p:tgtEl>
-                                          <p:spTgt spid="16"/>
                                         </p:tgtEl>
                                         <p:attrNameLst>
                                           <p:attrName>style.visibility</p:attrName>
@@ -14204,8 +12940,9 @@
       </p:par>
     </p:tnLst>
     <p:bldLst>
-      <p:bldP spid="11" grpId="0" uiExpand="1" build="p" animBg="1"/>
-      <p:bldP spid="14" grpId="0" uiExpand="1" build="p" animBg="1"/>
+      <p:bldP spid="5" grpId="0" uiExpand="1" build="p"/>
+      <p:bldP spid="11" grpId="0" animBg="1"/>
+      <p:bldP spid="14" grpId="0" animBg="1"/>
     </p:bldLst>
   </p:timing>
 </p:sld>
@@ -14982,8 +13719,13 @@
           <a:p>
             <a:r>
               <a:rPr lang="en-US" dirty="0" smtClean="0"/>
-              <a:t>This is the actual method which will check </a:t>
-            </a:r>
+              <a:t>This is the actual method which will </a:t>
+            </a:r>
+            <a:r>
+              <a:rPr lang="en-US" dirty="0" smtClean="0"/>
+              <a:t>check: </a:t>
+            </a:r>
+            <a:endParaRPr lang="en-US" dirty="0" smtClean="0"/>
           </a:p>
           <a:p>
             <a:pPr lvl="1"/>
@@ -15085,7 +13827,7 @@
         </p:nvSpPr>
         <p:spPr>
           <a:xfrm>
-            <a:off x="514400" y="3103640"/>
+            <a:off x="728755" y="3122968"/>
             <a:ext cx="11049000" cy="3726762"/>
           </a:xfrm>
           <a:prstGeom prst="rect">
@@ -15477,7 +14219,7 @@
                             </p:stCondLst>
                             <p:childTnLst>
                               <p:par>
-                                <p:cTn id="5" presetID="1" presetClass="entr" presetSubtype="0" fill="hold" grpId="0" nodeType="clickEffect">
+                                <p:cTn id="5" presetID="1" presetClass="entr" presetSubtype="0" fill="hold" nodeType="clickEffect">
                                   <p:stCondLst>
                                     <p:cond delay="0"/>
                                   </p:stCondLst>
@@ -15490,67 +14232,7 @@
                                           </p:stCondLst>
                                         </p:cTn>
                                         <p:tgtEl>
-                                          <p:spTgt spid="10">
-                                            <p:bg/>
-                                          </p:spTgt>
-                                        </p:tgtEl>
-                                        <p:attrNameLst>
-                                          <p:attrName>style.visibility</p:attrName>
-                                        </p:attrNameLst>
-                                      </p:cBhvr>
-                                      <p:to>
-                                        <p:strVal val="visible"/>
-                                      </p:to>
-                                    </p:set>
-                                  </p:childTnLst>
-                                </p:cTn>
-                              </p:par>
-                              <p:par>
-                                <p:cTn id="7" presetID="1" presetClass="entr" presetSubtype="0" fill="hold" grpId="0" nodeType="withEffect">
-                                  <p:stCondLst>
-                                    <p:cond delay="0"/>
-                                  </p:stCondLst>
-                                  <p:childTnLst>
-                                    <p:set>
-                                      <p:cBhvr>
-                                        <p:cTn id="8" dur="1" fill="hold">
-                                          <p:stCondLst>
-                                            <p:cond delay="0"/>
-                                          </p:stCondLst>
-                                        </p:cTn>
-                                        <p:tgtEl>
-                                          <p:spTgt spid="10">
-                                            <p:txEl>
-                                              <p:pRg st="0" end="0"/>
-                                            </p:txEl>
-                                          </p:spTgt>
-                                        </p:tgtEl>
-                                        <p:attrNameLst>
-                                          <p:attrName>style.visibility</p:attrName>
-                                        </p:attrNameLst>
-                                      </p:cBhvr>
-                                      <p:to>
-                                        <p:strVal val="visible"/>
-                                      </p:to>
-                                    </p:set>
-                                  </p:childTnLst>
-                                </p:cTn>
-                              </p:par>
-                              <p:par>
-                                <p:cTn id="9" presetID="1" presetClass="entr" presetSubtype="0" fill="hold" grpId="0" nodeType="withEffect">
-                                  <p:stCondLst>
-                                    <p:cond delay="0"/>
-                                  </p:stCondLst>
-                                  <p:childTnLst>
-                                    <p:set>
-                                      <p:cBhvr>
-                                        <p:cTn id="10" dur="1" fill="hold">
-                                          <p:stCondLst>
-                                            <p:cond delay="0"/>
-                                          </p:stCondLst>
-                                        </p:cTn>
-                                        <p:tgtEl>
-                                          <p:spTgt spid="10">
+                                          <p:spTgt spid="16">
                                             <p:txEl>
                                               <p:pRg st="1" end="1"/>
                                             </p:txEl>
@@ -15567,21 +14249,39 @@
                                   </p:childTnLst>
                                 </p:cTn>
                               </p:par>
+                            </p:childTnLst>
+                          </p:cTn>
+                        </p:par>
+                      </p:childTnLst>
+                    </p:cTn>
+                  </p:par>
+                  <p:par>
+                    <p:cTn id="7" fill="hold">
+                      <p:stCondLst>
+                        <p:cond delay="indefinite"/>
+                      </p:stCondLst>
+                      <p:childTnLst>
+                        <p:par>
+                          <p:cTn id="8" fill="hold">
+                            <p:stCondLst>
+                              <p:cond delay="0"/>
+                            </p:stCondLst>
+                            <p:childTnLst>
                               <p:par>
-                                <p:cTn id="11" presetID="1" presetClass="entr" presetSubtype="0" fill="hold" grpId="0" nodeType="withEffect">
+                                <p:cTn id="9" presetID="1" presetClass="entr" presetSubtype="0" fill="hold" nodeType="clickEffect">
                                   <p:stCondLst>
                                     <p:cond delay="0"/>
                                   </p:stCondLst>
                                   <p:childTnLst>
                                     <p:set>
                                       <p:cBhvr>
-                                        <p:cTn id="12" dur="1" fill="hold">
+                                        <p:cTn id="10" dur="1" fill="hold">
                                           <p:stCondLst>
                                             <p:cond delay="0"/>
                                           </p:stCondLst>
                                         </p:cTn>
                                         <p:tgtEl>
-                                          <p:spTgt spid="10">
+                                          <p:spTgt spid="16">
                                             <p:txEl>
                                               <p:pRg st="2" end="2"/>
                                             </p:txEl>
@@ -15598,8 +14298,26 @@
                                   </p:childTnLst>
                                 </p:cTn>
                               </p:par>
+                            </p:childTnLst>
+                          </p:cTn>
+                        </p:par>
+                      </p:childTnLst>
+                    </p:cTn>
+                  </p:par>
+                  <p:par>
+                    <p:cTn id="11" fill="hold">
+                      <p:stCondLst>
+                        <p:cond delay="indefinite"/>
+                      </p:stCondLst>
+                      <p:childTnLst>
+                        <p:par>
+                          <p:cTn id="12" fill="hold">
+                            <p:stCondLst>
+                              <p:cond delay="0"/>
+                            </p:stCondLst>
+                            <p:childTnLst>
                               <p:par>
-                                <p:cTn id="13" presetID="1" presetClass="entr" presetSubtype="0" fill="hold" grpId="0" nodeType="withEffect">
+                                <p:cTn id="13" presetID="1" presetClass="entr" presetSubtype="0" fill="hold" grpId="0" nodeType="clickEffect">
                                   <p:stCondLst>
                                     <p:cond delay="0"/>
                                   </p:stCondLst>
@@ -15613,9 +14331,7 @@
                                         </p:cTn>
                                         <p:tgtEl>
                                           <p:spTgt spid="10">
-                                            <p:txEl>
-                                              <p:pRg st="3" end="3"/>
-                                            </p:txEl>
+                                            <p:bg/>
                                           </p:spTgt>
                                         </p:tgtEl>
                                         <p:attrNameLst>
@@ -15645,7 +14361,7 @@
                                         <p:tgtEl>
                                           <p:spTgt spid="10">
                                             <p:txEl>
-                                              <p:pRg st="4" end="4"/>
+                                              <p:pRg st="0" end="0"/>
                                             </p:txEl>
                                           </p:spTgt>
                                         </p:tgtEl>
@@ -15676,6 +14392,130 @@
                                         <p:tgtEl>
                                           <p:spTgt spid="10">
                                             <p:txEl>
+                                              <p:pRg st="1" end="1"/>
+                                            </p:txEl>
+                                          </p:spTgt>
+                                        </p:tgtEl>
+                                        <p:attrNameLst>
+                                          <p:attrName>style.visibility</p:attrName>
+                                        </p:attrNameLst>
+                                      </p:cBhvr>
+                                      <p:to>
+                                        <p:strVal val="visible"/>
+                                      </p:to>
+                                    </p:set>
+                                  </p:childTnLst>
+                                </p:cTn>
+                              </p:par>
+                              <p:par>
+                                <p:cTn id="19" presetID="1" presetClass="entr" presetSubtype="0" fill="hold" grpId="0" nodeType="withEffect">
+                                  <p:stCondLst>
+                                    <p:cond delay="0"/>
+                                  </p:stCondLst>
+                                  <p:childTnLst>
+                                    <p:set>
+                                      <p:cBhvr>
+                                        <p:cTn id="20" dur="1" fill="hold">
+                                          <p:stCondLst>
+                                            <p:cond delay="0"/>
+                                          </p:stCondLst>
+                                        </p:cTn>
+                                        <p:tgtEl>
+                                          <p:spTgt spid="10">
+                                            <p:txEl>
+                                              <p:pRg st="2" end="2"/>
+                                            </p:txEl>
+                                          </p:spTgt>
+                                        </p:tgtEl>
+                                        <p:attrNameLst>
+                                          <p:attrName>style.visibility</p:attrName>
+                                        </p:attrNameLst>
+                                      </p:cBhvr>
+                                      <p:to>
+                                        <p:strVal val="visible"/>
+                                      </p:to>
+                                    </p:set>
+                                  </p:childTnLst>
+                                </p:cTn>
+                              </p:par>
+                              <p:par>
+                                <p:cTn id="21" presetID="1" presetClass="entr" presetSubtype="0" fill="hold" grpId="0" nodeType="withEffect">
+                                  <p:stCondLst>
+                                    <p:cond delay="0"/>
+                                  </p:stCondLst>
+                                  <p:childTnLst>
+                                    <p:set>
+                                      <p:cBhvr>
+                                        <p:cTn id="22" dur="1" fill="hold">
+                                          <p:stCondLst>
+                                            <p:cond delay="0"/>
+                                          </p:stCondLst>
+                                        </p:cTn>
+                                        <p:tgtEl>
+                                          <p:spTgt spid="10">
+                                            <p:txEl>
+                                              <p:pRg st="3" end="3"/>
+                                            </p:txEl>
+                                          </p:spTgt>
+                                        </p:tgtEl>
+                                        <p:attrNameLst>
+                                          <p:attrName>style.visibility</p:attrName>
+                                        </p:attrNameLst>
+                                      </p:cBhvr>
+                                      <p:to>
+                                        <p:strVal val="visible"/>
+                                      </p:to>
+                                    </p:set>
+                                  </p:childTnLst>
+                                </p:cTn>
+                              </p:par>
+                              <p:par>
+                                <p:cTn id="23" presetID="1" presetClass="entr" presetSubtype="0" fill="hold" grpId="0" nodeType="withEffect">
+                                  <p:stCondLst>
+                                    <p:cond delay="0"/>
+                                  </p:stCondLst>
+                                  <p:childTnLst>
+                                    <p:set>
+                                      <p:cBhvr>
+                                        <p:cTn id="24" dur="1" fill="hold">
+                                          <p:stCondLst>
+                                            <p:cond delay="0"/>
+                                          </p:stCondLst>
+                                        </p:cTn>
+                                        <p:tgtEl>
+                                          <p:spTgt spid="10">
+                                            <p:txEl>
+                                              <p:pRg st="4" end="4"/>
+                                            </p:txEl>
+                                          </p:spTgt>
+                                        </p:tgtEl>
+                                        <p:attrNameLst>
+                                          <p:attrName>style.visibility</p:attrName>
+                                        </p:attrNameLst>
+                                      </p:cBhvr>
+                                      <p:to>
+                                        <p:strVal val="visible"/>
+                                      </p:to>
+                                    </p:set>
+                                  </p:childTnLst>
+                                </p:cTn>
+                              </p:par>
+                              <p:par>
+                                <p:cTn id="25" presetID="1" presetClass="entr" presetSubtype="0" fill="hold" grpId="0" nodeType="withEffect">
+                                  <p:stCondLst>
+                                    <p:cond delay="0"/>
+                                  </p:stCondLst>
+                                  <p:childTnLst>
+                                    <p:set>
+                                      <p:cBhvr>
+                                        <p:cTn id="26" dur="1" fill="hold">
+                                          <p:stCondLst>
+                                            <p:cond delay="0"/>
+                                          </p:stCondLst>
+                                        </p:cTn>
+                                        <p:tgtEl>
+                                          <p:spTgt spid="10">
+                                            <p:txEl>
                                               <p:pRg st="5" end="5"/>
                                             </p:txEl>
                                           </p:spTgt>
@@ -15691,33 +14531,15 @@
                                   </p:childTnLst>
                                 </p:cTn>
                               </p:par>
-                            </p:childTnLst>
-                          </p:cTn>
-                        </p:par>
-                      </p:childTnLst>
-                    </p:cTn>
-                  </p:par>
-                  <p:par>
-                    <p:cTn id="19" fill="hold">
-                      <p:stCondLst>
-                        <p:cond delay="indefinite"/>
-                      </p:stCondLst>
-                      <p:childTnLst>
-                        <p:par>
-                          <p:cTn id="20" fill="hold">
-                            <p:stCondLst>
-                              <p:cond delay="0"/>
-                            </p:stCondLst>
-                            <p:childTnLst>
                               <p:par>
-                                <p:cTn id="21" presetID="1" presetClass="entr" presetSubtype="0" fill="hold" grpId="0" nodeType="clickEffect">
+                                <p:cTn id="27" presetID="1" presetClass="entr" presetSubtype="0" fill="hold" grpId="0" nodeType="withEffect">
                                   <p:stCondLst>
                                     <p:cond delay="0"/>
                                   </p:stCondLst>
                                   <p:childTnLst>
                                     <p:set>
                                       <p:cBhvr>
-                                        <p:cTn id="22" dur="1" fill="hold">
+                                        <p:cTn id="28" dur="1" fill="hold">
                                           <p:stCondLst>
                                             <p:cond delay="0"/>
                                           </p:stCondLst>
@@ -15741,14 +14563,14 @@
                                 </p:cTn>
                               </p:par>
                               <p:par>
-                                <p:cTn id="23" presetID="1" presetClass="entr" presetSubtype="0" fill="hold" nodeType="withEffect">
+                                <p:cTn id="29" presetID="1" presetClass="entr" presetSubtype="0" fill="hold" nodeType="withEffect">
                                   <p:stCondLst>
                                     <p:cond delay="0"/>
                                   </p:stCondLst>
                                   <p:childTnLst>
                                     <p:set>
                                       <p:cBhvr>
-                                        <p:cTn id="24" dur="1" fill="hold">
+                                        <p:cTn id="30" dur="1" fill="hold">
                                           <p:stCondLst>
                                             <p:cond delay="0"/>
                                           </p:stCondLst>
@@ -15870,6 +14692,36 @@
           </a:p>
         </p:txBody>
       </p:sp>
+      <p:pic>
+        <p:nvPicPr>
+          <p:cNvPr id="4" name="Picture 3"/>
+          <p:cNvPicPr>
+            <a:picLocks noChangeAspect="1"/>
+          </p:cNvPicPr>
+          <p:nvPr/>
+        </p:nvPicPr>
+        <p:blipFill>
+          <a:blip r:embed="rId2">
+            <a:extLst>
+              <a:ext uri="{28A0092B-C50C-407E-A947-70E740481C1C}">
+                <a14:useLocalDpi xmlns:a14="http://schemas.microsoft.com/office/drawing/2010/main" val="0"/>
+              </a:ext>
+            </a:extLst>
+          </a:blip>
+          <a:stretch>
+            <a:fillRect/>
+          </a:stretch>
+        </p:blipFill>
+        <p:spPr>
+          <a:xfrm>
+            <a:off x="4991340" y="1752600"/>
+            <a:ext cx="2206146" cy="2206146"/>
+          </a:xfrm>
+          <a:prstGeom prst="rect">
+            <a:avLst/>
+          </a:prstGeom>
+        </p:spPr>
+      </p:pic>
     </p:spTree>
     <p:extLst>
       <p:ext uri="{BB962C8B-B14F-4D97-AF65-F5344CB8AC3E}">
@@ -15957,29 +14809,18 @@
               <a:rPr lang="en-US" sz="3600" dirty="0" smtClean="0"/>
               <a:t>Data Validation</a:t>
             </a:r>
-            <a:endParaRPr lang="en-US" sz="3600" dirty="0" smtClean="0"/>
           </a:p>
           <a:p>
             <a:r>
               <a:rPr lang="en-US" sz="3600" dirty="0" smtClean="0"/>
-              <a:t>Client Side </a:t>
-            </a:r>
-            <a:r>
-              <a:rPr lang="en-US" sz="3600" dirty="0" smtClean="0"/>
-              <a:t>V</a:t>
-            </a:r>
-            <a:r>
-              <a:rPr lang="en-US" sz="3600" dirty="0" smtClean="0"/>
-              <a:t>alidation</a:t>
-            </a:r>
-            <a:endParaRPr lang="en-US" sz="3600" dirty="0" smtClean="0"/>
+              <a:t>Client Side Validation</a:t>
+            </a:r>
           </a:p>
           <a:p>
             <a:r>
               <a:rPr lang="en-US" sz="3600" dirty="0" smtClean="0"/>
               <a:t>Custom Validation</a:t>
             </a:r>
-            <a:endParaRPr lang="en-US" sz="3600" dirty="0" smtClean="0"/>
           </a:p>
           <a:p>
             <a:r>
@@ -16034,216 +14875,6 @@
     <p:extLst>
       <p:ext uri="{BB962C8B-B14F-4D97-AF65-F5344CB8AC3E}">
         <p14:creationId xmlns:p14="http://schemas.microsoft.com/office/powerpoint/2010/main" val="1067004815"/>
-      </p:ext>
-    </p:extLst>
-  </p:cSld>
-  <p:clrMapOvr>
-    <a:masterClrMapping/>
-  </p:clrMapOvr>
-  <p:transition/>
-  <p:timing>
-    <p:tnLst>
-      <p:par>
-        <p:cTn id="1" dur="indefinite" restart="never" nodeType="tmRoot"/>
-      </p:par>
-    </p:tnLst>
-  </p:timing>
-</p:sld>
-</file>
-
-<file path=ppt/slides/slide20.xml><?xml version="1.0" encoding="utf-8"?>
-<p:sld xmlns:a="http://schemas.openxmlformats.org/drawingml/2006/main" xmlns:r="http://schemas.openxmlformats.org/officeDocument/2006/relationships" xmlns:p="http://schemas.openxmlformats.org/presentationml/2006/main">
-  <p:cSld>
-    <p:spTree>
-      <p:nvGrpSpPr>
-        <p:cNvPr id="1" name=""/>
-        <p:cNvGrpSpPr/>
-        <p:nvPr/>
-      </p:nvGrpSpPr>
-      <p:grpSpPr>
-        <a:xfrm>
-          <a:off x="0" y="0"/>
-          <a:ext cx="0" cy="0"/>
-          <a:chOff x="0" y="0"/>
-          <a:chExt cx="0" cy="0"/>
-        </a:xfrm>
-      </p:grpSpPr>
-      <p:sp>
-        <p:nvSpPr>
-          <p:cNvPr id="2" name="Текстов контейнер 1"/>
-          <p:cNvSpPr>
-            <a:spLocks noGrp="1"/>
-          </p:cNvSpPr>
-          <p:nvPr>
-            <p:ph type="body" sz="quarter" idx="10"/>
-          </p:nvPr>
-        </p:nvSpPr>
-        <p:spPr/>
-        <p:txBody>
-          <a:bodyPr>
-            <a:normAutofit/>
-          </a:bodyPr>
-          <a:lstStyle/>
-          <a:p>
-            <a:r>
-              <a:rPr lang="en-US" dirty="0"/>
-              <a:t>Simple, </a:t>
-            </a:r>
-            <a:r>
-              <a:rPr lang="en-US" b="1" dirty="0">
-                <a:solidFill>
-                  <a:schemeClr val="bg1"/>
-                </a:solidFill>
-              </a:rPr>
-              <a:t>lightweight model-based </a:t>
-            </a:r>
-            <a:r>
-              <a:rPr lang="en-US" dirty="0" smtClean="0"/>
-              <a:t>validation plugin</a:t>
-            </a:r>
-            <a:endParaRPr lang="en-US" dirty="0"/>
-          </a:p>
-          <a:p>
-            <a:r>
-              <a:rPr lang="en-US" dirty="0" smtClean="0"/>
-              <a:t>Flexible, </a:t>
-            </a:r>
-            <a:r>
-              <a:rPr lang="en-US" b="1" dirty="0">
-                <a:solidFill>
-                  <a:schemeClr val="bg1"/>
-                </a:solidFill>
-              </a:rPr>
-              <a:t>d</a:t>
-            </a:r>
-            <a:r>
-              <a:rPr lang="en-US" b="1" dirty="0" smtClean="0">
-                <a:solidFill>
-                  <a:schemeClr val="bg1"/>
-                </a:solidFill>
-              </a:rPr>
-              <a:t>ecoupled </a:t>
-            </a:r>
-            <a:r>
-              <a:rPr lang="en-US" b="1" dirty="0">
-                <a:solidFill>
-                  <a:schemeClr val="bg1"/>
-                </a:solidFill>
-              </a:rPr>
-              <a:t>from </a:t>
-            </a:r>
-            <a:r>
-              <a:rPr lang="en-US" b="1" dirty="0" smtClean="0">
-                <a:solidFill>
-                  <a:schemeClr val="bg1"/>
-                </a:solidFill>
-              </a:rPr>
-              <a:t>templates</a:t>
-            </a:r>
-          </a:p>
-          <a:p>
-            <a:pPr>
-              <a:buClr>
-                <a:schemeClr val="tx1"/>
-              </a:buClr>
-            </a:pPr>
-            <a:r>
-              <a:rPr lang="en-US" b="1" dirty="0">
-                <a:solidFill>
-                  <a:schemeClr val="bg1"/>
-                </a:solidFill>
-              </a:rPr>
-              <a:t>Dependency free</a:t>
-            </a:r>
-            <a:r>
-              <a:rPr lang="en-US" dirty="0"/>
-              <a:t>, minimalistic </a:t>
-            </a:r>
-            <a:r>
-              <a:rPr lang="en-US" dirty="0" smtClean="0"/>
-              <a:t>library</a:t>
-            </a:r>
-          </a:p>
-          <a:p>
-            <a:pPr>
-              <a:buClr>
-                <a:schemeClr val="tx1"/>
-              </a:buClr>
-            </a:pPr>
-            <a:r>
-              <a:rPr lang="en-US" dirty="0" smtClean="0"/>
-              <a:t>Many built-in validators</a:t>
-            </a:r>
-          </a:p>
-          <a:p>
-            <a:r>
-              <a:rPr lang="en-US" dirty="0"/>
-              <a:t>Easy to use with custom validators </a:t>
-            </a:r>
-            <a:endParaRPr lang="en-US" dirty="0" smtClean="0"/>
-          </a:p>
-          <a:p>
-            <a:r>
-              <a:rPr lang="en-US" dirty="0"/>
-              <a:t>High test coverage</a:t>
-            </a:r>
-          </a:p>
-          <a:p>
-            <a:endParaRPr lang="en-US" dirty="0" smtClean="0"/>
-          </a:p>
-        </p:txBody>
-      </p:sp>
-      <p:sp>
-        <p:nvSpPr>
-          <p:cNvPr id="3" name="Заглавие 2"/>
-          <p:cNvSpPr>
-            <a:spLocks noGrp="1"/>
-          </p:cNvSpPr>
-          <p:nvPr>
-            <p:ph type="title"/>
-          </p:nvPr>
-        </p:nvSpPr>
-        <p:spPr/>
-        <p:txBody>
-          <a:bodyPr/>
-          <a:lstStyle/>
-          <a:p>
-            <a:r>
-              <a:rPr lang="en-US" dirty="0" smtClean="0"/>
-              <a:t>Vuelidate</a:t>
-            </a:r>
-            <a:endParaRPr lang="bg-BG" dirty="0"/>
-          </a:p>
-        </p:txBody>
-      </p:sp>
-      <p:sp>
-        <p:nvSpPr>
-          <p:cNvPr id="4" name="Контейнер за номер на слайда 3"/>
-          <p:cNvSpPr>
-            <a:spLocks noGrp="1"/>
-          </p:cNvSpPr>
-          <p:nvPr>
-            <p:ph type="sldNum" sz="quarter" idx="13"/>
-          </p:nvPr>
-        </p:nvSpPr>
-        <p:spPr/>
-        <p:txBody>
-          <a:bodyPr/>
-          <a:lstStyle/>
-          <a:p>
-            <a:fld id="{C014DD1E-5D91-48A3-AD6D-45FBA980D106}" type="slidenum">
-              <a:rPr lang="en-US" smtClean="0"/>
-              <a:pPr/>
-              <a:t>20</a:t>
-            </a:fld>
-            <a:endParaRPr lang="en-US" dirty="0"/>
-          </a:p>
-        </p:txBody>
-      </p:sp>
-    </p:spTree>
-    <p:extLst>
-      <p:ext uri="{BB962C8B-B14F-4D97-AF65-F5344CB8AC3E}">
-        <p14:creationId xmlns:p14="http://schemas.microsoft.com/office/powerpoint/2010/main" val="2977007362"/>
       </p:ext>
     </p:extLst>
   </p:cSld>
@@ -16272,7 +14903,7 @@
                             </p:stCondLst>
                             <p:childTnLst>
                               <p:par>
-                                <p:cTn id="5" presetID="1" presetClass="entr" presetSubtype="0" fill="hold" nodeType="clickEffect">
+                                <p:cTn id="5" presetID="1" presetClass="entr" presetSubtype="0" fill="hold" grpId="0" nodeType="clickEffect">
                                   <p:stCondLst>
                                     <p:cond delay="0"/>
                                   </p:stCondLst>
@@ -16285,9 +14916,9 @@
                                           </p:stCondLst>
                                         </p:cTn>
                                         <p:tgtEl>
-                                          <p:spTgt spid="2">
+                                          <p:spTgt spid="3">
                                             <p:txEl>
-                                              <p:pRg st="0" end="0"/>
+                                              <p:pRg st="1" end="1"/>
                                             </p:txEl>
                                           </p:spTgt>
                                         </p:tgtEl>
@@ -16321,7 +14952,7 @@
                             </p:stCondLst>
                             <p:childTnLst>
                               <p:par>
-                                <p:cTn id="9" presetID="1" presetClass="entr" presetSubtype="0" fill="hold" nodeType="clickEffect">
+                                <p:cTn id="9" presetID="1" presetClass="entr" presetSubtype="0" fill="hold" grpId="0" nodeType="clickEffect">
                                   <p:stCondLst>
                                     <p:cond delay="0"/>
                                   </p:stCondLst>
@@ -16334,9 +14965,58 @@
                                           </p:stCondLst>
                                         </p:cTn>
                                         <p:tgtEl>
-                                          <p:spTgt spid="2">
+                                          <p:spTgt spid="3">
                                             <p:txEl>
-                                              <p:pRg st="1" end="1"/>
+                                              <p:pRg st="2" end="2"/>
+                                            </p:txEl>
+                                          </p:spTgt>
+                                        </p:tgtEl>
+                                        <p:attrNameLst>
+                                          <p:attrName>style.visibility</p:attrName>
+                                        </p:attrNameLst>
+                                      </p:cBhvr>
+                                      <p:to>
+                                        <p:strVal val="visible"/>
+                                      </p:to>
+                                    </p:set>
+                                  </p:childTnLst>
+                                </p:cTn>
+                              </p:par>
+                            </p:childTnLst>
+                          </p:cTn>
+                        </p:par>
+                      </p:childTnLst>
+                    </p:cTn>
+                  </p:par>
+                  <p:par>
+                    <p:cTn id="11" fill="hold">
+                      <p:stCondLst>
+                        <p:cond delay="indefinite"/>
+                      </p:stCondLst>
+                      <p:childTnLst>
+                        <p:par>
+                          <p:cTn id="12" fill="hold">
+                            <p:stCondLst>
+                              <p:cond delay="0"/>
+                            </p:stCondLst>
+                            <p:childTnLst>
+                              <p:par>
+                                <p:cTn id="13" presetID="1" presetClass="entr" presetSubtype="0" fill="hold" grpId="0" nodeType="clickEffect">
+                                  <p:stCondLst>
+                                    <p:cond delay="0"/>
+                                  </p:stCondLst>
+                                  <p:childTnLst>
+                                    <p:set>
+                                      <p:cBhvr>
+                                        <p:cTn id="14" dur="1" fill="hold">
+                                          <p:stCondLst>
+                                            <p:cond delay="0"/>
+                                          </p:stCondLst>
+                                        </p:cTn>
+                                        <p:tgtEl>
+                                          <p:spTgt spid="3">
+                                            <p:txEl>
+                                              <p:pRg st="3" end="3"/>
                                             </p:txEl>
                                           </p:spTgt>
                                         </p:tgtEl>
@@ -16378,11 +15058,14 @@
         </p:cTn>
       </p:par>
     </p:tnLst>
+    <p:bldLst>
+      <p:bldP spid="3" grpId="0" uiExpand="1" build="p"/>
+    </p:bldLst>
   </p:timing>
 </p:sld>
 </file>
 
-<file path=ppt/slides/slide21.xml><?xml version="1.0" encoding="utf-8"?>
+<file path=ppt/slides/slide20.xml><?xml version="1.0" encoding="utf-8"?>
 <p:sld xmlns:a="http://schemas.openxmlformats.org/drawingml/2006/main" xmlns:r="http://schemas.openxmlformats.org/officeDocument/2006/relationships" xmlns:p="http://schemas.openxmlformats.org/presentationml/2006/main">
   <p:cSld>
     <p:spTree>
@@ -16417,37 +15100,60 @@
           <a:lstStyle/>
           <a:p>
             <a:r>
+              <a:rPr lang="en-US" dirty="0"/>
+              <a:t>Simple, </a:t>
+            </a:r>
+            <a:r>
+              <a:rPr lang="en-US" b="1" dirty="0">
+                <a:solidFill>
+                  <a:schemeClr val="bg1"/>
+                </a:solidFill>
+              </a:rPr>
+              <a:t>lightweight model-based </a:t>
+            </a:r>
+            <a:r>
               <a:rPr lang="en-US" dirty="0" smtClean="0"/>
-              <a:t>numeric - </a:t>
-            </a:r>
-            <a:r>
-              <a:rPr lang="en-US" dirty="0"/>
-              <a:t>Accepts only </a:t>
-            </a:r>
-            <a:r>
-              <a:rPr lang="en-US" dirty="0" err="1" smtClean="0"/>
-              <a:t>numerics</a:t>
-            </a:r>
-            <a:endParaRPr lang="en-US" dirty="0" smtClean="0"/>
-          </a:p>
-          <a:p>
-            <a:r>
-              <a:rPr lang="en-US" dirty="0" err="1" smtClean="0"/>
-              <a:t>aplhaNum</a:t>
-            </a:r>
+              <a:t>validation plugin</a:t>
+            </a:r>
+            <a:endParaRPr lang="en-US" dirty="0"/>
+          </a:p>
+          <a:p>
             <a:r>
               <a:rPr lang="en-US" dirty="0" smtClean="0"/>
-              <a:t> - </a:t>
-            </a:r>
-            <a:r>
-              <a:rPr lang="en-US" dirty="0"/>
-              <a:t>Accepts only </a:t>
-            </a:r>
-            <a:r>
-              <a:rPr lang="en-US" dirty="0" err="1" smtClean="0"/>
-              <a:t>alphanumerics</a:t>
-            </a:r>
-            <a:endParaRPr lang="en-US" dirty="0" smtClean="0"/>
+              <a:t>Flexible, </a:t>
+            </a:r>
+            <a:r>
+              <a:rPr lang="en-US" b="1" dirty="0">
+                <a:solidFill>
+                  <a:schemeClr val="bg1"/>
+                </a:solidFill>
+              </a:rPr>
+              <a:t>d</a:t>
+            </a:r>
+            <a:r>
+              <a:rPr lang="en-US" b="1" dirty="0" smtClean="0">
+                <a:solidFill>
+                  <a:schemeClr val="bg1"/>
+                </a:solidFill>
+              </a:rPr>
+              <a:t>ecoupled </a:t>
+            </a:r>
+            <a:r>
+              <a:rPr lang="en-US" b="1" dirty="0">
+                <a:solidFill>
+                  <a:schemeClr val="bg1"/>
+                </a:solidFill>
+              </a:rPr>
+              <a:t>from </a:t>
+            </a:r>
+            <a:r>
+              <a:rPr lang="en-US" b="1" dirty="0" smtClean="0">
+                <a:solidFill>
+                  <a:schemeClr val="bg1"/>
+                </a:solidFill>
+              </a:rPr>
+              <a:t>templates</a:t>
+            </a:r>
           </a:p>
           <a:p>
             <a:pPr>
@@ -16456,105 +15162,44 @@
               </a:buClr>
             </a:pPr>
             <a:r>
+              <a:rPr lang="en-US" b="1" dirty="0">
+                <a:solidFill>
+                  <a:schemeClr val="bg1"/>
+                </a:solidFill>
+              </a:rPr>
+              <a:t>Dependency free</a:t>
+            </a:r>
+            <a:r>
               <a:rPr lang="en-US" dirty="0"/>
-              <a:t>i</a:t>
+              <a:t>, minimalistic </a:t>
             </a:r>
             <a:r>
               <a:rPr lang="en-US" dirty="0" smtClean="0"/>
-              <a:t>nteger - </a:t>
-            </a:r>
+              <a:t>library</a:t>
+            </a:r>
+          </a:p>
+          <a:p>
+            <a:pPr>
+              <a:buClr>
+                <a:schemeClr val="tx1"/>
+              </a:buClr>
+            </a:pPr>
+            <a:r>
+              <a:rPr lang="en-US" dirty="0" smtClean="0"/>
+              <a:t>Many built-in validators</a:t>
+            </a:r>
+          </a:p>
+          <a:p>
             <a:r>
               <a:rPr lang="en-US" dirty="0"/>
-              <a:t>Accepts positive and negative </a:t>
-            </a:r>
-            <a:r>
-              <a:rPr lang="en-US" dirty="0" smtClean="0"/>
-              <a:t>integers</a:t>
-            </a:r>
+              <a:t>Easy to use with custom validators </a:t>
+            </a:r>
+            <a:endParaRPr lang="en-US" dirty="0" smtClean="0"/>
           </a:p>
           <a:p>
             <a:r>
               <a:rPr lang="en-US" dirty="0"/>
-              <a:t>d</a:t>
-            </a:r>
-            <a:r>
-              <a:rPr lang="en-US" dirty="0" smtClean="0"/>
-              <a:t>ecimal -  </a:t>
-            </a:r>
-            <a:r>
-              <a:rPr lang="en-US" dirty="0"/>
-              <a:t>Accepts positive and negative decimal numbers.</a:t>
-            </a:r>
-            <a:endParaRPr lang="en-US" dirty="0" smtClean="0"/>
-          </a:p>
-          <a:p>
-            <a:r>
-              <a:rPr lang="en-US" dirty="0" err="1" smtClean="0"/>
-              <a:t>sameAs</a:t>
-            </a:r>
-            <a:r>
-              <a:rPr lang="en-US" dirty="0" smtClean="0"/>
-              <a:t> - </a:t>
-            </a:r>
-            <a:r>
-              <a:rPr lang="en-US" dirty="0"/>
-              <a:t>Checks for equality with a given </a:t>
-            </a:r>
-            <a:r>
-              <a:rPr lang="en-US" dirty="0" smtClean="0"/>
-              <a:t>property</a:t>
-            </a:r>
-          </a:p>
-          <a:p>
-            <a:r>
-              <a:rPr lang="en-US" dirty="0" err="1" smtClean="0"/>
-              <a:t>maxLength</a:t>
-            </a:r>
-            <a:r>
-              <a:rPr lang="en-US" dirty="0" smtClean="0"/>
-              <a:t> - </a:t>
-            </a:r>
-            <a:r>
-              <a:rPr lang="en-US" dirty="0"/>
-              <a:t>Requires the input </a:t>
-            </a:r>
-            <a:r>
-              <a:rPr lang="en-US" dirty="0" smtClean="0"/>
-              <a:t>to </a:t>
-            </a:r>
-            <a:r>
-              <a:rPr lang="en-US" dirty="0"/>
-              <a:t>have a </a:t>
-            </a:r>
-            <a:r>
-              <a:rPr lang="en-US" dirty="0" smtClean="0"/>
-              <a:t>max </a:t>
-            </a:r>
-            <a:r>
-              <a:rPr lang="en-US" dirty="0"/>
-              <a:t>specified </a:t>
-            </a:r>
-            <a:r>
-              <a:rPr lang="en-US" dirty="0" smtClean="0"/>
-              <a:t>length</a:t>
-            </a:r>
-          </a:p>
-          <a:p>
-            <a:r>
-              <a:rPr lang="en-US" dirty="0" smtClean="0"/>
-              <a:t>minLength - </a:t>
-            </a:r>
-            <a:r>
-              <a:rPr lang="en-US" dirty="0"/>
-              <a:t>Requires the input to have a </a:t>
-            </a:r>
-            <a:r>
-              <a:rPr lang="en-US" dirty="0" smtClean="0"/>
-              <a:t>min </a:t>
-            </a:r>
-            <a:r>
-              <a:rPr lang="en-US" dirty="0"/>
-              <a:t>specified length</a:t>
+              <a:t>High test coverage</a:t>
             </a:r>
           </a:p>
           <a:p>
@@ -16578,9 +15223,10 @@
           <a:lstStyle/>
           <a:p>
             <a:r>
-              <a:rPr lang="en-US" dirty="0"/>
-              <a:t>Builtin validators</a:t>
-            </a:r>
+              <a:rPr lang="en-US" dirty="0" smtClean="0"/>
+              <a:t>Vuelidate</a:t>
+            </a:r>
+            <a:endParaRPr lang="bg-BG" dirty="0"/>
           </a:p>
         </p:txBody>
       </p:sp>
@@ -16602,16 +15248,46 @@
             <a:fld id="{C014DD1E-5D91-48A3-AD6D-45FBA980D106}" type="slidenum">
               <a:rPr lang="en-US" smtClean="0"/>
               <a:pPr/>
-              <a:t>21</a:t>
+              <a:t>20</a:t>
             </a:fld>
             <a:endParaRPr lang="en-US" dirty="0"/>
           </a:p>
         </p:txBody>
       </p:sp>
+      <p:pic>
+        <p:nvPicPr>
+          <p:cNvPr id="5" name="Picture 4"/>
+          <p:cNvPicPr>
+            <a:picLocks noChangeAspect="1"/>
+          </p:cNvPicPr>
+          <p:nvPr/>
+        </p:nvPicPr>
+        <p:blipFill>
+          <a:blip r:embed="rId2">
+            <a:extLst>
+              <a:ext uri="{28A0092B-C50C-407E-A947-70E740481C1C}">
+                <a14:useLocalDpi xmlns:a14="http://schemas.microsoft.com/office/drawing/2010/main" val="0"/>
+              </a:ext>
+            </a:extLst>
+          </a:blip>
+          <a:stretch>
+            <a:fillRect/>
+          </a:stretch>
+        </p:blipFill>
+        <p:spPr>
+          <a:xfrm>
+            <a:off x="8366654" y="1196121"/>
+            <a:ext cx="2232879" cy="2232879"/>
+          </a:xfrm>
+          <a:prstGeom prst="rect">
+            <a:avLst/>
+          </a:prstGeom>
+        </p:spPr>
+      </p:pic>
     </p:spTree>
     <p:extLst>
       <p:ext uri="{BB962C8B-B14F-4D97-AF65-F5344CB8AC3E}">
-        <p14:creationId xmlns:p14="http://schemas.microsoft.com/office/powerpoint/2010/main" val="67906536"/>
+        <p14:creationId xmlns:p14="http://schemas.microsoft.com/office/powerpoint/2010/main" val="2977007362"/>
       </p:ext>
     </p:extLst>
   </p:cSld>
@@ -16640,7 +15316,7 @@
                             </p:stCondLst>
                             <p:childTnLst>
                               <p:par>
-                                <p:cTn id="5" presetID="1" presetClass="entr" presetSubtype="0" fill="hold" nodeType="clickEffect">
+                                <p:cTn id="5" presetID="1" presetClass="entr" presetSubtype="0" fill="hold" grpId="0" nodeType="clickEffect">
                                   <p:stCondLst>
                                     <p:cond delay="0"/>
                                   </p:stCondLst>
@@ -16689,7 +15365,7 @@
                             </p:stCondLst>
                             <p:childTnLst>
                               <p:par>
-                                <p:cTn id="9" presetID="1" presetClass="entr" presetSubtype="0" fill="hold" nodeType="clickEffect">
+                                <p:cTn id="9" presetID="1" presetClass="entr" presetSubtype="0" fill="hold" grpId="0" nodeType="clickEffect">
                                   <p:stCondLst>
                                     <p:cond delay="0"/>
                                   </p:stCondLst>
@@ -16738,7 +15414,7 @@
                             </p:stCondLst>
                             <p:childTnLst>
                               <p:par>
-                                <p:cTn id="13" presetID="1" presetClass="entr" presetSubtype="0" fill="hold" nodeType="clickEffect">
+                                <p:cTn id="13" presetID="1" presetClass="entr" presetSubtype="0" fill="hold" grpId="0" nodeType="clickEffect">
                                   <p:stCondLst>
                                     <p:cond delay="0"/>
                                   </p:stCondLst>
@@ -16753,7 +15429,105 @@
                                         <p:tgtEl>
                                           <p:spTgt spid="2">
                                             <p:txEl>
-                                              <p:pRg st="0" end="0"/>
+                                              <p:pRg st="3" end="3"/>
+                                            </p:txEl>
+                                          </p:spTgt>
+                                        </p:tgtEl>
+                                        <p:attrNameLst>
+                                          <p:attrName>style.visibility</p:attrName>
+                                        </p:attrNameLst>
+                                      </p:cBhvr>
+                                      <p:to>
+                                        <p:strVal val="visible"/>
+                                      </p:to>
+                                    </p:set>
+                                  </p:childTnLst>
+                                </p:cTn>
+                              </p:par>
+                            </p:childTnLst>
+                          </p:cTn>
+                        </p:par>
+                      </p:childTnLst>
+                    </p:cTn>
+                  </p:par>
+                  <p:par>
+                    <p:cTn id="15" fill="hold">
+                      <p:stCondLst>
+                        <p:cond delay="indefinite"/>
+                      </p:stCondLst>
+                      <p:childTnLst>
+                        <p:par>
+                          <p:cTn id="16" fill="hold">
+                            <p:stCondLst>
+                              <p:cond delay="0"/>
+                            </p:stCondLst>
+                            <p:childTnLst>
+                              <p:par>
+                                <p:cTn id="17" presetID="1" presetClass="entr" presetSubtype="0" fill="hold" grpId="0" nodeType="clickEffect">
+                                  <p:stCondLst>
+                                    <p:cond delay="0"/>
+                                  </p:stCondLst>
+                                  <p:childTnLst>
+                                    <p:set>
+                                      <p:cBhvr>
+                                        <p:cTn id="18" dur="1" fill="hold">
+                                          <p:stCondLst>
+                                            <p:cond delay="0"/>
+                                          </p:stCondLst>
+                                        </p:cTn>
+                                        <p:tgtEl>
+                                          <p:spTgt spid="2">
+                                            <p:txEl>
+                                              <p:pRg st="4" end="4"/>
+                                            </p:txEl>
+                                          </p:spTgt>
+                                        </p:tgtEl>
+                                        <p:attrNameLst>
+                                          <p:attrName>style.visibility</p:attrName>
+                                        </p:attrNameLst>
+                                      </p:cBhvr>
+                                      <p:to>
+                                        <p:strVal val="visible"/>
+                                      </p:to>
+                                    </p:set>
+                                  </p:childTnLst>
+                                </p:cTn>
+                              </p:par>
+                            </p:childTnLst>
+                          </p:cTn>
+                        </p:par>
+                      </p:childTnLst>
+                    </p:cTn>
+                  </p:par>
+                  <p:par>
+                    <p:cTn id="19" fill="hold">
+                      <p:stCondLst>
+                        <p:cond delay="indefinite"/>
+                      </p:stCondLst>
+                      <p:childTnLst>
+                        <p:par>
+                          <p:cTn id="20" fill="hold">
+                            <p:stCondLst>
+                              <p:cond delay="0"/>
+                            </p:stCondLst>
+                            <p:childTnLst>
+                              <p:par>
+                                <p:cTn id="21" presetID="1" presetClass="entr" presetSubtype="0" fill="hold" grpId="0" nodeType="clickEffect">
+                                  <p:stCondLst>
+                                    <p:cond delay="0"/>
+                                  </p:stCondLst>
+                                  <p:childTnLst>
+                                    <p:set>
+                                      <p:cBhvr>
+                                        <p:cTn id="22" dur="1" fill="hold">
+                                          <p:stCondLst>
+                                            <p:cond delay="0"/>
+                                          </p:stCondLst>
+                                        </p:cTn>
+                                        <p:tgtEl>
+                                          <p:spTgt spid="2">
+                                            <p:txEl>
+                                              <p:pRg st="5" end="5"/>
                                             </p:txEl>
                                           </p:spTgt>
                                         </p:tgtEl>
@@ -16795,11 +15569,2436 @@
         </p:cTn>
       </p:par>
     </p:tnLst>
+    <p:bldLst>
+      <p:bldP spid="2" grpId="0" uiExpand="1" build="p"/>
+    </p:bldLst>
+  </p:timing>
+</p:sld>
+</file>
+
+<file path=ppt/slides/slide21.xml><?xml version="1.0" encoding="utf-8"?>
+<p:sld xmlns:a="http://schemas.openxmlformats.org/drawingml/2006/main" xmlns:r="http://schemas.openxmlformats.org/officeDocument/2006/relationships" xmlns:p="http://schemas.openxmlformats.org/presentationml/2006/main">
+  <p:cSld>
+    <p:spTree>
+      <p:nvGrpSpPr>
+        <p:cNvPr id="1" name=""/>
+        <p:cNvGrpSpPr/>
+        <p:nvPr/>
+      </p:nvGrpSpPr>
+      <p:grpSpPr>
+        <a:xfrm>
+          <a:off x="0" y="0"/>
+          <a:ext cx="0" cy="0"/>
+          <a:chOff x="0" y="0"/>
+          <a:chExt cx="0" cy="0"/>
+        </a:xfrm>
+      </p:grpSpPr>
+      <p:sp>
+        <p:nvSpPr>
+          <p:cNvPr id="2" name="Текстов контейнер 1"/>
+          <p:cNvSpPr>
+            <a:spLocks noGrp="1"/>
+          </p:cNvSpPr>
+          <p:nvPr>
+            <p:ph type="body" sz="quarter" idx="10"/>
+          </p:nvPr>
+        </p:nvSpPr>
+        <p:spPr>
+          <a:xfrm>
+            <a:off x="190353" y="1196125"/>
+            <a:ext cx="11801757" cy="5201066"/>
+          </a:xfrm>
+        </p:spPr>
+        <p:txBody>
+          <a:bodyPr>
+            <a:normAutofit/>
+          </a:bodyPr>
+          <a:lstStyle/>
+          <a:p>
+            <a:pPr>
+              <a:buClr>
+                <a:schemeClr val="tx1"/>
+              </a:buClr>
+            </a:pPr>
+            <a:r>
+              <a:rPr lang="en-US" sz="2800" b="1" dirty="0">
+                <a:solidFill>
+                  <a:schemeClr val="bg1"/>
+                </a:solidFill>
+              </a:rPr>
+              <a:t>$invalid</a:t>
+            </a:r>
+            <a:r>
+              <a:rPr lang="en-US" sz="2800" dirty="0"/>
+              <a:t> - Indicates the state of validation for given </a:t>
+            </a:r>
+            <a:r>
+              <a:rPr lang="en-US" sz="2800" dirty="0" smtClean="0"/>
+              <a:t>model</a:t>
+            </a:r>
+          </a:p>
+          <a:p>
+            <a:endParaRPr lang="en-US" sz="2800" dirty="0" smtClean="0"/>
+          </a:p>
+          <a:p>
+            <a:pPr>
+              <a:buClr>
+                <a:schemeClr val="tx1"/>
+              </a:buClr>
+            </a:pPr>
+            <a:r>
+              <a:rPr lang="en-US" sz="2800" b="1" dirty="0" smtClean="0">
+                <a:solidFill>
+                  <a:schemeClr val="bg1"/>
+                </a:solidFill>
+              </a:rPr>
+              <a:t>$dirty</a:t>
+            </a:r>
+            <a:r>
+              <a:rPr lang="en-US" sz="2800" b="1" dirty="0" smtClean="0">
+                <a:solidFill>
+                  <a:schemeClr val="bg1"/>
+                </a:solidFill>
+              </a:rPr>
+              <a:t> </a:t>
+            </a:r>
+            <a:r>
+              <a:rPr lang="en-US" sz="2800" dirty="0"/>
+              <a:t>– A flag representing if the field under validation was </a:t>
+            </a:r>
+            <a:r>
+              <a:rPr lang="en-US" sz="2800" dirty="0" smtClean="0"/>
+              <a:t>touched</a:t>
+            </a:r>
+          </a:p>
+          <a:p>
+            <a:endParaRPr lang="en-US" sz="2800" dirty="0" smtClean="0"/>
+          </a:p>
+          <a:p>
+            <a:pPr>
+              <a:buClr>
+                <a:schemeClr val="tx1"/>
+              </a:buClr>
+            </a:pPr>
+            <a:r>
+              <a:rPr lang="en-US" sz="2800" b="1" dirty="0">
+                <a:solidFill>
+                  <a:schemeClr val="bg1"/>
+                </a:solidFill>
+              </a:rPr>
+              <a:t>$model </a:t>
+            </a:r>
+            <a:r>
+              <a:rPr lang="en-US" sz="2800" dirty="0" smtClean="0"/>
+              <a:t>- </a:t>
+            </a:r>
+            <a:r>
+              <a:rPr lang="en-US" sz="2800" dirty="0"/>
+              <a:t>A reference to the original validated </a:t>
+            </a:r>
+            <a:r>
+              <a:rPr lang="en-US" sz="2800" dirty="0" smtClean="0"/>
+              <a:t>model</a:t>
+            </a:r>
+          </a:p>
+          <a:p>
+            <a:endParaRPr lang="en-US" sz="2800" dirty="0" smtClean="0"/>
+          </a:p>
+          <a:p>
+            <a:pPr>
+              <a:buClr>
+                <a:schemeClr val="tx1"/>
+              </a:buClr>
+            </a:pPr>
+            <a:r>
+              <a:rPr lang="en-US" sz="2800" b="1" dirty="0">
+                <a:solidFill>
+                  <a:schemeClr val="bg1"/>
+                </a:solidFill>
+              </a:rPr>
+              <a:t>$error </a:t>
+            </a:r>
+            <a:r>
+              <a:rPr lang="en-US" sz="2800" dirty="0"/>
+              <a:t>-  Convenience flag to easily decide if a message should be </a:t>
+            </a:r>
+            <a:r>
+              <a:rPr lang="en-US" sz="2800" dirty="0" smtClean="0"/>
+              <a:t>displayed</a:t>
+            </a:r>
+            <a:endParaRPr lang="en-US" sz="2800" dirty="0"/>
+          </a:p>
+          <a:p>
+            <a:pPr marL="0" indent="0">
+              <a:buNone/>
+            </a:pPr>
+            <a:r>
+              <a:rPr lang="en-US" sz="3200" dirty="0" smtClean="0"/>
+              <a:t>    </a:t>
+            </a:r>
+            <a:endParaRPr lang="en-US" sz="3200" dirty="0" smtClean="0"/>
+          </a:p>
+        </p:txBody>
+      </p:sp>
+      <p:sp>
+        <p:nvSpPr>
+          <p:cNvPr id="3" name="Заглавие 2"/>
+          <p:cNvSpPr>
+            <a:spLocks noGrp="1"/>
+          </p:cNvSpPr>
+          <p:nvPr>
+            <p:ph type="title"/>
+          </p:nvPr>
+        </p:nvSpPr>
+        <p:spPr/>
+        <p:txBody>
+          <a:bodyPr/>
+          <a:lstStyle/>
+          <a:p>
+            <a:r>
+              <a:rPr lang="en-US" dirty="0"/>
+              <a:t>Api </a:t>
+            </a:r>
+            <a:r>
+              <a:rPr lang="en-US" dirty="0" smtClean="0"/>
+              <a:t>$v values</a:t>
+            </a:r>
+            <a:endParaRPr lang="en-US" dirty="0"/>
+          </a:p>
+        </p:txBody>
+      </p:sp>
+      <p:sp>
+        <p:nvSpPr>
+          <p:cNvPr id="4" name="Контейнер за номер на слайда 3"/>
+          <p:cNvSpPr>
+            <a:spLocks noGrp="1"/>
+          </p:cNvSpPr>
+          <p:nvPr>
+            <p:ph type="sldNum" sz="quarter" idx="13"/>
+          </p:nvPr>
+        </p:nvSpPr>
+        <p:spPr/>
+        <p:txBody>
+          <a:bodyPr/>
+          <a:lstStyle/>
+          <a:p>
+            <a:fld id="{C014DD1E-5D91-48A3-AD6D-45FBA980D106}" type="slidenum">
+              <a:rPr lang="en-US" smtClean="0"/>
+              <a:pPr/>
+              <a:t>21</a:t>
+            </a:fld>
+            <a:endParaRPr lang="en-US" dirty="0"/>
+          </a:p>
+        </p:txBody>
+      </p:sp>
+      <p:sp>
+        <p:nvSpPr>
+          <p:cNvPr id="5" name="Text Placeholder 2">
+            <a:extLst>
+              <a:ext uri="{FF2B5EF4-FFF2-40B4-BE49-F238E27FC236}">
+                <a16:creationId xmlns:a16="http://schemas.microsoft.com/office/drawing/2014/main" id="{5176E72F-FA2C-4D3A-9F3B-B88D91C71827}"/>
+              </a:ext>
+            </a:extLst>
+          </p:cNvPr>
+          <p:cNvSpPr txBox="1">
+            <a:spLocks/>
+          </p:cNvSpPr>
+          <p:nvPr/>
+        </p:nvSpPr>
+        <p:spPr>
+          <a:xfrm>
+            <a:off x="720240" y="1676400"/>
+            <a:ext cx="9412772" cy="587441"/>
+          </a:xfrm>
+          <a:prstGeom prst="rect">
+            <a:avLst/>
+          </a:prstGeom>
+          <a:solidFill>
+            <a:schemeClr val="accent6">
+              <a:lumMod val="75000"/>
+              <a:alpha val="15000"/>
+            </a:schemeClr>
+          </a:solidFill>
+          <a:ln w="12700">
+            <a:solidFill>
+              <a:schemeClr val="tx1">
+                <a:lumMod val="50000"/>
+              </a:schemeClr>
+            </a:solidFill>
+          </a:ln>
+        </p:spPr>
+        <p:txBody>
+          <a:bodyPr vert="horz" wrap="square" lIns="144000" tIns="108000" rIns="144000" bIns="108000" rtlCol="0">
+            <a:spAutoFit/>
+          </a:bodyPr>
+          <a:lstStyle>
+            <a:lvl1pPr marL="0" indent="0" algn="l" defTabSz="1218438" rtl="0" eaLnBrk="1" latinLnBrk="1" hangingPunct="1">
+              <a:lnSpc>
+                <a:spcPct val="100000"/>
+              </a:lnSpc>
+              <a:spcBef>
+                <a:spcPts val="600"/>
+              </a:spcBef>
+              <a:spcAft>
+                <a:spcPts val="600"/>
+              </a:spcAft>
+              <a:buFont typeface="Wingdings" panose="05000000000000000000" pitchFamily="2" charset="2"/>
+              <a:buNone/>
+              <a:defRPr lang="en-US" sz="2398" b="1" kern="1200" noProof="1" smtClean="0">
+                <a:solidFill>
+                  <a:schemeClr val="tx1">
+                    <a:lumMod val="75000"/>
+                  </a:schemeClr>
+                </a:solidFill>
+                <a:effectLst/>
+                <a:latin typeface="Consolas" pitchFamily="49" charset="0"/>
+                <a:ea typeface="+mn-ea"/>
+                <a:cs typeface="Consolas" pitchFamily="49" charset="0"/>
+              </a:defRPr>
+            </a:lvl1pPr>
+            <a:lvl2pPr marL="989981" indent="-380762" algn="l" defTabSz="1218438" rtl="0" eaLnBrk="1" latinLnBrk="1" hangingPunct="1">
+              <a:lnSpc>
+                <a:spcPct val="105000"/>
+              </a:lnSpc>
+              <a:spcBef>
+                <a:spcPts val="600"/>
+              </a:spcBef>
+              <a:spcAft>
+                <a:spcPts val="600"/>
+              </a:spcAft>
+              <a:buFont typeface="Wingdings" panose="05000000000000000000" pitchFamily="2" charset="2"/>
+              <a:buChar char="§"/>
+              <a:defRPr sz="3198" kern="1200">
+                <a:solidFill>
+                  <a:schemeClr val="tx1"/>
+                </a:solidFill>
+                <a:latin typeface="+mn-lt"/>
+                <a:ea typeface="+mn-ea"/>
+                <a:cs typeface="+mn-cs"/>
+              </a:defRPr>
+            </a:lvl2pPr>
+            <a:lvl3pPr marL="1523048" indent="-304610" algn="l" defTabSz="1218438" rtl="0" eaLnBrk="1" latinLnBrk="1" hangingPunct="1">
+              <a:lnSpc>
+                <a:spcPct val="105000"/>
+              </a:lnSpc>
+              <a:spcBef>
+                <a:spcPts val="600"/>
+              </a:spcBef>
+              <a:spcAft>
+                <a:spcPts val="600"/>
+              </a:spcAft>
+              <a:buFont typeface="Wingdings" panose="05000000000000000000" pitchFamily="2" charset="2"/>
+              <a:buChar char="§"/>
+              <a:defRPr sz="2998" kern="1200">
+                <a:solidFill>
+                  <a:schemeClr val="tx1"/>
+                </a:solidFill>
+                <a:latin typeface="+mn-lt"/>
+                <a:ea typeface="+mn-ea"/>
+                <a:cs typeface="+mn-cs"/>
+              </a:defRPr>
+            </a:lvl3pPr>
+            <a:lvl4pPr marL="2132267" indent="-304610" algn="l" defTabSz="1218438" rtl="0" eaLnBrk="1" latinLnBrk="1" hangingPunct="1">
+              <a:lnSpc>
+                <a:spcPct val="105000"/>
+              </a:lnSpc>
+              <a:spcBef>
+                <a:spcPts val="600"/>
+              </a:spcBef>
+              <a:spcAft>
+                <a:spcPts val="600"/>
+              </a:spcAft>
+              <a:buFont typeface="Wingdings" panose="05000000000000000000" pitchFamily="2" charset="2"/>
+              <a:buChar char="§"/>
+              <a:defRPr sz="2798" kern="1200">
+                <a:solidFill>
+                  <a:schemeClr val="tx1"/>
+                </a:solidFill>
+                <a:latin typeface="+mn-lt"/>
+                <a:ea typeface="+mn-ea"/>
+                <a:cs typeface="+mn-cs"/>
+              </a:defRPr>
+            </a:lvl4pPr>
+            <a:lvl5pPr marL="2741485" indent="-304610" algn="l" defTabSz="1218438" rtl="0" eaLnBrk="1" latinLnBrk="1" hangingPunct="1">
+              <a:lnSpc>
+                <a:spcPct val="105000"/>
+              </a:lnSpc>
+              <a:spcBef>
+                <a:spcPts val="600"/>
+              </a:spcBef>
+              <a:spcAft>
+                <a:spcPts val="600"/>
+              </a:spcAft>
+              <a:buFont typeface="Wingdings" panose="05000000000000000000" pitchFamily="2" charset="2"/>
+              <a:buChar char="§"/>
+              <a:defRPr sz="2598" kern="1200">
+                <a:solidFill>
+                  <a:schemeClr val="tx1"/>
+                </a:solidFill>
+                <a:latin typeface="+mn-lt"/>
+                <a:ea typeface="+mn-ea"/>
+                <a:cs typeface="+mn-cs"/>
+              </a:defRPr>
+            </a:lvl5pPr>
+            <a:lvl6pPr marL="3350704" indent="-304610" algn="l" defTabSz="1218438" rtl="0" eaLnBrk="1" latinLnBrk="1" hangingPunct="1">
+              <a:spcBef>
+                <a:spcPct val="20000"/>
+              </a:spcBef>
+              <a:buFont typeface="Arial" pitchFamily="34" charset="0"/>
+              <a:buChar char="•"/>
+              <a:defRPr sz="2665" kern="1200">
+                <a:solidFill>
+                  <a:schemeClr val="tx1"/>
+                </a:solidFill>
+                <a:latin typeface="+mn-lt"/>
+                <a:ea typeface="+mn-ea"/>
+                <a:cs typeface="+mn-cs"/>
+              </a:defRPr>
+            </a:lvl6pPr>
+            <a:lvl7pPr marL="3959924" indent="-304610" algn="l" defTabSz="1218438" rtl="0" eaLnBrk="1" latinLnBrk="1" hangingPunct="1">
+              <a:spcBef>
+                <a:spcPct val="20000"/>
+              </a:spcBef>
+              <a:buFont typeface="Arial" pitchFamily="34" charset="0"/>
+              <a:buChar char="•"/>
+              <a:defRPr sz="2665" kern="1200">
+                <a:solidFill>
+                  <a:schemeClr val="tx1"/>
+                </a:solidFill>
+                <a:latin typeface="+mn-lt"/>
+                <a:ea typeface="+mn-ea"/>
+                <a:cs typeface="+mn-cs"/>
+              </a:defRPr>
+            </a:lvl7pPr>
+            <a:lvl8pPr marL="4569143" indent="-304610" algn="l" defTabSz="1218438" rtl="0" eaLnBrk="1" latinLnBrk="1" hangingPunct="1">
+              <a:spcBef>
+                <a:spcPct val="20000"/>
+              </a:spcBef>
+              <a:buFont typeface="Arial" pitchFamily="34" charset="0"/>
+              <a:buChar char="•"/>
+              <a:defRPr sz="2665" kern="1200">
+                <a:solidFill>
+                  <a:schemeClr val="tx1"/>
+                </a:solidFill>
+                <a:latin typeface="+mn-lt"/>
+                <a:ea typeface="+mn-ea"/>
+                <a:cs typeface="+mn-cs"/>
+              </a:defRPr>
+            </a:lvl8pPr>
+            <a:lvl9pPr marL="5178362" indent="-304610" algn="l" defTabSz="1218438" rtl="0" eaLnBrk="1" latinLnBrk="1" hangingPunct="1">
+              <a:spcBef>
+                <a:spcPct val="20000"/>
+              </a:spcBef>
+              <a:buFont typeface="Arial" pitchFamily="34" charset="0"/>
+              <a:buChar char="•"/>
+              <a:defRPr sz="2665" kern="1200">
+                <a:solidFill>
+                  <a:schemeClr val="tx1"/>
+                </a:solidFill>
+                <a:latin typeface="+mn-lt"/>
+                <a:ea typeface="+mn-ea"/>
+                <a:cs typeface="+mn-cs"/>
+              </a:defRPr>
+            </a:lvl9pPr>
+          </a:lstStyle>
+          <a:p>
+            <a:r>
+              <a:rPr lang="en-US" sz="2400" dirty="0" smtClean="0">
+                <a:solidFill>
+                  <a:schemeClr val="tx2"/>
+                </a:solidFill>
+              </a:rPr>
+              <a:t>if </a:t>
+            </a:r>
+            <a:r>
+              <a:rPr lang="en-US" sz="2400" dirty="0">
+                <a:solidFill>
+                  <a:schemeClr val="tx2"/>
+                </a:solidFill>
+              </a:rPr>
+              <a:t>(</a:t>
+            </a:r>
+            <a:r>
+              <a:rPr lang="en-US" sz="2400" dirty="0">
+                <a:solidFill>
+                  <a:schemeClr val="bg1"/>
+                </a:solidFill>
+              </a:rPr>
+              <a:t>!this.$</a:t>
+            </a:r>
+            <a:r>
+              <a:rPr lang="en-US" sz="2400" dirty="0" smtClean="0">
+                <a:solidFill>
+                  <a:schemeClr val="bg1"/>
+                </a:solidFill>
+              </a:rPr>
+              <a:t>v.$</a:t>
+            </a:r>
+            <a:r>
+              <a:rPr lang="en-US" sz="2400" dirty="0">
+                <a:solidFill>
+                  <a:schemeClr val="bg1"/>
+                </a:solidFill>
+              </a:rPr>
+              <a:t>invalid</a:t>
+            </a:r>
+            <a:r>
+              <a:rPr lang="en-US" sz="2400" dirty="0">
+                <a:solidFill>
+                  <a:schemeClr val="tx2"/>
+                </a:solidFill>
+              </a:rPr>
+              <a:t>) </a:t>
+            </a:r>
+            <a:r>
+              <a:rPr lang="en-US" sz="2400" dirty="0" smtClean="0">
+                <a:solidFill>
+                  <a:schemeClr val="tx2"/>
+                </a:solidFill>
+              </a:rPr>
+              <a:t>console.log('Form </a:t>
+            </a:r>
+            <a:r>
+              <a:rPr lang="en-US" sz="2400" dirty="0">
+                <a:solidFill>
+                  <a:schemeClr val="tx2"/>
+                </a:solidFill>
+              </a:rPr>
+              <a:t>Submitted</a:t>
+            </a:r>
+            <a:r>
+              <a:rPr lang="en-US" sz="2400" dirty="0" smtClean="0">
+                <a:solidFill>
+                  <a:schemeClr val="tx2"/>
+                </a:solidFill>
+              </a:rPr>
+              <a:t>')</a:t>
+            </a:r>
+            <a:endParaRPr lang="en-US" sz="2400" dirty="0" smtClean="0">
+              <a:solidFill>
+                <a:schemeClr val="tx2"/>
+              </a:solidFill>
+            </a:endParaRPr>
+          </a:p>
+        </p:txBody>
+      </p:sp>
+      <p:sp>
+        <p:nvSpPr>
+          <p:cNvPr id="6" name="Text Placeholder 2">
+            <a:extLst>
+              <a:ext uri="{FF2B5EF4-FFF2-40B4-BE49-F238E27FC236}">
+                <a16:creationId xmlns:a16="http://schemas.microsoft.com/office/drawing/2014/main" id="{5176E72F-FA2C-4D3A-9F3B-B88D91C71827}"/>
+              </a:ext>
+            </a:extLst>
+          </p:cNvPr>
+          <p:cNvSpPr txBox="1">
+            <a:spLocks/>
+          </p:cNvSpPr>
+          <p:nvPr/>
+        </p:nvSpPr>
+        <p:spPr>
+          <a:xfrm>
+            <a:off x="720240" y="2971800"/>
+            <a:ext cx="11271870" cy="587441"/>
+          </a:xfrm>
+          <a:prstGeom prst="rect">
+            <a:avLst/>
+          </a:prstGeom>
+          <a:solidFill>
+            <a:schemeClr val="accent6">
+              <a:lumMod val="75000"/>
+              <a:alpha val="15000"/>
+            </a:schemeClr>
+          </a:solidFill>
+          <a:ln w="12700">
+            <a:solidFill>
+              <a:schemeClr val="tx1">
+                <a:lumMod val="50000"/>
+              </a:schemeClr>
+            </a:solidFill>
+          </a:ln>
+        </p:spPr>
+        <p:txBody>
+          <a:bodyPr vert="horz" wrap="square" lIns="144000" tIns="108000" rIns="144000" bIns="108000" rtlCol="0">
+            <a:spAutoFit/>
+          </a:bodyPr>
+          <a:lstStyle>
+            <a:lvl1pPr marL="0" indent="0" algn="l" defTabSz="1218438" rtl="0" eaLnBrk="1" latinLnBrk="1" hangingPunct="1">
+              <a:lnSpc>
+                <a:spcPct val="100000"/>
+              </a:lnSpc>
+              <a:spcBef>
+                <a:spcPts val="600"/>
+              </a:spcBef>
+              <a:spcAft>
+                <a:spcPts val="600"/>
+              </a:spcAft>
+              <a:buFont typeface="Wingdings" panose="05000000000000000000" pitchFamily="2" charset="2"/>
+              <a:buNone/>
+              <a:defRPr lang="en-US" sz="2398" b="1" kern="1200" noProof="1" smtClean="0">
+                <a:solidFill>
+                  <a:schemeClr val="tx1">
+                    <a:lumMod val="75000"/>
+                  </a:schemeClr>
+                </a:solidFill>
+                <a:effectLst/>
+                <a:latin typeface="Consolas" pitchFamily="49" charset="0"/>
+                <a:ea typeface="+mn-ea"/>
+                <a:cs typeface="Consolas" pitchFamily="49" charset="0"/>
+              </a:defRPr>
+            </a:lvl1pPr>
+            <a:lvl2pPr marL="989981" indent="-380762" algn="l" defTabSz="1218438" rtl="0" eaLnBrk="1" latinLnBrk="1" hangingPunct="1">
+              <a:lnSpc>
+                <a:spcPct val="105000"/>
+              </a:lnSpc>
+              <a:spcBef>
+                <a:spcPts val="600"/>
+              </a:spcBef>
+              <a:spcAft>
+                <a:spcPts val="600"/>
+              </a:spcAft>
+              <a:buFont typeface="Wingdings" panose="05000000000000000000" pitchFamily="2" charset="2"/>
+              <a:buChar char="§"/>
+              <a:defRPr sz="3198" kern="1200">
+                <a:solidFill>
+                  <a:schemeClr val="tx1"/>
+                </a:solidFill>
+                <a:latin typeface="+mn-lt"/>
+                <a:ea typeface="+mn-ea"/>
+                <a:cs typeface="+mn-cs"/>
+              </a:defRPr>
+            </a:lvl2pPr>
+            <a:lvl3pPr marL="1523048" indent="-304610" algn="l" defTabSz="1218438" rtl="0" eaLnBrk="1" latinLnBrk="1" hangingPunct="1">
+              <a:lnSpc>
+                <a:spcPct val="105000"/>
+              </a:lnSpc>
+              <a:spcBef>
+                <a:spcPts val="600"/>
+              </a:spcBef>
+              <a:spcAft>
+                <a:spcPts val="600"/>
+              </a:spcAft>
+              <a:buFont typeface="Wingdings" panose="05000000000000000000" pitchFamily="2" charset="2"/>
+              <a:buChar char="§"/>
+              <a:defRPr sz="2998" kern="1200">
+                <a:solidFill>
+                  <a:schemeClr val="tx1"/>
+                </a:solidFill>
+                <a:latin typeface="+mn-lt"/>
+                <a:ea typeface="+mn-ea"/>
+                <a:cs typeface="+mn-cs"/>
+              </a:defRPr>
+            </a:lvl3pPr>
+            <a:lvl4pPr marL="2132267" indent="-304610" algn="l" defTabSz="1218438" rtl="0" eaLnBrk="1" latinLnBrk="1" hangingPunct="1">
+              <a:lnSpc>
+                <a:spcPct val="105000"/>
+              </a:lnSpc>
+              <a:spcBef>
+                <a:spcPts val="600"/>
+              </a:spcBef>
+              <a:spcAft>
+                <a:spcPts val="600"/>
+              </a:spcAft>
+              <a:buFont typeface="Wingdings" panose="05000000000000000000" pitchFamily="2" charset="2"/>
+              <a:buChar char="§"/>
+              <a:defRPr sz="2798" kern="1200">
+                <a:solidFill>
+                  <a:schemeClr val="tx1"/>
+                </a:solidFill>
+                <a:latin typeface="+mn-lt"/>
+                <a:ea typeface="+mn-ea"/>
+                <a:cs typeface="+mn-cs"/>
+              </a:defRPr>
+            </a:lvl4pPr>
+            <a:lvl5pPr marL="2741485" indent="-304610" algn="l" defTabSz="1218438" rtl="0" eaLnBrk="1" latinLnBrk="1" hangingPunct="1">
+              <a:lnSpc>
+                <a:spcPct val="105000"/>
+              </a:lnSpc>
+              <a:spcBef>
+                <a:spcPts val="600"/>
+              </a:spcBef>
+              <a:spcAft>
+                <a:spcPts val="600"/>
+              </a:spcAft>
+              <a:buFont typeface="Wingdings" panose="05000000000000000000" pitchFamily="2" charset="2"/>
+              <a:buChar char="§"/>
+              <a:defRPr sz="2598" kern="1200">
+                <a:solidFill>
+                  <a:schemeClr val="tx1"/>
+                </a:solidFill>
+                <a:latin typeface="+mn-lt"/>
+                <a:ea typeface="+mn-ea"/>
+                <a:cs typeface="+mn-cs"/>
+              </a:defRPr>
+            </a:lvl5pPr>
+            <a:lvl6pPr marL="3350704" indent="-304610" algn="l" defTabSz="1218438" rtl="0" eaLnBrk="1" latinLnBrk="1" hangingPunct="1">
+              <a:spcBef>
+                <a:spcPct val="20000"/>
+              </a:spcBef>
+              <a:buFont typeface="Arial" pitchFamily="34" charset="0"/>
+              <a:buChar char="•"/>
+              <a:defRPr sz="2665" kern="1200">
+                <a:solidFill>
+                  <a:schemeClr val="tx1"/>
+                </a:solidFill>
+                <a:latin typeface="+mn-lt"/>
+                <a:ea typeface="+mn-ea"/>
+                <a:cs typeface="+mn-cs"/>
+              </a:defRPr>
+            </a:lvl6pPr>
+            <a:lvl7pPr marL="3959924" indent="-304610" algn="l" defTabSz="1218438" rtl="0" eaLnBrk="1" latinLnBrk="1" hangingPunct="1">
+              <a:spcBef>
+                <a:spcPct val="20000"/>
+              </a:spcBef>
+              <a:buFont typeface="Arial" pitchFamily="34" charset="0"/>
+              <a:buChar char="•"/>
+              <a:defRPr sz="2665" kern="1200">
+                <a:solidFill>
+                  <a:schemeClr val="tx1"/>
+                </a:solidFill>
+                <a:latin typeface="+mn-lt"/>
+                <a:ea typeface="+mn-ea"/>
+                <a:cs typeface="+mn-cs"/>
+              </a:defRPr>
+            </a:lvl7pPr>
+            <a:lvl8pPr marL="4569143" indent="-304610" algn="l" defTabSz="1218438" rtl="0" eaLnBrk="1" latinLnBrk="1" hangingPunct="1">
+              <a:spcBef>
+                <a:spcPct val="20000"/>
+              </a:spcBef>
+              <a:buFont typeface="Arial" pitchFamily="34" charset="0"/>
+              <a:buChar char="•"/>
+              <a:defRPr sz="2665" kern="1200">
+                <a:solidFill>
+                  <a:schemeClr val="tx1"/>
+                </a:solidFill>
+                <a:latin typeface="+mn-lt"/>
+                <a:ea typeface="+mn-ea"/>
+                <a:cs typeface="+mn-cs"/>
+              </a:defRPr>
+            </a:lvl8pPr>
+            <a:lvl9pPr marL="5178362" indent="-304610" algn="l" defTabSz="1218438" rtl="0" eaLnBrk="1" latinLnBrk="1" hangingPunct="1">
+              <a:spcBef>
+                <a:spcPct val="20000"/>
+              </a:spcBef>
+              <a:buFont typeface="Arial" pitchFamily="34" charset="0"/>
+              <a:buChar char="•"/>
+              <a:defRPr sz="2665" kern="1200">
+                <a:solidFill>
+                  <a:schemeClr val="tx1"/>
+                </a:solidFill>
+                <a:latin typeface="+mn-lt"/>
+                <a:ea typeface="+mn-ea"/>
+                <a:cs typeface="+mn-cs"/>
+              </a:defRPr>
+            </a:lvl9pPr>
+          </a:lstStyle>
+          <a:p>
+            <a:r>
+              <a:rPr lang="en-US" sz="2400" dirty="0" smtClean="0">
+                <a:solidFill>
+                  <a:schemeClr val="tx2"/>
+                </a:solidFill>
+              </a:rPr>
+              <a:t>if (</a:t>
+            </a:r>
+            <a:r>
+              <a:rPr lang="en-US" sz="2400" dirty="0" smtClean="0">
+                <a:solidFill>
+                  <a:schemeClr val="bg1"/>
+                </a:solidFill>
+              </a:rPr>
+              <a:t>!$v.$dirty &amp;&amp; $</a:t>
+            </a:r>
+            <a:r>
+              <a:rPr lang="en-US" sz="2400" dirty="0" err="1" smtClean="0">
+                <a:solidFill>
+                  <a:schemeClr val="bg1"/>
+                </a:solidFill>
+              </a:rPr>
+              <a:t>v.$invalid</a:t>
+            </a:r>
+            <a:r>
+              <a:rPr lang="en-US" sz="2400" dirty="0" smtClean="0">
+                <a:solidFill>
+                  <a:schemeClr val="tx2"/>
+                </a:solidFill>
+              </a:rPr>
+              <a:t>) </a:t>
+            </a:r>
+            <a:r>
+              <a:rPr lang="en-US" sz="2400" dirty="0">
+                <a:solidFill>
+                  <a:schemeClr val="tx2"/>
+                </a:solidFill>
+              </a:rPr>
+              <a:t>console.log</a:t>
+            </a:r>
+            <a:r>
+              <a:rPr lang="en-US" sz="2400" dirty="0" smtClean="0">
+                <a:solidFill>
+                  <a:schemeClr val="tx2"/>
+                </a:solidFill>
+              </a:rPr>
+              <a:t>('The form is invalid')</a:t>
+            </a:r>
+            <a:endParaRPr lang="en-US" sz="2400" dirty="0" smtClean="0">
+              <a:solidFill>
+                <a:schemeClr val="tx2"/>
+              </a:solidFill>
+            </a:endParaRPr>
+          </a:p>
+        </p:txBody>
+      </p:sp>
+      <p:sp>
+        <p:nvSpPr>
+          <p:cNvPr id="7" name="Text Placeholder 2">
+            <a:extLst>
+              <a:ext uri="{FF2B5EF4-FFF2-40B4-BE49-F238E27FC236}">
+                <a16:creationId xmlns:a16="http://schemas.microsoft.com/office/drawing/2014/main" id="{5176E72F-FA2C-4D3A-9F3B-B88D91C71827}"/>
+              </a:ext>
+            </a:extLst>
+          </p:cNvPr>
+          <p:cNvSpPr txBox="1">
+            <a:spLocks/>
+          </p:cNvSpPr>
+          <p:nvPr/>
+        </p:nvSpPr>
+        <p:spPr>
+          <a:xfrm>
+            <a:off x="720240" y="4117836"/>
+            <a:ext cx="11271870" cy="587441"/>
+          </a:xfrm>
+          <a:prstGeom prst="rect">
+            <a:avLst/>
+          </a:prstGeom>
+          <a:solidFill>
+            <a:schemeClr val="accent6">
+              <a:lumMod val="75000"/>
+              <a:alpha val="15000"/>
+            </a:schemeClr>
+          </a:solidFill>
+          <a:ln w="12700">
+            <a:solidFill>
+              <a:schemeClr val="tx1">
+                <a:lumMod val="50000"/>
+              </a:schemeClr>
+            </a:solidFill>
+          </a:ln>
+        </p:spPr>
+        <p:txBody>
+          <a:bodyPr vert="horz" wrap="square" lIns="144000" tIns="108000" rIns="144000" bIns="108000" rtlCol="0">
+            <a:spAutoFit/>
+          </a:bodyPr>
+          <a:lstStyle>
+            <a:lvl1pPr marL="0" indent="0" algn="l" defTabSz="1218438" rtl="0" eaLnBrk="1" latinLnBrk="1" hangingPunct="1">
+              <a:lnSpc>
+                <a:spcPct val="100000"/>
+              </a:lnSpc>
+              <a:spcBef>
+                <a:spcPts val="600"/>
+              </a:spcBef>
+              <a:spcAft>
+                <a:spcPts val="600"/>
+              </a:spcAft>
+              <a:buFont typeface="Wingdings" panose="05000000000000000000" pitchFamily="2" charset="2"/>
+              <a:buNone/>
+              <a:defRPr lang="en-US" sz="2398" b="1" kern="1200" noProof="1" smtClean="0">
+                <a:solidFill>
+                  <a:schemeClr val="tx1">
+                    <a:lumMod val="75000"/>
+                  </a:schemeClr>
+                </a:solidFill>
+                <a:effectLst/>
+                <a:latin typeface="Consolas" pitchFamily="49" charset="0"/>
+                <a:ea typeface="+mn-ea"/>
+                <a:cs typeface="Consolas" pitchFamily="49" charset="0"/>
+              </a:defRPr>
+            </a:lvl1pPr>
+            <a:lvl2pPr marL="989981" indent="-380762" algn="l" defTabSz="1218438" rtl="0" eaLnBrk="1" latinLnBrk="1" hangingPunct="1">
+              <a:lnSpc>
+                <a:spcPct val="105000"/>
+              </a:lnSpc>
+              <a:spcBef>
+                <a:spcPts val="600"/>
+              </a:spcBef>
+              <a:spcAft>
+                <a:spcPts val="600"/>
+              </a:spcAft>
+              <a:buFont typeface="Wingdings" panose="05000000000000000000" pitchFamily="2" charset="2"/>
+              <a:buChar char="§"/>
+              <a:defRPr sz="3198" kern="1200">
+                <a:solidFill>
+                  <a:schemeClr val="tx1"/>
+                </a:solidFill>
+                <a:latin typeface="+mn-lt"/>
+                <a:ea typeface="+mn-ea"/>
+                <a:cs typeface="+mn-cs"/>
+              </a:defRPr>
+            </a:lvl2pPr>
+            <a:lvl3pPr marL="1523048" indent="-304610" algn="l" defTabSz="1218438" rtl="0" eaLnBrk="1" latinLnBrk="1" hangingPunct="1">
+              <a:lnSpc>
+                <a:spcPct val="105000"/>
+              </a:lnSpc>
+              <a:spcBef>
+                <a:spcPts val="600"/>
+              </a:spcBef>
+              <a:spcAft>
+                <a:spcPts val="600"/>
+              </a:spcAft>
+              <a:buFont typeface="Wingdings" panose="05000000000000000000" pitchFamily="2" charset="2"/>
+              <a:buChar char="§"/>
+              <a:defRPr sz="2998" kern="1200">
+                <a:solidFill>
+                  <a:schemeClr val="tx1"/>
+                </a:solidFill>
+                <a:latin typeface="+mn-lt"/>
+                <a:ea typeface="+mn-ea"/>
+                <a:cs typeface="+mn-cs"/>
+              </a:defRPr>
+            </a:lvl3pPr>
+            <a:lvl4pPr marL="2132267" indent="-304610" algn="l" defTabSz="1218438" rtl="0" eaLnBrk="1" latinLnBrk="1" hangingPunct="1">
+              <a:lnSpc>
+                <a:spcPct val="105000"/>
+              </a:lnSpc>
+              <a:spcBef>
+                <a:spcPts val="600"/>
+              </a:spcBef>
+              <a:spcAft>
+                <a:spcPts val="600"/>
+              </a:spcAft>
+              <a:buFont typeface="Wingdings" panose="05000000000000000000" pitchFamily="2" charset="2"/>
+              <a:buChar char="§"/>
+              <a:defRPr sz="2798" kern="1200">
+                <a:solidFill>
+                  <a:schemeClr val="tx1"/>
+                </a:solidFill>
+                <a:latin typeface="+mn-lt"/>
+                <a:ea typeface="+mn-ea"/>
+                <a:cs typeface="+mn-cs"/>
+              </a:defRPr>
+            </a:lvl4pPr>
+            <a:lvl5pPr marL="2741485" indent="-304610" algn="l" defTabSz="1218438" rtl="0" eaLnBrk="1" latinLnBrk="1" hangingPunct="1">
+              <a:lnSpc>
+                <a:spcPct val="105000"/>
+              </a:lnSpc>
+              <a:spcBef>
+                <a:spcPts val="600"/>
+              </a:spcBef>
+              <a:spcAft>
+                <a:spcPts val="600"/>
+              </a:spcAft>
+              <a:buFont typeface="Wingdings" panose="05000000000000000000" pitchFamily="2" charset="2"/>
+              <a:buChar char="§"/>
+              <a:defRPr sz="2598" kern="1200">
+                <a:solidFill>
+                  <a:schemeClr val="tx1"/>
+                </a:solidFill>
+                <a:latin typeface="+mn-lt"/>
+                <a:ea typeface="+mn-ea"/>
+                <a:cs typeface="+mn-cs"/>
+              </a:defRPr>
+            </a:lvl5pPr>
+            <a:lvl6pPr marL="3350704" indent="-304610" algn="l" defTabSz="1218438" rtl="0" eaLnBrk="1" latinLnBrk="1" hangingPunct="1">
+              <a:spcBef>
+                <a:spcPct val="20000"/>
+              </a:spcBef>
+              <a:buFont typeface="Arial" pitchFamily="34" charset="0"/>
+              <a:buChar char="•"/>
+              <a:defRPr sz="2665" kern="1200">
+                <a:solidFill>
+                  <a:schemeClr val="tx1"/>
+                </a:solidFill>
+                <a:latin typeface="+mn-lt"/>
+                <a:ea typeface="+mn-ea"/>
+                <a:cs typeface="+mn-cs"/>
+              </a:defRPr>
+            </a:lvl6pPr>
+            <a:lvl7pPr marL="3959924" indent="-304610" algn="l" defTabSz="1218438" rtl="0" eaLnBrk="1" latinLnBrk="1" hangingPunct="1">
+              <a:spcBef>
+                <a:spcPct val="20000"/>
+              </a:spcBef>
+              <a:buFont typeface="Arial" pitchFamily="34" charset="0"/>
+              <a:buChar char="•"/>
+              <a:defRPr sz="2665" kern="1200">
+                <a:solidFill>
+                  <a:schemeClr val="tx1"/>
+                </a:solidFill>
+                <a:latin typeface="+mn-lt"/>
+                <a:ea typeface="+mn-ea"/>
+                <a:cs typeface="+mn-cs"/>
+              </a:defRPr>
+            </a:lvl7pPr>
+            <a:lvl8pPr marL="4569143" indent="-304610" algn="l" defTabSz="1218438" rtl="0" eaLnBrk="1" latinLnBrk="1" hangingPunct="1">
+              <a:spcBef>
+                <a:spcPct val="20000"/>
+              </a:spcBef>
+              <a:buFont typeface="Arial" pitchFamily="34" charset="0"/>
+              <a:buChar char="•"/>
+              <a:defRPr sz="2665" kern="1200">
+                <a:solidFill>
+                  <a:schemeClr val="tx1"/>
+                </a:solidFill>
+                <a:latin typeface="+mn-lt"/>
+                <a:ea typeface="+mn-ea"/>
+                <a:cs typeface="+mn-cs"/>
+              </a:defRPr>
+            </a:lvl8pPr>
+            <a:lvl9pPr marL="5178362" indent="-304610" algn="l" defTabSz="1218438" rtl="0" eaLnBrk="1" latinLnBrk="1" hangingPunct="1">
+              <a:spcBef>
+                <a:spcPct val="20000"/>
+              </a:spcBef>
+              <a:buFont typeface="Arial" pitchFamily="34" charset="0"/>
+              <a:buChar char="•"/>
+              <a:defRPr sz="2665" kern="1200">
+                <a:solidFill>
+                  <a:schemeClr val="tx1"/>
+                </a:solidFill>
+                <a:latin typeface="+mn-lt"/>
+                <a:ea typeface="+mn-ea"/>
+                <a:cs typeface="+mn-cs"/>
+              </a:defRPr>
+            </a:lvl9pPr>
+          </a:lstStyle>
+          <a:p>
+            <a:r>
+              <a:rPr lang="en-US" sz="2400" dirty="0" smtClean="0">
+                <a:solidFill>
+                  <a:schemeClr val="tx2"/>
+                </a:solidFill>
+              </a:rPr>
+              <a:t>if (</a:t>
+            </a:r>
+            <a:r>
+              <a:rPr lang="en-US" sz="2400" dirty="0" smtClean="0">
+                <a:solidFill>
+                  <a:schemeClr val="bg1"/>
+                </a:solidFill>
+              </a:rPr>
+              <a:t>!$v.$dirty &amp;&amp; $v.$model</a:t>
+            </a:r>
+            <a:r>
+              <a:rPr lang="en-US" sz="2400" dirty="0" smtClean="0">
+                <a:solidFill>
+                  <a:schemeClr val="tx2"/>
+                </a:solidFill>
+              </a:rPr>
+              <a:t>) </a:t>
+            </a:r>
+            <a:r>
+              <a:rPr lang="en-US" sz="2400" dirty="0">
+                <a:solidFill>
+                  <a:schemeClr val="tx2"/>
+                </a:solidFill>
+              </a:rPr>
+              <a:t>console.log</a:t>
+            </a:r>
+            <a:r>
+              <a:rPr lang="en-US" sz="2400" dirty="0" smtClean="0">
+                <a:solidFill>
+                  <a:schemeClr val="tx2"/>
+                </a:solidFill>
+              </a:rPr>
+              <a:t>('The field is required')</a:t>
+            </a:r>
+            <a:endParaRPr lang="en-US" sz="2400" dirty="0" smtClean="0">
+              <a:solidFill>
+                <a:schemeClr val="tx2"/>
+              </a:solidFill>
+            </a:endParaRPr>
+          </a:p>
+        </p:txBody>
+      </p:sp>
+      <p:sp>
+        <p:nvSpPr>
+          <p:cNvPr id="9" name="Text Placeholder 2">
+            <a:extLst>
+              <a:ext uri="{FF2B5EF4-FFF2-40B4-BE49-F238E27FC236}">
+                <a16:creationId xmlns:a16="http://schemas.microsoft.com/office/drawing/2014/main" id="{5176E72F-FA2C-4D3A-9F3B-B88D91C71827}"/>
+              </a:ext>
+            </a:extLst>
+          </p:cNvPr>
+          <p:cNvSpPr txBox="1">
+            <a:spLocks/>
+          </p:cNvSpPr>
+          <p:nvPr/>
+        </p:nvSpPr>
+        <p:spPr>
+          <a:xfrm>
+            <a:off x="720240" y="5495250"/>
+            <a:ext cx="11271870" cy="587441"/>
+          </a:xfrm>
+          <a:prstGeom prst="rect">
+            <a:avLst/>
+          </a:prstGeom>
+          <a:solidFill>
+            <a:schemeClr val="accent6">
+              <a:lumMod val="75000"/>
+              <a:alpha val="15000"/>
+            </a:schemeClr>
+          </a:solidFill>
+          <a:ln w="12700">
+            <a:solidFill>
+              <a:schemeClr val="tx1">
+                <a:lumMod val="50000"/>
+              </a:schemeClr>
+            </a:solidFill>
+          </a:ln>
+        </p:spPr>
+        <p:txBody>
+          <a:bodyPr vert="horz" wrap="square" lIns="144000" tIns="108000" rIns="144000" bIns="108000" rtlCol="0">
+            <a:spAutoFit/>
+          </a:bodyPr>
+          <a:lstStyle>
+            <a:lvl1pPr marL="0" indent="0" algn="l" defTabSz="1218438" rtl="0" eaLnBrk="1" latinLnBrk="1" hangingPunct="1">
+              <a:lnSpc>
+                <a:spcPct val="100000"/>
+              </a:lnSpc>
+              <a:spcBef>
+                <a:spcPts val="600"/>
+              </a:spcBef>
+              <a:spcAft>
+                <a:spcPts val="600"/>
+              </a:spcAft>
+              <a:buFont typeface="Wingdings" panose="05000000000000000000" pitchFamily="2" charset="2"/>
+              <a:buNone/>
+              <a:defRPr lang="en-US" sz="2398" b="1" kern="1200" noProof="1" smtClean="0">
+                <a:solidFill>
+                  <a:schemeClr val="tx1">
+                    <a:lumMod val="75000"/>
+                  </a:schemeClr>
+                </a:solidFill>
+                <a:effectLst/>
+                <a:latin typeface="Consolas" pitchFamily="49" charset="0"/>
+                <a:ea typeface="+mn-ea"/>
+                <a:cs typeface="Consolas" pitchFamily="49" charset="0"/>
+              </a:defRPr>
+            </a:lvl1pPr>
+            <a:lvl2pPr marL="989981" indent="-380762" algn="l" defTabSz="1218438" rtl="0" eaLnBrk="1" latinLnBrk="1" hangingPunct="1">
+              <a:lnSpc>
+                <a:spcPct val="105000"/>
+              </a:lnSpc>
+              <a:spcBef>
+                <a:spcPts val="600"/>
+              </a:spcBef>
+              <a:spcAft>
+                <a:spcPts val="600"/>
+              </a:spcAft>
+              <a:buFont typeface="Wingdings" panose="05000000000000000000" pitchFamily="2" charset="2"/>
+              <a:buChar char="§"/>
+              <a:defRPr sz="3198" kern="1200">
+                <a:solidFill>
+                  <a:schemeClr val="tx1"/>
+                </a:solidFill>
+                <a:latin typeface="+mn-lt"/>
+                <a:ea typeface="+mn-ea"/>
+                <a:cs typeface="+mn-cs"/>
+              </a:defRPr>
+            </a:lvl2pPr>
+            <a:lvl3pPr marL="1523048" indent="-304610" algn="l" defTabSz="1218438" rtl="0" eaLnBrk="1" latinLnBrk="1" hangingPunct="1">
+              <a:lnSpc>
+                <a:spcPct val="105000"/>
+              </a:lnSpc>
+              <a:spcBef>
+                <a:spcPts val="600"/>
+              </a:spcBef>
+              <a:spcAft>
+                <a:spcPts val="600"/>
+              </a:spcAft>
+              <a:buFont typeface="Wingdings" panose="05000000000000000000" pitchFamily="2" charset="2"/>
+              <a:buChar char="§"/>
+              <a:defRPr sz="2998" kern="1200">
+                <a:solidFill>
+                  <a:schemeClr val="tx1"/>
+                </a:solidFill>
+                <a:latin typeface="+mn-lt"/>
+                <a:ea typeface="+mn-ea"/>
+                <a:cs typeface="+mn-cs"/>
+              </a:defRPr>
+            </a:lvl3pPr>
+            <a:lvl4pPr marL="2132267" indent="-304610" algn="l" defTabSz="1218438" rtl="0" eaLnBrk="1" latinLnBrk="1" hangingPunct="1">
+              <a:lnSpc>
+                <a:spcPct val="105000"/>
+              </a:lnSpc>
+              <a:spcBef>
+                <a:spcPts val="600"/>
+              </a:spcBef>
+              <a:spcAft>
+                <a:spcPts val="600"/>
+              </a:spcAft>
+              <a:buFont typeface="Wingdings" panose="05000000000000000000" pitchFamily="2" charset="2"/>
+              <a:buChar char="§"/>
+              <a:defRPr sz="2798" kern="1200">
+                <a:solidFill>
+                  <a:schemeClr val="tx1"/>
+                </a:solidFill>
+                <a:latin typeface="+mn-lt"/>
+                <a:ea typeface="+mn-ea"/>
+                <a:cs typeface="+mn-cs"/>
+              </a:defRPr>
+            </a:lvl4pPr>
+            <a:lvl5pPr marL="2741485" indent="-304610" algn="l" defTabSz="1218438" rtl="0" eaLnBrk="1" latinLnBrk="1" hangingPunct="1">
+              <a:lnSpc>
+                <a:spcPct val="105000"/>
+              </a:lnSpc>
+              <a:spcBef>
+                <a:spcPts val="600"/>
+              </a:spcBef>
+              <a:spcAft>
+                <a:spcPts val="600"/>
+              </a:spcAft>
+              <a:buFont typeface="Wingdings" panose="05000000000000000000" pitchFamily="2" charset="2"/>
+              <a:buChar char="§"/>
+              <a:defRPr sz="2598" kern="1200">
+                <a:solidFill>
+                  <a:schemeClr val="tx1"/>
+                </a:solidFill>
+                <a:latin typeface="+mn-lt"/>
+                <a:ea typeface="+mn-ea"/>
+                <a:cs typeface="+mn-cs"/>
+              </a:defRPr>
+            </a:lvl5pPr>
+            <a:lvl6pPr marL="3350704" indent="-304610" algn="l" defTabSz="1218438" rtl="0" eaLnBrk="1" latinLnBrk="1" hangingPunct="1">
+              <a:spcBef>
+                <a:spcPct val="20000"/>
+              </a:spcBef>
+              <a:buFont typeface="Arial" pitchFamily="34" charset="0"/>
+              <a:buChar char="•"/>
+              <a:defRPr sz="2665" kern="1200">
+                <a:solidFill>
+                  <a:schemeClr val="tx1"/>
+                </a:solidFill>
+                <a:latin typeface="+mn-lt"/>
+                <a:ea typeface="+mn-ea"/>
+                <a:cs typeface="+mn-cs"/>
+              </a:defRPr>
+            </a:lvl6pPr>
+            <a:lvl7pPr marL="3959924" indent="-304610" algn="l" defTabSz="1218438" rtl="0" eaLnBrk="1" latinLnBrk="1" hangingPunct="1">
+              <a:spcBef>
+                <a:spcPct val="20000"/>
+              </a:spcBef>
+              <a:buFont typeface="Arial" pitchFamily="34" charset="0"/>
+              <a:buChar char="•"/>
+              <a:defRPr sz="2665" kern="1200">
+                <a:solidFill>
+                  <a:schemeClr val="tx1"/>
+                </a:solidFill>
+                <a:latin typeface="+mn-lt"/>
+                <a:ea typeface="+mn-ea"/>
+                <a:cs typeface="+mn-cs"/>
+              </a:defRPr>
+            </a:lvl7pPr>
+            <a:lvl8pPr marL="4569143" indent="-304610" algn="l" defTabSz="1218438" rtl="0" eaLnBrk="1" latinLnBrk="1" hangingPunct="1">
+              <a:spcBef>
+                <a:spcPct val="20000"/>
+              </a:spcBef>
+              <a:buFont typeface="Arial" pitchFamily="34" charset="0"/>
+              <a:buChar char="•"/>
+              <a:defRPr sz="2665" kern="1200">
+                <a:solidFill>
+                  <a:schemeClr val="tx1"/>
+                </a:solidFill>
+                <a:latin typeface="+mn-lt"/>
+                <a:ea typeface="+mn-ea"/>
+                <a:cs typeface="+mn-cs"/>
+              </a:defRPr>
+            </a:lvl8pPr>
+            <a:lvl9pPr marL="5178362" indent="-304610" algn="l" defTabSz="1218438" rtl="0" eaLnBrk="1" latinLnBrk="1" hangingPunct="1">
+              <a:spcBef>
+                <a:spcPct val="20000"/>
+              </a:spcBef>
+              <a:buFont typeface="Arial" pitchFamily="34" charset="0"/>
+              <a:buChar char="•"/>
+              <a:defRPr sz="2665" kern="1200">
+                <a:solidFill>
+                  <a:schemeClr val="tx1"/>
+                </a:solidFill>
+                <a:latin typeface="+mn-lt"/>
+                <a:ea typeface="+mn-ea"/>
+                <a:cs typeface="+mn-cs"/>
+              </a:defRPr>
+            </a:lvl9pPr>
+          </a:lstStyle>
+          <a:p>
+            <a:r>
+              <a:rPr lang="en-US" sz="2400" dirty="0" smtClean="0">
+                <a:solidFill>
+                  <a:schemeClr val="tx2"/>
+                </a:solidFill>
+              </a:rPr>
+              <a:t>&lt;p v-if="</a:t>
+            </a:r>
+            <a:r>
+              <a:rPr lang="en-US" sz="2400" dirty="0" smtClean="0">
+                <a:solidFill>
+                  <a:schemeClr val="bg1"/>
+                </a:solidFill>
+              </a:rPr>
+              <a:t>$</a:t>
+            </a:r>
+            <a:r>
+              <a:rPr lang="en-US" sz="2400" dirty="0" err="1" smtClean="0">
+                <a:solidFill>
+                  <a:schemeClr val="bg1"/>
+                </a:solidFill>
+              </a:rPr>
+              <a:t>v.$error</a:t>
+            </a:r>
+            <a:r>
+              <a:rPr lang="en-US" sz="2400" dirty="0" smtClean="0">
+                <a:solidFill>
+                  <a:schemeClr val="tx2"/>
+                </a:solidFill>
+              </a:rPr>
+              <a:t>" class="error"</a:t>
+            </a:r>
+            <a:r>
+              <a:rPr lang="en-US" sz="2400" dirty="0" smtClean="0">
+                <a:solidFill>
+                  <a:schemeClr val="tx2"/>
+                </a:solidFill>
+              </a:rPr>
+              <a:t>&gt;The form is invalid&lt;/p&gt;</a:t>
+            </a:r>
+            <a:endParaRPr lang="en-US" sz="2400" dirty="0" smtClean="0">
+              <a:solidFill>
+                <a:schemeClr val="tx2"/>
+              </a:solidFill>
+            </a:endParaRPr>
+          </a:p>
+        </p:txBody>
+      </p:sp>
+    </p:spTree>
+    <p:extLst>
+      <p:ext uri="{BB962C8B-B14F-4D97-AF65-F5344CB8AC3E}">
+        <p14:creationId xmlns:p14="http://schemas.microsoft.com/office/powerpoint/2010/main" val="1203563550"/>
+      </p:ext>
+    </p:extLst>
+  </p:cSld>
+  <p:clrMapOvr>
+    <a:masterClrMapping/>
+  </p:clrMapOvr>
+  <p:transition/>
+  <p:timing>
+    <p:tnLst>
+      <p:par>
+        <p:cTn id="1" dur="indefinite" restart="never" nodeType="tmRoot">
+          <p:childTnLst>
+            <p:seq concurrent="1" nextAc="seek">
+              <p:cTn id="2" dur="indefinite" nodeType="mainSeq">
+                <p:childTnLst>
+                  <p:par>
+                    <p:cTn id="3" fill="hold">
+                      <p:stCondLst>
+                        <p:cond delay="indefinite"/>
+                      </p:stCondLst>
+                      <p:childTnLst>
+                        <p:par>
+                          <p:cTn id="4" fill="hold">
+                            <p:stCondLst>
+                              <p:cond delay="0"/>
+                            </p:stCondLst>
+                            <p:childTnLst>
+                              <p:par>
+                                <p:cTn id="5" presetID="1" presetClass="entr" presetSubtype="0" fill="hold" nodeType="clickEffect">
+                                  <p:stCondLst>
+                                    <p:cond delay="0"/>
+                                  </p:stCondLst>
+                                  <p:childTnLst>
+                                    <p:set>
+                                      <p:cBhvr>
+                                        <p:cTn id="6" dur="1" fill="hold">
+                                          <p:stCondLst>
+                                            <p:cond delay="0"/>
+                                          </p:stCondLst>
+                                        </p:cTn>
+                                        <p:tgtEl>
+                                          <p:spTgt spid="2">
+                                            <p:txEl>
+                                              <p:pRg st="2" end="2"/>
+                                            </p:txEl>
+                                          </p:spTgt>
+                                        </p:tgtEl>
+                                        <p:attrNameLst>
+                                          <p:attrName>style.visibility</p:attrName>
+                                        </p:attrNameLst>
+                                      </p:cBhvr>
+                                      <p:to>
+                                        <p:strVal val="visible"/>
+                                      </p:to>
+                                    </p:set>
+                                  </p:childTnLst>
+                                </p:cTn>
+                              </p:par>
+                              <p:par>
+                                <p:cTn id="7" presetID="1" presetClass="entr" presetSubtype="0" fill="hold" grpId="0" nodeType="withEffect">
+                                  <p:stCondLst>
+                                    <p:cond delay="0"/>
+                                  </p:stCondLst>
+                                  <p:childTnLst>
+                                    <p:set>
+                                      <p:cBhvr>
+                                        <p:cTn id="8" dur="1" fill="hold">
+                                          <p:stCondLst>
+                                            <p:cond delay="0"/>
+                                          </p:stCondLst>
+                                        </p:cTn>
+                                        <p:tgtEl>
+                                          <p:spTgt spid="6"/>
+                                        </p:tgtEl>
+                                        <p:attrNameLst>
+                                          <p:attrName>style.visibility</p:attrName>
+                                        </p:attrNameLst>
+                                      </p:cBhvr>
+                                      <p:to>
+                                        <p:strVal val="visible"/>
+                                      </p:to>
+                                    </p:set>
+                                  </p:childTnLst>
+                                </p:cTn>
+                              </p:par>
+                            </p:childTnLst>
+                          </p:cTn>
+                        </p:par>
+                      </p:childTnLst>
+                    </p:cTn>
+                  </p:par>
+                  <p:par>
+                    <p:cTn id="9" fill="hold">
+                      <p:stCondLst>
+                        <p:cond delay="indefinite"/>
+                      </p:stCondLst>
+                      <p:childTnLst>
+                        <p:par>
+                          <p:cTn id="10" fill="hold">
+                            <p:stCondLst>
+                              <p:cond delay="0"/>
+                            </p:stCondLst>
+                            <p:childTnLst>
+                              <p:par>
+                                <p:cTn id="11" presetID="1" presetClass="entr" presetSubtype="0" fill="hold" nodeType="clickEffect">
+                                  <p:stCondLst>
+                                    <p:cond delay="0"/>
+                                  </p:stCondLst>
+                                  <p:childTnLst>
+                                    <p:set>
+                                      <p:cBhvr>
+                                        <p:cTn id="12" dur="1" fill="hold">
+                                          <p:stCondLst>
+                                            <p:cond delay="0"/>
+                                          </p:stCondLst>
+                                        </p:cTn>
+                                        <p:tgtEl>
+                                          <p:spTgt spid="2">
+                                            <p:txEl>
+                                              <p:pRg st="4" end="4"/>
+                                            </p:txEl>
+                                          </p:spTgt>
+                                        </p:tgtEl>
+                                        <p:attrNameLst>
+                                          <p:attrName>style.visibility</p:attrName>
+                                        </p:attrNameLst>
+                                      </p:cBhvr>
+                                      <p:to>
+                                        <p:strVal val="visible"/>
+                                      </p:to>
+                                    </p:set>
+                                  </p:childTnLst>
+                                </p:cTn>
+                              </p:par>
+                              <p:par>
+                                <p:cTn id="13" presetID="1" presetClass="entr" presetSubtype="0" fill="hold" grpId="0" nodeType="withEffect">
+                                  <p:stCondLst>
+                                    <p:cond delay="0"/>
+                                  </p:stCondLst>
+                                  <p:childTnLst>
+                                    <p:set>
+                                      <p:cBhvr>
+                                        <p:cTn id="14" dur="1" fill="hold">
+                                          <p:stCondLst>
+                                            <p:cond delay="0"/>
+                                          </p:stCondLst>
+                                        </p:cTn>
+                                        <p:tgtEl>
+                                          <p:spTgt spid="7"/>
+                                        </p:tgtEl>
+                                        <p:attrNameLst>
+                                          <p:attrName>style.visibility</p:attrName>
+                                        </p:attrNameLst>
+                                      </p:cBhvr>
+                                      <p:to>
+                                        <p:strVal val="visible"/>
+                                      </p:to>
+                                    </p:set>
+                                  </p:childTnLst>
+                                </p:cTn>
+                              </p:par>
+                            </p:childTnLst>
+                          </p:cTn>
+                        </p:par>
+                      </p:childTnLst>
+                    </p:cTn>
+                  </p:par>
+                  <p:par>
+                    <p:cTn id="15" fill="hold">
+                      <p:stCondLst>
+                        <p:cond delay="indefinite"/>
+                      </p:stCondLst>
+                      <p:childTnLst>
+                        <p:par>
+                          <p:cTn id="16" fill="hold">
+                            <p:stCondLst>
+                              <p:cond delay="0"/>
+                            </p:stCondLst>
+                            <p:childTnLst>
+                              <p:par>
+                                <p:cTn id="17" presetID="1" presetClass="entr" presetSubtype="0" fill="hold" nodeType="clickEffect">
+                                  <p:stCondLst>
+                                    <p:cond delay="0"/>
+                                  </p:stCondLst>
+                                  <p:childTnLst>
+                                    <p:set>
+                                      <p:cBhvr>
+                                        <p:cTn id="18" dur="1" fill="hold">
+                                          <p:stCondLst>
+                                            <p:cond delay="0"/>
+                                          </p:stCondLst>
+                                        </p:cTn>
+                                        <p:tgtEl>
+                                          <p:spTgt spid="2">
+                                            <p:txEl>
+                                              <p:pRg st="6" end="6"/>
+                                            </p:txEl>
+                                          </p:spTgt>
+                                        </p:tgtEl>
+                                        <p:attrNameLst>
+                                          <p:attrName>style.visibility</p:attrName>
+                                        </p:attrNameLst>
+                                      </p:cBhvr>
+                                      <p:to>
+                                        <p:strVal val="visible"/>
+                                      </p:to>
+                                    </p:set>
+                                  </p:childTnLst>
+                                </p:cTn>
+                              </p:par>
+                              <p:par>
+                                <p:cTn id="19" presetID="1" presetClass="entr" presetSubtype="0" fill="hold" grpId="0" nodeType="withEffect">
+                                  <p:stCondLst>
+                                    <p:cond delay="0"/>
+                                  </p:stCondLst>
+                                  <p:childTnLst>
+                                    <p:set>
+                                      <p:cBhvr>
+                                        <p:cTn id="20" dur="1" fill="hold">
+                                          <p:stCondLst>
+                                            <p:cond delay="0"/>
+                                          </p:stCondLst>
+                                        </p:cTn>
+                                        <p:tgtEl>
+                                          <p:spTgt spid="9"/>
+                                        </p:tgtEl>
+                                        <p:attrNameLst>
+                                          <p:attrName>style.visibility</p:attrName>
+                                        </p:attrNameLst>
+                                      </p:cBhvr>
+                                      <p:to>
+                                        <p:strVal val="visible"/>
+                                      </p:to>
+                                    </p:set>
+                                  </p:childTnLst>
+                                </p:cTn>
+                              </p:par>
+                            </p:childTnLst>
+                          </p:cTn>
+                        </p:par>
+                      </p:childTnLst>
+                    </p:cTn>
+                  </p:par>
+                </p:childTnLst>
+              </p:cTn>
+              <p:prevCondLst>
+                <p:cond evt="onPrev" delay="0">
+                  <p:tgtEl>
+                    <p:sldTgt/>
+                  </p:tgtEl>
+                </p:cond>
+              </p:prevCondLst>
+              <p:nextCondLst>
+                <p:cond evt="onNext" delay="0">
+                  <p:tgtEl>
+                    <p:sldTgt/>
+                  </p:tgtEl>
+                </p:cond>
+              </p:nextCondLst>
+            </p:seq>
+          </p:childTnLst>
+        </p:cTn>
+      </p:par>
+    </p:tnLst>
+    <p:bldLst>
+      <p:bldP spid="6" grpId="0" animBg="1"/>
+      <p:bldP spid="7" grpId="0" animBg="1"/>
+      <p:bldP spid="9" grpId="0" animBg="1"/>
+    </p:bldLst>
   </p:timing>
 </p:sld>
 </file>
 
 <file path=ppt/slides/slide22.xml><?xml version="1.0" encoding="utf-8"?>
+<p:sld xmlns:a="http://schemas.openxmlformats.org/drawingml/2006/main" xmlns:r="http://schemas.openxmlformats.org/officeDocument/2006/relationships" xmlns:p="http://schemas.openxmlformats.org/presentationml/2006/main">
+  <p:cSld>
+    <p:spTree>
+      <p:nvGrpSpPr>
+        <p:cNvPr id="1" name=""/>
+        <p:cNvGrpSpPr/>
+        <p:nvPr/>
+      </p:nvGrpSpPr>
+      <p:grpSpPr>
+        <a:xfrm>
+          <a:off x="0" y="0"/>
+          <a:ext cx="0" cy="0"/>
+          <a:chOff x="0" y="0"/>
+          <a:chExt cx="0" cy="0"/>
+        </a:xfrm>
+      </p:grpSpPr>
+      <p:sp>
+        <p:nvSpPr>
+          <p:cNvPr id="2" name="Текстов контейнер 1"/>
+          <p:cNvSpPr>
+            <a:spLocks noGrp="1"/>
+          </p:cNvSpPr>
+          <p:nvPr>
+            <p:ph type="body" sz="quarter" idx="10"/>
+          </p:nvPr>
+        </p:nvSpPr>
+        <p:spPr>
+          <a:xfrm>
+            <a:off x="190353" y="1196125"/>
+            <a:ext cx="11801757" cy="5201066"/>
+          </a:xfrm>
+        </p:spPr>
+        <p:txBody>
+          <a:bodyPr>
+            <a:normAutofit/>
+          </a:bodyPr>
+          <a:lstStyle/>
+          <a:p>
+            <a:pPr>
+              <a:buClr>
+                <a:schemeClr val="tx1"/>
+              </a:buClr>
+            </a:pPr>
+            <a:r>
+              <a:rPr lang="en-US" sz="2800" b="1" dirty="0">
+                <a:solidFill>
+                  <a:schemeClr val="bg1"/>
+                </a:solidFill>
+              </a:rPr>
+              <a:t>$</a:t>
+            </a:r>
+            <a:r>
+              <a:rPr lang="en-US" sz="2800" b="1" dirty="0" smtClean="0">
+                <a:solidFill>
+                  <a:schemeClr val="bg1"/>
+                </a:solidFill>
+              </a:rPr>
+              <a:t>touch </a:t>
+            </a:r>
+            <a:r>
+              <a:rPr lang="en-US" sz="2800" dirty="0" smtClean="0"/>
+              <a:t>- </a:t>
+            </a:r>
+            <a:r>
+              <a:rPr lang="en-US" sz="2800" dirty="0"/>
+              <a:t>Sets the $dirty flag of the </a:t>
+            </a:r>
+            <a:r>
+              <a:rPr lang="en-US" sz="2800" dirty="0" smtClean="0"/>
+              <a:t>model to true</a:t>
+            </a:r>
+          </a:p>
+          <a:p>
+            <a:endParaRPr lang="en-US" sz="2800" dirty="0"/>
+          </a:p>
+          <a:p>
+            <a:endParaRPr lang="en-US" sz="2800" dirty="0" smtClean="0"/>
+          </a:p>
+          <a:p>
+            <a:pPr marL="0" indent="0">
+              <a:buNone/>
+            </a:pPr>
+            <a:endParaRPr lang="en-US" sz="5600" dirty="0" smtClean="0"/>
+          </a:p>
+          <a:p>
+            <a:pPr>
+              <a:buClr>
+                <a:schemeClr val="tx1"/>
+              </a:buClr>
+            </a:pPr>
+            <a:r>
+              <a:rPr lang="en-US" sz="2800" b="1" dirty="0" smtClean="0">
+                <a:solidFill>
+                  <a:schemeClr val="bg1"/>
+                </a:solidFill>
+              </a:rPr>
+              <a:t>$reset</a:t>
+            </a:r>
+            <a:r>
+              <a:rPr lang="en-US" sz="2800" b="1" dirty="0" smtClean="0">
+                <a:solidFill>
+                  <a:schemeClr val="bg1"/>
+                </a:solidFill>
+              </a:rPr>
+              <a:t> </a:t>
+            </a:r>
+            <a:r>
+              <a:rPr lang="en-US" sz="2800" dirty="0"/>
+              <a:t>– </a:t>
+            </a:r>
+            <a:r>
+              <a:rPr lang="en-US" sz="2800" dirty="0" smtClean="0"/>
+              <a:t>Sets the $dirty flag of the model to false</a:t>
+            </a:r>
+            <a:endParaRPr lang="en-US" sz="2800" dirty="0"/>
+          </a:p>
+          <a:p>
+            <a:endParaRPr lang="en-US" sz="2800" dirty="0" smtClean="0"/>
+          </a:p>
+          <a:p>
+            <a:pPr marL="0" indent="0">
+              <a:buNone/>
+            </a:pPr>
+            <a:r>
+              <a:rPr lang="en-US" sz="3200" dirty="0" smtClean="0"/>
+              <a:t>    </a:t>
+            </a:r>
+            <a:endParaRPr lang="en-US" sz="3200" dirty="0" smtClean="0"/>
+          </a:p>
+        </p:txBody>
+      </p:sp>
+      <p:sp>
+        <p:nvSpPr>
+          <p:cNvPr id="3" name="Заглавие 2"/>
+          <p:cNvSpPr>
+            <a:spLocks noGrp="1"/>
+          </p:cNvSpPr>
+          <p:nvPr>
+            <p:ph type="title"/>
+          </p:nvPr>
+        </p:nvSpPr>
+        <p:spPr/>
+        <p:txBody>
+          <a:bodyPr/>
+          <a:lstStyle/>
+          <a:p>
+            <a:r>
+              <a:rPr lang="en-US" dirty="0"/>
+              <a:t>Api </a:t>
+            </a:r>
+            <a:r>
+              <a:rPr lang="en-US" dirty="0" smtClean="0"/>
+              <a:t>$v methods</a:t>
+            </a:r>
+            <a:endParaRPr lang="en-US" dirty="0"/>
+          </a:p>
+        </p:txBody>
+      </p:sp>
+      <p:sp>
+        <p:nvSpPr>
+          <p:cNvPr id="4" name="Контейнер за номер на слайда 3"/>
+          <p:cNvSpPr>
+            <a:spLocks noGrp="1"/>
+          </p:cNvSpPr>
+          <p:nvPr>
+            <p:ph type="sldNum" sz="quarter" idx="13"/>
+          </p:nvPr>
+        </p:nvSpPr>
+        <p:spPr/>
+        <p:txBody>
+          <a:bodyPr/>
+          <a:lstStyle/>
+          <a:p>
+            <a:fld id="{C014DD1E-5D91-48A3-AD6D-45FBA980D106}" type="slidenum">
+              <a:rPr lang="en-US" smtClean="0"/>
+              <a:pPr/>
+              <a:t>22</a:t>
+            </a:fld>
+            <a:endParaRPr lang="en-US" dirty="0"/>
+          </a:p>
+        </p:txBody>
+      </p:sp>
+      <p:sp>
+        <p:nvSpPr>
+          <p:cNvPr id="5" name="Text Placeholder 2">
+            <a:extLst>
+              <a:ext uri="{FF2B5EF4-FFF2-40B4-BE49-F238E27FC236}">
+                <a16:creationId xmlns:a16="http://schemas.microsoft.com/office/drawing/2014/main" id="{5176E72F-FA2C-4D3A-9F3B-B88D91C71827}"/>
+              </a:ext>
+            </a:extLst>
+          </p:cNvPr>
+          <p:cNvSpPr txBox="1">
+            <a:spLocks/>
+          </p:cNvSpPr>
+          <p:nvPr/>
+        </p:nvSpPr>
+        <p:spPr>
+          <a:xfrm>
+            <a:off x="696479" y="1827251"/>
+            <a:ext cx="9412772" cy="2157102"/>
+          </a:xfrm>
+          <a:prstGeom prst="rect">
+            <a:avLst/>
+          </a:prstGeom>
+          <a:solidFill>
+            <a:schemeClr val="accent6">
+              <a:lumMod val="75000"/>
+              <a:alpha val="15000"/>
+            </a:schemeClr>
+          </a:solidFill>
+          <a:ln w="12700">
+            <a:solidFill>
+              <a:schemeClr val="tx1">
+                <a:lumMod val="50000"/>
+              </a:schemeClr>
+            </a:solidFill>
+          </a:ln>
+        </p:spPr>
+        <p:txBody>
+          <a:bodyPr vert="horz" wrap="square" lIns="144000" tIns="108000" rIns="144000" bIns="108000" rtlCol="0">
+            <a:spAutoFit/>
+          </a:bodyPr>
+          <a:lstStyle>
+            <a:lvl1pPr marL="0" indent="0" algn="l" defTabSz="1218438" rtl="0" eaLnBrk="1" latinLnBrk="1" hangingPunct="1">
+              <a:lnSpc>
+                <a:spcPct val="100000"/>
+              </a:lnSpc>
+              <a:spcBef>
+                <a:spcPts val="600"/>
+              </a:spcBef>
+              <a:spcAft>
+                <a:spcPts val="600"/>
+              </a:spcAft>
+              <a:buFont typeface="Wingdings" panose="05000000000000000000" pitchFamily="2" charset="2"/>
+              <a:buNone/>
+              <a:defRPr lang="en-US" sz="2398" b="1" kern="1200" noProof="1" smtClean="0">
+                <a:solidFill>
+                  <a:schemeClr val="tx1">
+                    <a:lumMod val="75000"/>
+                  </a:schemeClr>
+                </a:solidFill>
+                <a:effectLst/>
+                <a:latin typeface="Consolas" pitchFamily="49" charset="0"/>
+                <a:ea typeface="+mn-ea"/>
+                <a:cs typeface="Consolas" pitchFamily="49" charset="0"/>
+              </a:defRPr>
+            </a:lvl1pPr>
+            <a:lvl2pPr marL="989981" indent="-380762" algn="l" defTabSz="1218438" rtl="0" eaLnBrk="1" latinLnBrk="1" hangingPunct="1">
+              <a:lnSpc>
+                <a:spcPct val="105000"/>
+              </a:lnSpc>
+              <a:spcBef>
+                <a:spcPts val="600"/>
+              </a:spcBef>
+              <a:spcAft>
+                <a:spcPts val="600"/>
+              </a:spcAft>
+              <a:buFont typeface="Wingdings" panose="05000000000000000000" pitchFamily="2" charset="2"/>
+              <a:buChar char="§"/>
+              <a:defRPr sz="3198" kern="1200">
+                <a:solidFill>
+                  <a:schemeClr val="tx1"/>
+                </a:solidFill>
+                <a:latin typeface="+mn-lt"/>
+                <a:ea typeface="+mn-ea"/>
+                <a:cs typeface="+mn-cs"/>
+              </a:defRPr>
+            </a:lvl2pPr>
+            <a:lvl3pPr marL="1523048" indent="-304610" algn="l" defTabSz="1218438" rtl="0" eaLnBrk="1" latinLnBrk="1" hangingPunct="1">
+              <a:lnSpc>
+                <a:spcPct val="105000"/>
+              </a:lnSpc>
+              <a:spcBef>
+                <a:spcPts val="600"/>
+              </a:spcBef>
+              <a:spcAft>
+                <a:spcPts val="600"/>
+              </a:spcAft>
+              <a:buFont typeface="Wingdings" panose="05000000000000000000" pitchFamily="2" charset="2"/>
+              <a:buChar char="§"/>
+              <a:defRPr sz="2998" kern="1200">
+                <a:solidFill>
+                  <a:schemeClr val="tx1"/>
+                </a:solidFill>
+                <a:latin typeface="+mn-lt"/>
+                <a:ea typeface="+mn-ea"/>
+                <a:cs typeface="+mn-cs"/>
+              </a:defRPr>
+            </a:lvl3pPr>
+            <a:lvl4pPr marL="2132267" indent="-304610" algn="l" defTabSz="1218438" rtl="0" eaLnBrk="1" latinLnBrk="1" hangingPunct="1">
+              <a:lnSpc>
+                <a:spcPct val="105000"/>
+              </a:lnSpc>
+              <a:spcBef>
+                <a:spcPts val="600"/>
+              </a:spcBef>
+              <a:spcAft>
+                <a:spcPts val="600"/>
+              </a:spcAft>
+              <a:buFont typeface="Wingdings" panose="05000000000000000000" pitchFamily="2" charset="2"/>
+              <a:buChar char="§"/>
+              <a:defRPr sz="2798" kern="1200">
+                <a:solidFill>
+                  <a:schemeClr val="tx1"/>
+                </a:solidFill>
+                <a:latin typeface="+mn-lt"/>
+                <a:ea typeface="+mn-ea"/>
+                <a:cs typeface="+mn-cs"/>
+              </a:defRPr>
+            </a:lvl4pPr>
+            <a:lvl5pPr marL="2741485" indent="-304610" algn="l" defTabSz="1218438" rtl="0" eaLnBrk="1" latinLnBrk="1" hangingPunct="1">
+              <a:lnSpc>
+                <a:spcPct val="105000"/>
+              </a:lnSpc>
+              <a:spcBef>
+                <a:spcPts val="600"/>
+              </a:spcBef>
+              <a:spcAft>
+                <a:spcPts val="600"/>
+              </a:spcAft>
+              <a:buFont typeface="Wingdings" panose="05000000000000000000" pitchFamily="2" charset="2"/>
+              <a:buChar char="§"/>
+              <a:defRPr sz="2598" kern="1200">
+                <a:solidFill>
+                  <a:schemeClr val="tx1"/>
+                </a:solidFill>
+                <a:latin typeface="+mn-lt"/>
+                <a:ea typeface="+mn-ea"/>
+                <a:cs typeface="+mn-cs"/>
+              </a:defRPr>
+            </a:lvl5pPr>
+            <a:lvl6pPr marL="3350704" indent="-304610" algn="l" defTabSz="1218438" rtl="0" eaLnBrk="1" latinLnBrk="1" hangingPunct="1">
+              <a:spcBef>
+                <a:spcPct val="20000"/>
+              </a:spcBef>
+              <a:buFont typeface="Arial" pitchFamily="34" charset="0"/>
+              <a:buChar char="•"/>
+              <a:defRPr sz="2665" kern="1200">
+                <a:solidFill>
+                  <a:schemeClr val="tx1"/>
+                </a:solidFill>
+                <a:latin typeface="+mn-lt"/>
+                <a:ea typeface="+mn-ea"/>
+                <a:cs typeface="+mn-cs"/>
+              </a:defRPr>
+            </a:lvl6pPr>
+            <a:lvl7pPr marL="3959924" indent="-304610" algn="l" defTabSz="1218438" rtl="0" eaLnBrk="1" latinLnBrk="1" hangingPunct="1">
+              <a:spcBef>
+                <a:spcPct val="20000"/>
+              </a:spcBef>
+              <a:buFont typeface="Arial" pitchFamily="34" charset="0"/>
+              <a:buChar char="•"/>
+              <a:defRPr sz="2665" kern="1200">
+                <a:solidFill>
+                  <a:schemeClr val="tx1"/>
+                </a:solidFill>
+                <a:latin typeface="+mn-lt"/>
+                <a:ea typeface="+mn-ea"/>
+                <a:cs typeface="+mn-cs"/>
+              </a:defRPr>
+            </a:lvl7pPr>
+            <a:lvl8pPr marL="4569143" indent="-304610" algn="l" defTabSz="1218438" rtl="0" eaLnBrk="1" latinLnBrk="1" hangingPunct="1">
+              <a:spcBef>
+                <a:spcPct val="20000"/>
+              </a:spcBef>
+              <a:buFont typeface="Arial" pitchFamily="34" charset="0"/>
+              <a:buChar char="•"/>
+              <a:defRPr sz="2665" kern="1200">
+                <a:solidFill>
+                  <a:schemeClr val="tx1"/>
+                </a:solidFill>
+                <a:latin typeface="+mn-lt"/>
+                <a:ea typeface="+mn-ea"/>
+                <a:cs typeface="+mn-cs"/>
+              </a:defRPr>
+            </a:lvl8pPr>
+            <a:lvl9pPr marL="5178362" indent="-304610" algn="l" defTabSz="1218438" rtl="0" eaLnBrk="1" latinLnBrk="1" hangingPunct="1">
+              <a:spcBef>
+                <a:spcPct val="20000"/>
+              </a:spcBef>
+              <a:buFont typeface="Arial" pitchFamily="34" charset="0"/>
+              <a:buChar char="•"/>
+              <a:defRPr sz="2665" kern="1200">
+                <a:solidFill>
+                  <a:schemeClr val="tx1"/>
+                </a:solidFill>
+                <a:latin typeface="+mn-lt"/>
+                <a:ea typeface="+mn-ea"/>
+                <a:cs typeface="+mn-cs"/>
+              </a:defRPr>
+            </a:lvl9pPr>
+          </a:lstStyle>
+          <a:p>
+            <a:r>
+              <a:rPr lang="en-US" sz="2400" dirty="0" err="1">
+                <a:solidFill>
+                  <a:schemeClr val="tx2"/>
+                </a:solidFill>
+              </a:rPr>
+              <a:t>setName</a:t>
+            </a:r>
+            <a:r>
+              <a:rPr lang="en-US" sz="2400" dirty="0">
+                <a:solidFill>
+                  <a:schemeClr val="tx2"/>
+                </a:solidFill>
+              </a:rPr>
+              <a:t>(</a:t>
+            </a:r>
+            <a:r>
+              <a:rPr lang="en-US" sz="2400" dirty="0">
+                <a:solidFill>
+                  <a:schemeClr val="bg1"/>
+                </a:solidFill>
+              </a:rPr>
+              <a:t>value</a:t>
+            </a:r>
+            <a:r>
+              <a:rPr lang="en-US" sz="2400" dirty="0">
+                <a:solidFill>
+                  <a:schemeClr val="tx2"/>
+                </a:solidFill>
+              </a:rPr>
+              <a:t>) {</a:t>
+            </a:r>
+          </a:p>
+          <a:p>
+            <a:r>
+              <a:rPr lang="en-US" sz="2400" dirty="0">
+                <a:solidFill>
+                  <a:schemeClr val="tx2"/>
+                </a:solidFill>
+              </a:rPr>
+              <a:t>      this.name = value</a:t>
+            </a:r>
+          </a:p>
+          <a:p>
+            <a:r>
+              <a:rPr lang="en-US" sz="2400" dirty="0">
+                <a:solidFill>
+                  <a:schemeClr val="tx2"/>
+                </a:solidFill>
+              </a:rPr>
+              <a:t>      this</a:t>
+            </a:r>
+            <a:r>
+              <a:rPr lang="en-US" sz="2400" dirty="0">
+                <a:solidFill>
+                  <a:schemeClr val="tx1"/>
+                </a:solidFill>
+              </a:rPr>
+              <a:t>.</a:t>
+            </a:r>
+            <a:r>
+              <a:rPr lang="en-US" sz="2400" dirty="0">
+                <a:solidFill>
+                  <a:schemeClr val="bg1"/>
+                </a:solidFill>
+              </a:rPr>
+              <a:t>$v.name.$touch()</a:t>
+            </a:r>
+          </a:p>
+          <a:p>
+            <a:r>
+              <a:rPr lang="en-US" sz="2400" dirty="0">
+                <a:solidFill>
+                  <a:schemeClr val="tx2"/>
+                </a:solidFill>
+              </a:rPr>
+              <a:t>    }</a:t>
+            </a:r>
+            <a:endParaRPr lang="en-US" sz="2400" dirty="0" smtClean="0">
+              <a:solidFill>
+                <a:schemeClr val="tx2"/>
+              </a:solidFill>
+            </a:endParaRPr>
+          </a:p>
+        </p:txBody>
+      </p:sp>
+      <p:sp>
+        <p:nvSpPr>
+          <p:cNvPr id="6" name="Text Placeholder 2">
+            <a:extLst>
+              <a:ext uri="{FF2B5EF4-FFF2-40B4-BE49-F238E27FC236}">
+                <a16:creationId xmlns:a16="http://schemas.microsoft.com/office/drawing/2014/main" id="{5176E72F-FA2C-4D3A-9F3B-B88D91C71827}"/>
+              </a:ext>
+            </a:extLst>
+          </p:cNvPr>
+          <p:cNvSpPr txBox="1">
+            <a:spLocks/>
+          </p:cNvSpPr>
+          <p:nvPr/>
+        </p:nvSpPr>
+        <p:spPr>
+          <a:xfrm>
+            <a:off x="696479" y="4724400"/>
+            <a:ext cx="9829800" cy="587441"/>
+          </a:xfrm>
+          <a:prstGeom prst="rect">
+            <a:avLst/>
+          </a:prstGeom>
+          <a:solidFill>
+            <a:schemeClr val="accent6">
+              <a:lumMod val="75000"/>
+              <a:alpha val="15000"/>
+            </a:schemeClr>
+          </a:solidFill>
+          <a:ln w="12700">
+            <a:solidFill>
+              <a:schemeClr val="tx1">
+                <a:lumMod val="50000"/>
+              </a:schemeClr>
+            </a:solidFill>
+          </a:ln>
+        </p:spPr>
+        <p:txBody>
+          <a:bodyPr vert="horz" wrap="square" lIns="144000" tIns="108000" rIns="144000" bIns="108000" rtlCol="0">
+            <a:spAutoFit/>
+          </a:bodyPr>
+          <a:lstStyle>
+            <a:lvl1pPr marL="0" indent="0" algn="l" defTabSz="1218438" rtl="0" eaLnBrk="1" latinLnBrk="1" hangingPunct="1">
+              <a:lnSpc>
+                <a:spcPct val="100000"/>
+              </a:lnSpc>
+              <a:spcBef>
+                <a:spcPts val="600"/>
+              </a:spcBef>
+              <a:spcAft>
+                <a:spcPts val="600"/>
+              </a:spcAft>
+              <a:buFont typeface="Wingdings" panose="05000000000000000000" pitchFamily="2" charset="2"/>
+              <a:buNone/>
+              <a:defRPr lang="en-US" sz="2398" b="1" kern="1200" noProof="1" smtClean="0">
+                <a:solidFill>
+                  <a:schemeClr val="tx1">
+                    <a:lumMod val="75000"/>
+                  </a:schemeClr>
+                </a:solidFill>
+                <a:effectLst/>
+                <a:latin typeface="Consolas" pitchFamily="49" charset="0"/>
+                <a:ea typeface="+mn-ea"/>
+                <a:cs typeface="Consolas" pitchFamily="49" charset="0"/>
+              </a:defRPr>
+            </a:lvl1pPr>
+            <a:lvl2pPr marL="989981" indent="-380762" algn="l" defTabSz="1218438" rtl="0" eaLnBrk="1" latinLnBrk="1" hangingPunct="1">
+              <a:lnSpc>
+                <a:spcPct val="105000"/>
+              </a:lnSpc>
+              <a:spcBef>
+                <a:spcPts val="600"/>
+              </a:spcBef>
+              <a:spcAft>
+                <a:spcPts val="600"/>
+              </a:spcAft>
+              <a:buFont typeface="Wingdings" panose="05000000000000000000" pitchFamily="2" charset="2"/>
+              <a:buChar char="§"/>
+              <a:defRPr sz="3198" kern="1200">
+                <a:solidFill>
+                  <a:schemeClr val="tx1"/>
+                </a:solidFill>
+                <a:latin typeface="+mn-lt"/>
+                <a:ea typeface="+mn-ea"/>
+                <a:cs typeface="+mn-cs"/>
+              </a:defRPr>
+            </a:lvl2pPr>
+            <a:lvl3pPr marL="1523048" indent="-304610" algn="l" defTabSz="1218438" rtl="0" eaLnBrk="1" latinLnBrk="1" hangingPunct="1">
+              <a:lnSpc>
+                <a:spcPct val="105000"/>
+              </a:lnSpc>
+              <a:spcBef>
+                <a:spcPts val="600"/>
+              </a:spcBef>
+              <a:spcAft>
+                <a:spcPts val="600"/>
+              </a:spcAft>
+              <a:buFont typeface="Wingdings" panose="05000000000000000000" pitchFamily="2" charset="2"/>
+              <a:buChar char="§"/>
+              <a:defRPr sz="2998" kern="1200">
+                <a:solidFill>
+                  <a:schemeClr val="tx1"/>
+                </a:solidFill>
+                <a:latin typeface="+mn-lt"/>
+                <a:ea typeface="+mn-ea"/>
+                <a:cs typeface="+mn-cs"/>
+              </a:defRPr>
+            </a:lvl3pPr>
+            <a:lvl4pPr marL="2132267" indent="-304610" algn="l" defTabSz="1218438" rtl="0" eaLnBrk="1" latinLnBrk="1" hangingPunct="1">
+              <a:lnSpc>
+                <a:spcPct val="105000"/>
+              </a:lnSpc>
+              <a:spcBef>
+                <a:spcPts val="600"/>
+              </a:spcBef>
+              <a:spcAft>
+                <a:spcPts val="600"/>
+              </a:spcAft>
+              <a:buFont typeface="Wingdings" panose="05000000000000000000" pitchFamily="2" charset="2"/>
+              <a:buChar char="§"/>
+              <a:defRPr sz="2798" kern="1200">
+                <a:solidFill>
+                  <a:schemeClr val="tx1"/>
+                </a:solidFill>
+                <a:latin typeface="+mn-lt"/>
+                <a:ea typeface="+mn-ea"/>
+                <a:cs typeface="+mn-cs"/>
+              </a:defRPr>
+            </a:lvl4pPr>
+            <a:lvl5pPr marL="2741485" indent="-304610" algn="l" defTabSz="1218438" rtl="0" eaLnBrk="1" latinLnBrk="1" hangingPunct="1">
+              <a:lnSpc>
+                <a:spcPct val="105000"/>
+              </a:lnSpc>
+              <a:spcBef>
+                <a:spcPts val="600"/>
+              </a:spcBef>
+              <a:spcAft>
+                <a:spcPts val="600"/>
+              </a:spcAft>
+              <a:buFont typeface="Wingdings" panose="05000000000000000000" pitchFamily="2" charset="2"/>
+              <a:buChar char="§"/>
+              <a:defRPr sz="2598" kern="1200">
+                <a:solidFill>
+                  <a:schemeClr val="tx1"/>
+                </a:solidFill>
+                <a:latin typeface="+mn-lt"/>
+                <a:ea typeface="+mn-ea"/>
+                <a:cs typeface="+mn-cs"/>
+              </a:defRPr>
+            </a:lvl5pPr>
+            <a:lvl6pPr marL="3350704" indent="-304610" algn="l" defTabSz="1218438" rtl="0" eaLnBrk="1" latinLnBrk="1" hangingPunct="1">
+              <a:spcBef>
+                <a:spcPct val="20000"/>
+              </a:spcBef>
+              <a:buFont typeface="Arial" pitchFamily="34" charset="0"/>
+              <a:buChar char="•"/>
+              <a:defRPr sz="2665" kern="1200">
+                <a:solidFill>
+                  <a:schemeClr val="tx1"/>
+                </a:solidFill>
+                <a:latin typeface="+mn-lt"/>
+                <a:ea typeface="+mn-ea"/>
+                <a:cs typeface="+mn-cs"/>
+              </a:defRPr>
+            </a:lvl6pPr>
+            <a:lvl7pPr marL="3959924" indent="-304610" algn="l" defTabSz="1218438" rtl="0" eaLnBrk="1" latinLnBrk="1" hangingPunct="1">
+              <a:spcBef>
+                <a:spcPct val="20000"/>
+              </a:spcBef>
+              <a:buFont typeface="Arial" pitchFamily="34" charset="0"/>
+              <a:buChar char="•"/>
+              <a:defRPr sz="2665" kern="1200">
+                <a:solidFill>
+                  <a:schemeClr val="tx1"/>
+                </a:solidFill>
+                <a:latin typeface="+mn-lt"/>
+                <a:ea typeface="+mn-ea"/>
+                <a:cs typeface="+mn-cs"/>
+              </a:defRPr>
+            </a:lvl7pPr>
+            <a:lvl8pPr marL="4569143" indent="-304610" algn="l" defTabSz="1218438" rtl="0" eaLnBrk="1" latinLnBrk="1" hangingPunct="1">
+              <a:spcBef>
+                <a:spcPct val="20000"/>
+              </a:spcBef>
+              <a:buFont typeface="Arial" pitchFamily="34" charset="0"/>
+              <a:buChar char="•"/>
+              <a:defRPr sz="2665" kern="1200">
+                <a:solidFill>
+                  <a:schemeClr val="tx1"/>
+                </a:solidFill>
+                <a:latin typeface="+mn-lt"/>
+                <a:ea typeface="+mn-ea"/>
+                <a:cs typeface="+mn-cs"/>
+              </a:defRPr>
+            </a:lvl8pPr>
+            <a:lvl9pPr marL="5178362" indent="-304610" algn="l" defTabSz="1218438" rtl="0" eaLnBrk="1" latinLnBrk="1" hangingPunct="1">
+              <a:spcBef>
+                <a:spcPct val="20000"/>
+              </a:spcBef>
+              <a:buFont typeface="Arial" pitchFamily="34" charset="0"/>
+              <a:buChar char="•"/>
+              <a:defRPr sz="2665" kern="1200">
+                <a:solidFill>
+                  <a:schemeClr val="tx1"/>
+                </a:solidFill>
+                <a:latin typeface="+mn-lt"/>
+                <a:ea typeface="+mn-ea"/>
+                <a:cs typeface="+mn-cs"/>
+              </a:defRPr>
+            </a:lvl9pPr>
+          </a:lstStyle>
+          <a:p>
+            <a:r>
+              <a:rPr lang="en-US" sz="2400" dirty="0">
+                <a:solidFill>
+                  <a:schemeClr val="tx2"/>
+                </a:solidFill>
+              </a:rPr>
+              <a:t>&lt;button class="button" @click="$</a:t>
+            </a:r>
+            <a:r>
+              <a:rPr lang="en-US" sz="2400" dirty="0" err="1">
+                <a:solidFill>
+                  <a:schemeClr val="bg1"/>
+                </a:solidFill>
+              </a:rPr>
+              <a:t>v.$reset</a:t>
+            </a:r>
+            <a:r>
+              <a:rPr lang="en-US" sz="2400" dirty="0" smtClean="0">
+                <a:solidFill>
+                  <a:schemeClr val="tx2"/>
+                </a:solidFill>
+              </a:rPr>
+              <a:t>"&gt;Reset</a:t>
+            </a:r>
+            <a:r>
+              <a:rPr lang="en-US" sz="2400" dirty="0">
+                <a:solidFill>
+                  <a:schemeClr val="tx2"/>
+                </a:solidFill>
+              </a:rPr>
+              <a:t>&lt;/button&gt;</a:t>
+            </a:r>
+            <a:endParaRPr lang="en-US" sz="2400" dirty="0" smtClean="0">
+              <a:solidFill>
+                <a:schemeClr val="tx2"/>
+              </a:solidFill>
+            </a:endParaRPr>
+          </a:p>
+        </p:txBody>
+      </p:sp>
+    </p:spTree>
+    <p:extLst>
+      <p:ext uri="{BB962C8B-B14F-4D97-AF65-F5344CB8AC3E}">
+        <p14:creationId xmlns:p14="http://schemas.microsoft.com/office/powerpoint/2010/main" val="2382156895"/>
+      </p:ext>
+    </p:extLst>
+  </p:cSld>
+  <p:clrMapOvr>
+    <a:masterClrMapping/>
+  </p:clrMapOvr>
+  <p:transition/>
+  <p:timing>
+    <p:tnLst>
+      <p:par>
+        <p:cTn id="1" dur="indefinite" restart="never" nodeType="tmRoot">
+          <p:childTnLst>
+            <p:seq concurrent="1" nextAc="seek">
+              <p:cTn id="2" dur="indefinite" nodeType="mainSeq">
+                <p:childTnLst>
+                  <p:par>
+                    <p:cTn id="3" fill="hold">
+                      <p:stCondLst>
+                        <p:cond delay="indefinite"/>
+                      </p:stCondLst>
+                      <p:childTnLst>
+                        <p:par>
+                          <p:cTn id="4" fill="hold">
+                            <p:stCondLst>
+                              <p:cond delay="0"/>
+                            </p:stCondLst>
+                            <p:childTnLst>
+                              <p:par>
+                                <p:cTn id="5" presetID="1" presetClass="entr" presetSubtype="0" fill="hold" nodeType="clickEffect">
+                                  <p:stCondLst>
+                                    <p:cond delay="0"/>
+                                  </p:stCondLst>
+                                  <p:childTnLst>
+                                    <p:set>
+                                      <p:cBhvr>
+                                        <p:cTn id="6" dur="1" fill="hold">
+                                          <p:stCondLst>
+                                            <p:cond delay="0"/>
+                                          </p:stCondLst>
+                                        </p:cTn>
+                                        <p:tgtEl>
+                                          <p:spTgt spid="2">
+                                            <p:txEl>
+                                              <p:pRg st="4" end="4"/>
+                                            </p:txEl>
+                                          </p:spTgt>
+                                        </p:tgtEl>
+                                        <p:attrNameLst>
+                                          <p:attrName>style.visibility</p:attrName>
+                                        </p:attrNameLst>
+                                      </p:cBhvr>
+                                      <p:to>
+                                        <p:strVal val="visible"/>
+                                      </p:to>
+                                    </p:set>
+                                  </p:childTnLst>
+                                </p:cTn>
+                              </p:par>
+                              <p:par>
+                                <p:cTn id="7" presetID="1" presetClass="entr" presetSubtype="0" fill="hold" grpId="0" nodeType="withEffect">
+                                  <p:stCondLst>
+                                    <p:cond delay="0"/>
+                                  </p:stCondLst>
+                                  <p:childTnLst>
+                                    <p:set>
+                                      <p:cBhvr>
+                                        <p:cTn id="8" dur="1" fill="hold">
+                                          <p:stCondLst>
+                                            <p:cond delay="0"/>
+                                          </p:stCondLst>
+                                        </p:cTn>
+                                        <p:tgtEl>
+                                          <p:spTgt spid="6"/>
+                                        </p:tgtEl>
+                                        <p:attrNameLst>
+                                          <p:attrName>style.visibility</p:attrName>
+                                        </p:attrNameLst>
+                                      </p:cBhvr>
+                                      <p:to>
+                                        <p:strVal val="visible"/>
+                                      </p:to>
+                                    </p:set>
+                                  </p:childTnLst>
+                                </p:cTn>
+                              </p:par>
+                            </p:childTnLst>
+                          </p:cTn>
+                        </p:par>
+                      </p:childTnLst>
+                    </p:cTn>
+                  </p:par>
+                </p:childTnLst>
+              </p:cTn>
+              <p:prevCondLst>
+                <p:cond evt="onPrev" delay="0">
+                  <p:tgtEl>
+                    <p:sldTgt/>
+                  </p:tgtEl>
+                </p:cond>
+              </p:prevCondLst>
+              <p:nextCondLst>
+                <p:cond evt="onNext" delay="0">
+                  <p:tgtEl>
+                    <p:sldTgt/>
+                  </p:tgtEl>
+                </p:cond>
+              </p:nextCondLst>
+            </p:seq>
+          </p:childTnLst>
+        </p:cTn>
+      </p:par>
+    </p:tnLst>
+    <p:bldLst>
+      <p:bldP spid="6" grpId="0" animBg="1"/>
+    </p:bldLst>
+  </p:timing>
+</p:sld>
+</file>
+
+<file path=ppt/slides/slide23.xml><?xml version="1.0" encoding="utf-8"?>
 <p:sld xmlns:a="http://schemas.openxmlformats.org/drawingml/2006/main" xmlns:r="http://schemas.openxmlformats.org/officeDocument/2006/relationships" xmlns:p="http://schemas.openxmlformats.org/presentationml/2006/main">
   <p:cSld>
     <p:spTree>
@@ -16833,59 +18032,226 @@
           </a:bodyPr>
           <a:lstStyle/>
           <a:p>
+            <a:pPr>
+              <a:buClr>
+                <a:schemeClr val="tx1"/>
+              </a:buClr>
+            </a:pPr>
+            <a:r>
+              <a:rPr lang="en-US" b="1" dirty="0" smtClean="0">
+                <a:solidFill>
+                  <a:schemeClr val="bg1"/>
+                </a:solidFill>
+              </a:rPr>
+              <a:t>numeric</a:t>
+            </a:r>
             <a:r>
               <a:rPr lang="en-US" dirty="0" smtClean="0"/>
-              <a:t>Available on </a:t>
-            </a:r>
-            <a:r>
-              <a:rPr lang="en-US" dirty="0" smtClean="0">
+              <a:t> - </a:t>
+            </a:r>
+            <a:r>
+              <a:rPr lang="en-US" dirty="0"/>
+              <a:t>Accepts only </a:t>
+            </a:r>
+            <a:r>
+              <a:rPr lang="en-US" dirty="0" smtClean="0"/>
+              <a:t>numerics</a:t>
+            </a:r>
+          </a:p>
+          <a:p>
+            <a:pPr>
+              <a:buClr>
+                <a:schemeClr val="tx1"/>
+              </a:buClr>
+            </a:pPr>
+            <a:r>
+              <a:rPr lang="en-US" b="1" dirty="0" smtClean="0">
                 <a:solidFill>
                   <a:schemeClr val="bg1"/>
                 </a:solidFill>
               </a:rPr>
-              <a:t>npm</a:t>
-            </a:r>
-          </a:p>
-          <a:p>
-            <a:endParaRPr lang="en-US" dirty="0"/>
-          </a:p>
-          <a:p>
+              <a:t>aplhaNum</a:t>
+            </a:r>
             <a:r>
               <a:rPr lang="en-US" dirty="0" smtClean="0"/>
-              <a:t>Import </a:t>
+              <a:t> - </a:t>
             </a:r>
             <a:r>
               <a:rPr lang="en-US" dirty="0"/>
-              <a:t>the library and use as a </a:t>
-            </a:r>
-            <a:r>
-              <a:rPr lang="en-US" dirty="0">
+              <a:t>Accepts only </a:t>
+            </a:r>
+            <a:r>
+              <a:rPr lang="en-US" dirty="0" smtClean="0"/>
+              <a:t>alphanumerics</a:t>
+            </a:r>
+          </a:p>
+          <a:p>
+            <a:pPr>
+              <a:buClr>
+                <a:schemeClr val="tx1"/>
+              </a:buClr>
+            </a:pPr>
+            <a:r>
+              <a:rPr lang="en-US" b="1" dirty="0">
                 <a:solidFill>
                   <a:schemeClr val="bg1"/>
                 </a:solidFill>
               </a:rPr>
-              <a:t>Vue plugin</a:t>
+              <a:t>i</a:t>
+            </a:r>
+            <a:r>
+              <a:rPr lang="en-US" b="1" dirty="0" smtClean="0">
+                <a:solidFill>
+                  <a:schemeClr val="bg1"/>
+                </a:solidFill>
+              </a:rPr>
+              <a:t>nteger</a:t>
+            </a:r>
+            <a:r>
+              <a:rPr lang="en-US" dirty="0" smtClean="0"/>
+              <a:t> - </a:t>
             </a:r>
             <a:r>
               <a:rPr lang="en-US" dirty="0"/>
-              <a:t> to enable </a:t>
+              <a:t>Accepts positive and negative </a:t>
             </a:r>
             <a:r>
               <a:rPr lang="en-US" dirty="0" smtClean="0"/>
-              <a:t>the</a:t>
-            </a:r>
-            <a:br>
+              <a:t>integers</a:t>
+            </a:r>
+          </a:p>
+          <a:p>
+            <a:pPr>
+              <a:buClr>
+                <a:schemeClr val="tx1"/>
+              </a:buClr>
+            </a:pPr>
+            <a:r>
+              <a:rPr lang="en-US" b="1" dirty="0">
+                <a:solidFill>
+                  <a:schemeClr val="bg1"/>
+                </a:solidFill>
+              </a:rPr>
+              <a:t>d</a:t>
+            </a:r>
+            <a:r>
+              <a:rPr lang="en-US" b="1" dirty="0" smtClean="0">
+                <a:solidFill>
+                  <a:schemeClr val="bg1"/>
+                </a:solidFill>
+              </a:rPr>
+              <a:t>ecimal</a:t>
+            </a:r>
+            <a:r>
               <a:rPr lang="en-US" dirty="0" smtClean="0"/>
-            </a:br>
+              <a:t> -  </a:t>
+            </a:r>
+            <a:r>
+              <a:rPr lang="en-US" dirty="0"/>
+              <a:t>Accepts positive and negative decimal numbers.</a:t>
+            </a:r>
+            <a:endParaRPr lang="en-US" dirty="0" smtClean="0"/>
+          </a:p>
+          <a:p>
+            <a:pPr>
+              <a:buClr>
+                <a:schemeClr val="tx1"/>
+              </a:buClr>
+            </a:pPr>
+            <a:r>
+              <a:rPr lang="en-US" b="1" dirty="0" smtClean="0">
+                <a:solidFill>
+                  <a:schemeClr val="bg1"/>
+                </a:solidFill>
+              </a:rPr>
+              <a:t>sameAs</a:t>
+            </a:r>
             <a:r>
               <a:rPr lang="en-US" dirty="0" smtClean="0"/>
-              <a:t> </a:t>
+              <a:t> - </a:t>
             </a:r>
             <a:r>
               <a:rPr lang="en-US" dirty="0"/>
-              <a:t>functionality globally </a:t>
-            </a:r>
-            <a:endParaRPr lang="en-US" dirty="0"/>
+              <a:t>Checks for equality with a given </a:t>
+            </a:r>
+            <a:r>
+              <a:rPr lang="en-US" dirty="0" smtClean="0"/>
+              <a:t>property</a:t>
+            </a:r>
+          </a:p>
+          <a:p>
+            <a:pPr>
+              <a:buClr>
+                <a:schemeClr val="tx1"/>
+              </a:buClr>
+            </a:pPr>
+            <a:r>
+              <a:rPr lang="en-US" b="1" dirty="0" smtClean="0">
+                <a:solidFill>
+                  <a:schemeClr val="bg1"/>
+                </a:solidFill>
+              </a:rPr>
+              <a:t>maxLength</a:t>
+            </a:r>
+            <a:r>
+              <a:rPr lang="en-US" dirty="0" smtClean="0"/>
+              <a:t> - </a:t>
+            </a:r>
+            <a:r>
+              <a:rPr lang="en-US" dirty="0"/>
+              <a:t>Requires the input </a:t>
+            </a:r>
+            <a:r>
+              <a:rPr lang="en-US" dirty="0" smtClean="0"/>
+              <a:t>to </a:t>
+            </a:r>
+            <a:r>
+              <a:rPr lang="en-US" dirty="0"/>
+              <a:t>have a </a:t>
+            </a:r>
+            <a:r>
+              <a:rPr lang="en-US" dirty="0" smtClean="0"/>
+              <a:t>max </a:t>
+            </a:r>
+            <a:r>
+              <a:rPr lang="en-US" dirty="0"/>
+              <a:t>specified </a:t>
+            </a:r>
+            <a:r>
+              <a:rPr lang="en-US" dirty="0" smtClean="0"/>
+              <a:t>length</a:t>
+            </a:r>
+          </a:p>
+          <a:p>
+            <a:pPr>
+              <a:buClr>
+                <a:schemeClr val="tx1"/>
+              </a:buClr>
+            </a:pPr>
+            <a:r>
+              <a:rPr lang="en-US" b="1" dirty="0" smtClean="0">
+                <a:solidFill>
+                  <a:schemeClr val="bg1"/>
+                </a:solidFill>
+              </a:rPr>
+              <a:t>minLength</a:t>
+            </a:r>
+            <a:r>
+              <a:rPr lang="en-US" dirty="0" smtClean="0"/>
+              <a:t> - </a:t>
+            </a:r>
+            <a:r>
+              <a:rPr lang="en-US" dirty="0"/>
+              <a:t>Requires the input to have a </a:t>
+            </a:r>
+            <a:r>
+              <a:rPr lang="en-US" dirty="0" smtClean="0"/>
+              <a:t>min </a:t>
+            </a:r>
+            <a:r>
+              <a:rPr lang="en-US" dirty="0"/>
+              <a:t>specified length</a:t>
+            </a:r>
           </a:p>
           <a:p>
             <a:endParaRPr lang="en-US" dirty="0" smtClean="0"/>
@@ -16908,10 +18274,9 @@
           <a:lstStyle/>
           <a:p>
             <a:r>
-              <a:rPr lang="en-US" dirty="0" smtClean="0"/>
-              <a:t>Vuelidate Installation</a:t>
-            </a:r>
-            <a:endParaRPr lang="bg-BG" dirty="0"/>
+              <a:rPr lang="en-US" dirty="0"/>
+              <a:t>Builtin validators</a:t>
+            </a:r>
           </a:p>
         </p:txBody>
       </p:sp>
@@ -16933,7 +18298,491 @@
             <a:fld id="{C014DD1E-5D91-48A3-AD6D-45FBA980D106}" type="slidenum">
               <a:rPr lang="en-US" smtClean="0"/>
               <a:pPr/>
-              <a:t>22</a:t>
+              <a:t>23</a:t>
+            </a:fld>
+            <a:endParaRPr lang="en-US" dirty="0"/>
+          </a:p>
+        </p:txBody>
+      </p:sp>
+    </p:spTree>
+    <p:extLst>
+      <p:ext uri="{BB962C8B-B14F-4D97-AF65-F5344CB8AC3E}">
+        <p14:creationId xmlns:p14="http://schemas.microsoft.com/office/powerpoint/2010/main" val="67906536"/>
+      </p:ext>
+    </p:extLst>
+  </p:cSld>
+  <p:clrMapOvr>
+    <a:masterClrMapping/>
+  </p:clrMapOvr>
+  <p:transition/>
+  <p:timing>
+    <p:tnLst>
+      <p:par>
+        <p:cTn id="1" dur="indefinite" restart="never" nodeType="tmRoot">
+          <p:childTnLst>
+            <p:seq concurrent="1" nextAc="seek">
+              <p:cTn id="2" dur="indefinite" nodeType="mainSeq">
+                <p:childTnLst>
+                  <p:par>
+                    <p:cTn id="3" fill="hold">
+                      <p:stCondLst>
+                        <p:cond delay="indefinite"/>
+                      </p:stCondLst>
+                      <p:childTnLst>
+                        <p:par>
+                          <p:cTn id="4" fill="hold">
+                            <p:stCondLst>
+                              <p:cond delay="0"/>
+                            </p:stCondLst>
+                            <p:childTnLst>
+                              <p:par>
+                                <p:cTn id="5" presetID="1" presetClass="entr" presetSubtype="0" fill="hold" grpId="0" nodeType="clickEffect">
+                                  <p:stCondLst>
+                                    <p:cond delay="0"/>
+                                  </p:stCondLst>
+                                  <p:childTnLst>
+                                    <p:set>
+                                      <p:cBhvr>
+                                        <p:cTn id="6" dur="1" fill="hold">
+                                          <p:stCondLst>
+                                            <p:cond delay="0"/>
+                                          </p:stCondLst>
+                                        </p:cTn>
+                                        <p:tgtEl>
+                                          <p:spTgt spid="2">
+                                            <p:txEl>
+                                              <p:pRg st="1" end="1"/>
+                                            </p:txEl>
+                                          </p:spTgt>
+                                        </p:tgtEl>
+                                        <p:attrNameLst>
+                                          <p:attrName>style.visibility</p:attrName>
+                                        </p:attrNameLst>
+                                      </p:cBhvr>
+                                      <p:to>
+                                        <p:strVal val="visible"/>
+                                      </p:to>
+                                    </p:set>
+                                  </p:childTnLst>
+                                </p:cTn>
+                              </p:par>
+                            </p:childTnLst>
+                          </p:cTn>
+                        </p:par>
+                      </p:childTnLst>
+                    </p:cTn>
+                  </p:par>
+                  <p:par>
+                    <p:cTn id="7" fill="hold">
+                      <p:stCondLst>
+                        <p:cond delay="indefinite"/>
+                      </p:stCondLst>
+                      <p:childTnLst>
+                        <p:par>
+                          <p:cTn id="8" fill="hold">
+                            <p:stCondLst>
+                              <p:cond delay="0"/>
+                            </p:stCondLst>
+                            <p:childTnLst>
+                              <p:par>
+                                <p:cTn id="9" presetID="1" presetClass="entr" presetSubtype="0" fill="hold" grpId="0" nodeType="clickEffect">
+                                  <p:stCondLst>
+                                    <p:cond delay="0"/>
+                                  </p:stCondLst>
+                                  <p:childTnLst>
+                                    <p:set>
+                                      <p:cBhvr>
+                                        <p:cTn id="10" dur="1" fill="hold">
+                                          <p:stCondLst>
+                                            <p:cond delay="0"/>
+                                          </p:stCondLst>
+                                        </p:cTn>
+                                        <p:tgtEl>
+                                          <p:spTgt spid="2">
+                                            <p:txEl>
+                                              <p:pRg st="2" end="2"/>
+                                            </p:txEl>
+                                          </p:spTgt>
+                                        </p:tgtEl>
+                                        <p:attrNameLst>
+                                          <p:attrName>style.visibility</p:attrName>
+                                        </p:attrNameLst>
+                                      </p:cBhvr>
+                                      <p:to>
+                                        <p:strVal val="visible"/>
+                                      </p:to>
+                                    </p:set>
+                                  </p:childTnLst>
+                                </p:cTn>
+                              </p:par>
+                            </p:childTnLst>
+                          </p:cTn>
+                        </p:par>
+                      </p:childTnLst>
+                    </p:cTn>
+                  </p:par>
+                  <p:par>
+                    <p:cTn id="11" fill="hold">
+                      <p:stCondLst>
+                        <p:cond delay="indefinite"/>
+                      </p:stCondLst>
+                      <p:childTnLst>
+                        <p:par>
+                          <p:cTn id="12" fill="hold">
+                            <p:stCondLst>
+                              <p:cond delay="0"/>
+                            </p:stCondLst>
+                            <p:childTnLst>
+                              <p:par>
+                                <p:cTn id="13" presetID="1" presetClass="entr" presetSubtype="0" fill="hold" grpId="0" nodeType="clickEffect">
+                                  <p:stCondLst>
+                                    <p:cond delay="0"/>
+                                  </p:stCondLst>
+                                  <p:childTnLst>
+                                    <p:set>
+                                      <p:cBhvr>
+                                        <p:cTn id="14" dur="1" fill="hold">
+                                          <p:stCondLst>
+                                            <p:cond delay="0"/>
+                                          </p:stCondLst>
+                                        </p:cTn>
+                                        <p:tgtEl>
+                                          <p:spTgt spid="2">
+                                            <p:txEl>
+                                              <p:pRg st="3" end="3"/>
+                                            </p:txEl>
+                                          </p:spTgt>
+                                        </p:tgtEl>
+                                        <p:attrNameLst>
+                                          <p:attrName>style.visibility</p:attrName>
+                                        </p:attrNameLst>
+                                      </p:cBhvr>
+                                      <p:to>
+                                        <p:strVal val="visible"/>
+                                      </p:to>
+                                    </p:set>
+                                  </p:childTnLst>
+                                </p:cTn>
+                              </p:par>
+                            </p:childTnLst>
+                          </p:cTn>
+                        </p:par>
+                      </p:childTnLst>
+                    </p:cTn>
+                  </p:par>
+                  <p:par>
+                    <p:cTn id="15" fill="hold">
+                      <p:stCondLst>
+                        <p:cond delay="indefinite"/>
+                      </p:stCondLst>
+                      <p:childTnLst>
+                        <p:par>
+                          <p:cTn id="16" fill="hold">
+                            <p:stCondLst>
+                              <p:cond delay="0"/>
+                            </p:stCondLst>
+                            <p:childTnLst>
+                              <p:par>
+                                <p:cTn id="17" presetID="1" presetClass="entr" presetSubtype="0" fill="hold" grpId="0" nodeType="clickEffect">
+                                  <p:stCondLst>
+                                    <p:cond delay="0"/>
+                                  </p:stCondLst>
+                                  <p:childTnLst>
+                                    <p:set>
+                                      <p:cBhvr>
+                                        <p:cTn id="18" dur="1" fill="hold">
+                                          <p:stCondLst>
+                                            <p:cond delay="0"/>
+                                          </p:stCondLst>
+                                        </p:cTn>
+                                        <p:tgtEl>
+                                          <p:spTgt spid="2">
+                                            <p:txEl>
+                                              <p:pRg st="4" end="4"/>
+                                            </p:txEl>
+                                          </p:spTgt>
+                                        </p:tgtEl>
+                                        <p:attrNameLst>
+                                          <p:attrName>style.visibility</p:attrName>
+                                        </p:attrNameLst>
+                                      </p:cBhvr>
+                                      <p:to>
+                                        <p:strVal val="visible"/>
+                                      </p:to>
+                                    </p:set>
+                                  </p:childTnLst>
+                                </p:cTn>
+                              </p:par>
+                            </p:childTnLst>
+                          </p:cTn>
+                        </p:par>
+                      </p:childTnLst>
+                    </p:cTn>
+                  </p:par>
+                  <p:par>
+                    <p:cTn id="19" fill="hold">
+                      <p:stCondLst>
+                        <p:cond delay="indefinite"/>
+                      </p:stCondLst>
+                      <p:childTnLst>
+                        <p:par>
+                          <p:cTn id="20" fill="hold">
+                            <p:stCondLst>
+                              <p:cond delay="0"/>
+                            </p:stCondLst>
+                            <p:childTnLst>
+                              <p:par>
+                                <p:cTn id="21" presetID="1" presetClass="entr" presetSubtype="0" fill="hold" grpId="0" nodeType="clickEffect">
+                                  <p:stCondLst>
+                                    <p:cond delay="0"/>
+                                  </p:stCondLst>
+                                  <p:childTnLst>
+                                    <p:set>
+                                      <p:cBhvr>
+                                        <p:cTn id="22" dur="1" fill="hold">
+                                          <p:stCondLst>
+                                            <p:cond delay="0"/>
+                                          </p:stCondLst>
+                                        </p:cTn>
+                                        <p:tgtEl>
+                                          <p:spTgt spid="2">
+                                            <p:txEl>
+                                              <p:pRg st="5" end="5"/>
+                                            </p:txEl>
+                                          </p:spTgt>
+                                        </p:tgtEl>
+                                        <p:attrNameLst>
+                                          <p:attrName>style.visibility</p:attrName>
+                                        </p:attrNameLst>
+                                      </p:cBhvr>
+                                      <p:to>
+                                        <p:strVal val="visible"/>
+                                      </p:to>
+                                    </p:set>
+                                  </p:childTnLst>
+                                </p:cTn>
+                              </p:par>
+                            </p:childTnLst>
+                          </p:cTn>
+                        </p:par>
+                      </p:childTnLst>
+                    </p:cTn>
+                  </p:par>
+                  <p:par>
+                    <p:cTn id="23" fill="hold">
+                      <p:stCondLst>
+                        <p:cond delay="indefinite"/>
+                      </p:stCondLst>
+                      <p:childTnLst>
+                        <p:par>
+                          <p:cTn id="24" fill="hold">
+                            <p:stCondLst>
+                              <p:cond delay="0"/>
+                            </p:stCondLst>
+                            <p:childTnLst>
+                              <p:par>
+                                <p:cTn id="25" presetID="1" presetClass="entr" presetSubtype="0" fill="hold" grpId="0" nodeType="clickEffect">
+                                  <p:stCondLst>
+                                    <p:cond delay="0"/>
+                                  </p:stCondLst>
+                                  <p:childTnLst>
+                                    <p:set>
+                                      <p:cBhvr>
+                                        <p:cTn id="26" dur="1" fill="hold">
+                                          <p:stCondLst>
+                                            <p:cond delay="0"/>
+                                          </p:stCondLst>
+                                        </p:cTn>
+                                        <p:tgtEl>
+                                          <p:spTgt spid="2">
+                                            <p:txEl>
+                                              <p:pRg st="6" end="6"/>
+                                            </p:txEl>
+                                          </p:spTgt>
+                                        </p:tgtEl>
+                                        <p:attrNameLst>
+                                          <p:attrName>style.visibility</p:attrName>
+                                        </p:attrNameLst>
+                                      </p:cBhvr>
+                                      <p:to>
+                                        <p:strVal val="visible"/>
+                                      </p:to>
+                                    </p:set>
+                                  </p:childTnLst>
+                                </p:cTn>
+                              </p:par>
+                            </p:childTnLst>
+                          </p:cTn>
+                        </p:par>
+                      </p:childTnLst>
+                    </p:cTn>
+                  </p:par>
+                </p:childTnLst>
+              </p:cTn>
+              <p:prevCondLst>
+                <p:cond evt="onPrev" delay="0">
+                  <p:tgtEl>
+                    <p:sldTgt/>
+                  </p:tgtEl>
+                </p:cond>
+              </p:prevCondLst>
+              <p:nextCondLst>
+                <p:cond evt="onNext" delay="0">
+                  <p:tgtEl>
+                    <p:sldTgt/>
+                  </p:tgtEl>
+                </p:cond>
+              </p:nextCondLst>
+            </p:seq>
+          </p:childTnLst>
+        </p:cTn>
+      </p:par>
+    </p:tnLst>
+    <p:bldLst>
+      <p:bldP spid="2" grpId="0" uiExpand="1" build="p"/>
+    </p:bldLst>
+  </p:timing>
+</p:sld>
+</file>
+
+<file path=ppt/slides/slide24.xml><?xml version="1.0" encoding="utf-8"?>
+<p:sld xmlns:a="http://schemas.openxmlformats.org/drawingml/2006/main" xmlns:r="http://schemas.openxmlformats.org/officeDocument/2006/relationships" xmlns:p="http://schemas.openxmlformats.org/presentationml/2006/main">
+  <p:cSld>
+    <p:spTree>
+      <p:nvGrpSpPr>
+        <p:cNvPr id="1" name=""/>
+        <p:cNvGrpSpPr/>
+        <p:nvPr/>
+      </p:nvGrpSpPr>
+      <p:grpSpPr>
+        <a:xfrm>
+          <a:off x="0" y="0"/>
+          <a:ext cx="0" cy="0"/>
+          <a:chOff x="0" y="0"/>
+          <a:chExt cx="0" cy="0"/>
+        </a:xfrm>
+      </p:grpSpPr>
+      <p:sp>
+        <p:nvSpPr>
+          <p:cNvPr id="2" name="Текстов контейнер 1"/>
+          <p:cNvSpPr>
+            <a:spLocks noGrp="1"/>
+          </p:cNvSpPr>
+          <p:nvPr>
+            <p:ph type="body" sz="quarter" idx="10"/>
+          </p:nvPr>
+        </p:nvSpPr>
+        <p:spPr/>
+        <p:txBody>
+          <a:bodyPr>
+            <a:normAutofit/>
+          </a:bodyPr>
+          <a:lstStyle/>
+          <a:p>
+            <a:r>
+              <a:rPr lang="en-US" dirty="0" smtClean="0"/>
+              <a:t>Available on </a:t>
+            </a:r>
+            <a:r>
+              <a:rPr lang="en-US" b="1" dirty="0" smtClean="0">
+                <a:solidFill>
+                  <a:schemeClr val="bg1"/>
+                </a:solidFill>
+              </a:rPr>
+              <a:t>npm</a:t>
+            </a:r>
+          </a:p>
+          <a:p>
+            <a:endParaRPr lang="en-US" dirty="0"/>
+          </a:p>
+          <a:p>
+            <a:r>
+              <a:rPr lang="en-US" dirty="0" smtClean="0"/>
+              <a:t>Import </a:t>
+            </a:r>
+            <a:r>
+              <a:rPr lang="en-US" dirty="0"/>
+              <a:t>the library and use as a </a:t>
+            </a:r>
+            <a:r>
+              <a:rPr lang="en-US" b="1" dirty="0">
+                <a:solidFill>
+                  <a:schemeClr val="bg1"/>
+                </a:solidFill>
+              </a:rPr>
+              <a:t>Vue plugin</a:t>
+            </a:r>
+            <a:r>
+              <a:rPr lang="en-US" b="1" dirty="0"/>
+              <a:t> </a:t>
+            </a:r>
+            <a:r>
+              <a:rPr lang="en-US" dirty="0"/>
+              <a:t>to enable </a:t>
+            </a:r>
+            <a:r>
+              <a:rPr lang="en-US" dirty="0" smtClean="0"/>
+              <a:t>the</a:t>
+            </a:r>
+            <a:br>
+              <a:rPr lang="en-US" dirty="0" smtClean="0"/>
+            </a:br>
+            <a:r>
+              <a:rPr lang="en-US" dirty="0" smtClean="0"/>
+              <a:t> </a:t>
+            </a:r>
+            <a:r>
+              <a:rPr lang="en-US" dirty="0"/>
+              <a:t>functionality globally </a:t>
+            </a:r>
+          </a:p>
+          <a:p>
+            <a:endParaRPr lang="en-US" dirty="0" smtClean="0"/>
+          </a:p>
+        </p:txBody>
+      </p:sp>
+      <p:sp>
+        <p:nvSpPr>
+          <p:cNvPr id="3" name="Заглавие 2"/>
+          <p:cNvSpPr>
+            <a:spLocks noGrp="1"/>
+          </p:cNvSpPr>
+          <p:nvPr>
+            <p:ph type="title"/>
+          </p:nvPr>
+        </p:nvSpPr>
+        <p:spPr/>
+        <p:txBody>
+          <a:bodyPr/>
+          <a:lstStyle/>
+          <a:p>
+            <a:r>
+              <a:rPr lang="en-US" dirty="0" smtClean="0"/>
+              <a:t>Vuelidate Installation</a:t>
+            </a:r>
+            <a:endParaRPr lang="bg-BG" dirty="0"/>
+          </a:p>
+        </p:txBody>
+      </p:sp>
+      <p:sp>
+        <p:nvSpPr>
+          <p:cNvPr id="4" name="Контейнер за номер на слайда 3"/>
+          <p:cNvSpPr>
+            <a:spLocks noGrp="1"/>
+          </p:cNvSpPr>
+          <p:nvPr>
+            <p:ph type="sldNum" sz="quarter" idx="13"/>
+          </p:nvPr>
+        </p:nvSpPr>
+        <p:spPr/>
+        <p:txBody>
+          <a:bodyPr/>
+          <a:lstStyle/>
+          <a:p>
+            <a:fld id="{C014DD1E-5D91-48A3-AD6D-45FBA980D106}" type="slidenum">
+              <a:rPr lang="en-US" smtClean="0"/>
+              <a:pPr/>
+              <a:t>24</a:t>
             </a:fld>
             <a:endParaRPr lang="en-US" dirty="0"/>
           </a:p>
@@ -17595,7 +19444,7 @@
                             </p:stCondLst>
                             <p:childTnLst>
                               <p:par>
-                                <p:cTn id="11" presetID="1" presetClass="entr" presetSubtype="0" fill="hold" grpId="0" nodeType="clickEffect">
+                                <p:cTn id="11" presetID="1" presetClass="entr" presetSubtype="0" fill="hold" nodeType="clickEffect">
                                   <p:stCondLst>
                                     <p:cond delay="0"/>
                                   </p:stCondLst>
@@ -17603,6 +19452,55 @@
                                     <p:set>
                                       <p:cBhvr>
                                         <p:cTn id="12" dur="1" fill="hold">
+                                          <p:stCondLst>
+                                            <p:cond delay="0"/>
+                                          </p:stCondLst>
+                                        </p:cTn>
+                                        <p:tgtEl>
+                                          <p:spTgt spid="2">
+                                            <p:txEl>
+                                              <p:pRg st="2" end="2"/>
+                                            </p:txEl>
+                                          </p:spTgt>
+                                        </p:tgtEl>
+                                        <p:attrNameLst>
+                                          <p:attrName>style.visibility</p:attrName>
+                                        </p:attrNameLst>
+                                      </p:cBhvr>
+                                      <p:to>
+                                        <p:strVal val="visible"/>
+                                      </p:to>
+                                    </p:set>
+                                  </p:childTnLst>
+                                </p:cTn>
+                              </p:par>
+                            </p:childTnLst>
+                          </p:cTn>
+                        </p:par>
+                      </p:childTnLst>
+                    </p:cTn>
+                  </p:par>
+                  <p:par>
+                    <p:cTn id="13" fill="hold">
+                      <p:stCondLst>
+                        <p:cond delay="indefinite"/>
+                      </p:stCondLst>
+                      <p:childTnLst>
+                        <p:par>
+                          <p:cTn id="14" fill="hold">
+                            <p:stCondLst>
+                              <p:cond delay="0"/>
+                            </p:stCondLst>
+                            <p:childTnLst>
+                              <p:par>
+                                <p:cTn id="15" presetID="1" presetClass="entr" presetSubtype="0" fill="hold" grpId="0" nodeType="clickEffect">
+                                  <p:stCondLst>
+                                    <p:cond delay="0"/>
+                                  </p:stCondLst>
+                                  <p:childTnLst>
+                                    <p:set>
+                                      <p:cBhvr>
+                                        <p:cTn id="16" dur="1" fill="hold">
                                           <p:stCondLst>
                                             <p:cond delay="0"/>
                                           </p:stCondLst>
@@ -17624,14 +19522,14 @@
                                 </p:cTn>
                               </p:par>
                               <p:par>
-                                <p:cTn id="13" presetID="1" presetClass="entr" presetSubtype="0" fill="hold" grpId="0" nodeType="withEffect">
+                                <p:cTn id="17" presetID="1" presetClass="entr" presetSubtype="0" fill="hold" grpId="0" nodeType="withEffect">
                                   <p:stCondLst>
                                     <p:cond delay="0"/>
                                   </p:stCondLst>
                                   <p:childTnLst>
                                     <p:set>
                                       <p:cBhvr>
-                                        <p:cTn id="14" dur="1" fill="hold">
+                                        <p:cTn id="18" dur="1" fill="hold">
                                           <p:stCondLst>
                                             <p:cond delay="0"/>
                                           </p:stCondLst>
@@ -17655,14 +19553,14 @@
                                 </p:cTn>
                               </p:par>
                               <p:par>
-                                <p:cTn id="15" presetID="1" presetClass="entr" presetSubtype="0" fill="hold" grpId="0" nodeType="withEffect">
+                                <p:cTn id="19" presetID="1" presetClass="entr" presetSubtype="0" fill="hold" grpId="0" nodeType="withEffect">
                                   <p:stCondLst>
                                     <p:cond delay="0"/>
                                   </p:stCondLst>
                                   <p:childTnLst>
                                     <p:set>
                                       <p:cBhvr>
-                                        <p:cTn id="16" dur="1" fill="hold">
+                                        <p:cTn id="20" dur="1" fill="hold">
                                           <p:stCondLst>
                                             <p:cond delay="0"/>
                                           </p:stCondLst>
@@ -17686,14 +19584,14 @@
                                 </p:cTn>
                               </p:par>
                               <p:par>
-                                <p:cTn id="17" presetID="1" presetClass="entr" presetSubtype="0" fill="hold" grpId="0" nodeType="withEffect">
+                                <p:cTn id="21" presetID="1" presetClass="entr" presetSubtype="0" fill="hold" grpId="0" nodeType="withEffect">
                                   <p:stCondLst>
                                     <p:cond delay="0"/>
                                   </p:stCondLst>
                                   <p:childTnLst>
                                     <p:set>
                                       <p:cBhvr>
-                                        <p:cTn id="18" dur="1" fill="hold">
+                                        <p:cTn id="22" dur="1" fill="hold">
                                           <p:stCondLst>
                                             <p:cond delay="0"/>
                                           </p:stCondLst>
@@ -17746,1590 +19644,6 @@
     <p:bldLst>
       <p:bldP spid="5" grpId="0" uiExpand="1" build="p" animBg="1"/>
       <p:bldP spid="8" grpId="0" uiExpand="1" build="p" animBg="1"/>
-    </p:bldLst>
-  </p:timing>
-</p:sld>
-</file>
-
-<file path=ppt/slides/slide23.xml><?xml version="1.0" encoding="utf-8"?>
-<p:sld xmlns:a="http://schemas.openxmlformats.org/drawingml/2006/main" xmlns:r="http://schemas.openxmlformats.org/officeDocument/2006/relationships" xmlns:p="http://schemas.openxmlformats.org/presentationml/2006/main">
-  <p:cSld>
-    <p:spTree>
-      <p:nvGrpSpPr>
-        <p:cNvPr id="1" name=""/>
-        <p:cNvGrpSpPr/>
-        <p:nvPr/>
-      </p:nvGrpSpPr>
-      <p:grpSpPr>
-        <a:xfrm>
-          <a:off x="0" y="0"/>
-          <a:ext cx="0" cy="0"/>
-          <a:chOff x="0" y="0"/>
-          <a:chExt cx="0" cy="0"/>
-        </a:xfrm>
-      </p:grpSpPr>
-      <p:sp>
-        <p:nvSpPr>
-          <p:cNvPr id="2" name="Текстов контейнер 1"/>
-          <p:cNvSpPr>
-            <a:spLocks noGrp="1"/>
-          </p:cNvSpPr>
-          <p:nvPr>
-            <p:ph type="body" sz="quarter" idx="10"/>
-          </p:nvPr>
-        </p:nvSpPr>
-        <p:spPr/>
-        <p:txBody>
-          <a:bodyPr>
-            <a:normAutofit/>
-          </a:bodyPr>
-          <a:lstStyle/>
-          <a:p>
-            <a:r>
-              <a:rPr lang="en-US" dirty="0"/>
-              <a:t>For each value you want to validate, you have to create a key inside validations </a:t>
-            </a:r>
-            <a:r>
-              <a:rPr lang="en-US" dirty="0" smtClean="0"/>
-              <a:t>options</a:t>
-            </a:r>
-          </a:p>
-          <a:p>
-            <a:endParaRPr lang="en-US" dirty="0"/>
-          </a:p>
-          <a:p>
-            <a:endParaRPr lang="en-US" dirty="0" smtClean="0"/>
-          </a:p>
-        </p:txBody>
-      </p:sp>
-      <p:sp>
-        <p:nvSpPr>
-          <p:cNvPr id="3" name="Заглавие 2"/>
-          <p:cNvSpPr>
-            <a:spLocks noGrp="1"/>
-          </p:cNvSpPr>
-          <p:nvPr>
-            <p:ph type="title"/>
-          </p:nvPr>
-        </p:nvSpPr>
-        <p:spPr/>
-        <p:txBody>
-          <a:bodyPr/>
-          <a:lstStyle/>
-          <a:p>
-            <a:r>
-              <a:rPr lang="en-US" dirty="0" smtClean="0"/>
-              <a:t>Vuelidate Base Example</a:t>
-            </a:r>
-            <a:endParaRPr lang="bg-BG" dirty="0"/>
-          </a:p>
-        </p:txBody>
-      </p:sp>
-      <p:sp>
-        <p:nvSpPr>
-          <p:cNvPr id="4" name="Контейнер за номер на слайда 3"/>
-          <p:cNvSpPr>
-            <a:spLocks noGrp="1"/>
-          </p:cNvSpPr>
-          <p:nvPr>
-            <p:ph type="sldNum" sz="quarter" idx="13"/>
-          </p:nvPr>
-        </p:nvSpPr>
-        <p:spPr/>
-        <p:txBody>
-          <a:bodyPr/>
-          <a:lstStyle/>
-          <a:p>
-            <a:fld id="{C014DD1E-5D91-48A3-AD6D-45FBA980D106}" type="slidenum">
-              <a:rPr lang="en-US" smtClean="0"/>
-              <a:pPr/>
-              <a:t>23</a:t>
-            </a:fld>
-            <a:endParaRPr lang="en-US" dirty="0"/>
-          </a:p>
-        </p:txBody>
-      </p:sp>
-      <p:sp>
-        <p:nvSpPr>
-          <p:cNvPr id="5" name="Text Placeholder 2">
-            <a:extLst>
-              <a:ext uri="{FF2B5EF4-FFF2-40B4-BE49-F238E27FC236}">
-                <a16:creationId xmlns:a16="http://schemas.microsoft.com/office/drawing/2014/main" id="{5176E72F-FA2C-4D3A-9F3B-B88D91C71827}"/>
-              </a:ext>
-            </a:extLst>
-          </p:cNvPr>
-          <p:cNvSpPr txBox="1">
-            <a:spLocks/>
-          </p:cNvSpPr>
-          <p:nvPr/>
-        </p:nvSpPr>
-        <p:spPr>
-          <a:xfrm>
-            <a:off x="514400" y="2514600"/>
-            <a:ext cx="11049000" cy="3203542"/>
-          </a:xfrm>
-          <a:prstGeom prst="rect">
-            <a:avLst/>
-          </a:prstGeom>
-          <a:solidFill>
-            <a:schemeClr val="accent6">
-              <a:lumMod val="75000"/>
-              <a:alpha val="15000"/>
-            </a:schemeClr>
-          </a:solidFill>
-          <a:ln w="12700">
-            <a:solidFill>
-              <a:schemeClr val="tx1">
-                <a:lumMod val="50000"/>
-              </a:schemeClr>
-            </a:solidFill>
-          </a:ln>
-        </p:spPr>
-        <p:txBody>
-          <a:bodyPr vert="horz" wrap="square" lIns="144000" tIns="108000" rIns="144000" bIns="108000" rtlCol="0">
-            <a:spAutoFit/>
-          </a:bodyPr>
-          <a:lstStyle>
-            <a:lvl1pPr marL="0" indent="0" algn="l" defTabSz="1218438" rtl="0" eaLnBrk="1" latinLnBrk="1" hangingPunct="1">
-              <a:lnSpc>
-                <a:spcPct val="100000"/>
-              </a:lnSpc>
-              <a:spcBef>
-                <a:spcPts val="600"/>
-              </a:spcBef>
-              <a:spcAft>
-                <a:spcPts val="600"/>
-              </a:spcAft>
-              <a:buFont typeface="Wingdings" panose="05000000000000000000" pitchFamily="2" charset="2"/>
-              <a:buNone/>
-              <a:defRPr lang="en-US" sz="2398" b="1" kern="1200" noProof="1" smtClean="0">
-                <a:solidFill>
-                  <a:schemeClr val="tx1">
-                    <a:lumMod val="75000"/>
-                  </a:schemeClr>
-                </a:solidFill>
-                <a:effectLst/>
-                <a:latin typeface="Consolas" pitchFamily="49" charset="0"/>
-                <a:ea typeface="+mn-ea"/>
-                <a:cs typeface="Consolas" pitchFamily="49" charset="0"/>
-              </a:defRPr>
-            </a:lvl1pPr>
-            <a:lvl2pPr marL="989981" indent="-380762" algn="l" defTabSz="1218438" rtl="0" eaLnBrk="1" latinLnBrk="1" hangingPunct="1">
-              <a:lnSpc>
-                <a:spcPct val="105000"/>
-              </a:lnSpc>
-              <a:spcBef>
-                <a:spcPts val="600"/>
-              </a:spcBef>
-              <a:spcAft>
-                <a:spcPts val="600"/>
-              </a:spcAft>
-              <a:buFont typeface="Wingdings" panose="05000000000000000000" pitchFamily="2" charset="2"/>
-              <a:buChar char="§"/>
-              <a:defRPr sz="3198" kern="1200">
-                <a:solidFill>
-                  <a:schemeClr val="tx1"/>
-                </a:solidFill>
-                <a:latin typeface="+mn-lt"/>
-                <a:ea typeface="+mn-ea"/>
-                <a:cs typeface="+mn-cs"/>
-              </a:defRPr>
-            </a:lvl2pPr>
-            <a:lvl3pPr marL="1523048" indent="-304610" algn="l" defTabSz="1218438" rtl="0" eaLnBrk="1" latinLnBrk="1" hangingPunct="1">
-              <a:lnSpc>
-                <a:spcPct val="105000"/>
-              </a:lnSpc>
-              <a:spcBef>
-                <a:spcPts val="600"/>
-              </a:spcBef>
-              <a:spcAft>
-                <a:spcPts val="600"/>
-              </a:spcAft>
-              <a:buFont typeface="Wingdings" panose="05000000000000000000" pitchFamily="2" charset="2"/>
-              <a:buChar char="§"/>
-              <a:defRPr sz="2998" kern="1200">
-                <a:solidFill>
-                  <a:schemeClr val="tx1"/>
-                </a:solidFill>
-                <a:latin typeface="+mn-lt"/>
-                <a:ea typeface="+mn-ea"/>
-                <a:cs typeface="+mn-cs"/>
-              </a:defRPr>
-            </a:lvl3pPr>
-            <a:lvl4pPr marL="2132267" indent="-304610" algn="l" defTabSz="1218438" rtl="0" eaLnBrk="1" latinLnBrk="1" hangingPunct="1">
-              <a:lnSpc>
-                <a:spcPct val="105000"/>
-              </a:lnSpc>
-              <a:spcBef>
-                <a:spcPts val="600"/>
-              </a:spcBef>
-              <a:spcAft>
-                <a:spcPts val="600"/>
-              </a:spcAft>
-              <a:buFont typeface="Wingdings" panose="05000000000000000000" pitchFamily="2" charset="2"/>
-              <a:buChar char="§"/>
-              <a:defRPr sz="2798" kern="1200">
-                <a:solidFill>
-                  <a:schemeClr val="tx1"/>
-                </a:solidFill>
-                <a:latin typeface="+mn-lt"/>
-                <a:ea typeface="+mn-ea"/>
-                <a:cs typeface="+mn-cs"/>
-              </a:defRPr>
-            </a:lvl4pPr>
-            <a:lvl5pPr marL="2741485" indent="-304610" algn="l" defTabSz="1218438" rtl="0" eaLnBrk="1" latinLnBrk="1" hangingPunct="1">
-              <a:lnSpc>
-                <a:spcPct val="105000"/>
-              </a:lnSpc>
-              <a:spcBef>
-                <a:spcPts val="600"/>
-              </a:spcBef>
-              <a:spcAft>
-                <a:spcPts val="600"/>
-              </a:spcAft>
-              <a:buFont typeface="Wingdings" panose="05000000000000000000" pitchFamily="2" charset="2"/>
-              <a:buChar char="§"/>
-              <a:defRPr sz="2598" kern="1200">
-                <a:solidFill>
-                  <a:schemeClr val="tx1"/>
-                </a:solidFill>
-                <a:latin typeface="+mn-lt"/>
-                <a:ea typeface="+mn-ea"/>
-                <a:cs typeface="+mn-cs"/>
-              </a:defRPr>
-            </a:lvl5pPr>
-            <a:lvl6pPr marL="3350704" indent="-304610" algn="l" defTabSz="1218438" rtl="0" eaLnBrk="1" latinLnBrk="1" hangingPunct="1">
-              <a:spcBef>
-                <a:spcPct val="20000"/>
-              </a:spcBef>
-              <a:buFont typeface="Arial" pitchFamily="34" charset="0"/>
-              <a:buChar char="•"/>
-              <a:defRPr sz="2665" kern="1200">
-                <a:solidFill>
-                  <a:schemeClr val="tx1"/>
-                </a:solidFill>
-                <a:latin typeface="+mn-lt"/>
-                <a:ea typeface="+mn-ea"/>
-                <a:cs typeface="+mn-cs"/>
-              </a:defRPr>
-            </a:lvl6pPr>
-            <a:lvl7pPr marL="3959924" indent="-304610" algn="l" defTabSz="1218438" rtl="0" eaLnBrk="1" latinLnBrk="1" hangingPunct="1">
-              <a:spcBef>
-                <a:spcPct val="20000"/>
-              </a:spcBef>
-              <a:buFont typeface="Arial" pitchFamily="34" charset="0"/>
-              <a:buChar char="•"/>
-              <a:defRPr sz="2665" kern="1200">
-                <a:solidFill>
-                  <a:schemeClr val="tx1"/>
-                </a:solidFill>
-                <a:latin typeface="+mn-lt"/>
-                <a:ea typeface="+mn-ea"/>
-                <a:cs typeface="+mn-cs"/>
-              </a:defRPr>
-            </a:lvl7pPr>
-            <a:lvl8pPr marL="4569143" indent="-304610" algn="l" defTabSz="1218438" rtl="0" eaLnBrk="1" latinLnBrk="1" hangingPunct="1">
-              <a:spcBef>
-                <a:spcPct val="20000"/>
-              </a:spcBef>
-              <a:buFont typeface="Arial" pitchFamily="34" charset="0"/>
-              <a:buChar char="•"/>
-              <a:defRPr sz="2665" kern="1200">
-                <a:solidFill>
-                  <a:schemeClr val="tx1"/>
-                </a:solidFill>
-                <a:latin typeface="+mn-lt"/>
-                <a:ea typeface="+mn-ea"/>
-                <a:cs typeface="+mn-cs"/>
-              </a:defRPr>
-            </a:lvl8pPr>
-            <a:lvl9pPr marL="5178362" indent="-304610" algn="l" defTabSz="1218438" rtl="0" eaLnBrk="1" latinLnBrk="1" hangingPunct="1">
-              <a:spcBef>
-                <a:spcPct val="20000"/>
-              </a:spcBef>
-              <a:buFont typeface="Arial" pitchFamily="34" charset="0"/>
-              <a:buChar char="•"/>
-              <a:defRPr sz="2665" kern="1200">
-                <a:solidFill>
-                  <a:schemeClr val="tx1"/>
-                </a:solidFill>
-                <a:latin typeface="+mn-lt"/>
-                <a:ea typeface="+mn-ea"/>
-                <a:cs typeface="+mn-cs"/>
-              </a:defRPr>
-            </a:lvl9pPr>
-          </a:lstStyle>
-          <a:p>
-            <a:r>
-              <a:rPr lang="en-US" sz="2400" dirty="0">
-                <a:solidFill>
-                  <a:schemeClr val="tx2"/>
-                </a:solidFill>
-              </a:rPr>
-              <a:t>import { required, </a:t>
-            </a:r>
-            <a:r>
-              <a:rPr lang="en-US" sz="2400" dirty="0" smtClean="0">
-                <a:solidFill>
-                  <a:schemeClr val="tx2"/>
-                </a:solidFill>
-              </a:rPr>
-              <a:t>minLength } </a:t>
-            </a:r>
-            <a:r>
-              <a:rPr lang="en-US" sz="2400" dirty="0">
-                <a:solidFill>
-                  <a:schemeClr val="tx2"/>
-                </a:solidFill>
-              </a:rPr>
-              <a:t>from 'vuelidate/lib/validators'</a:t>
-            </a:r>
-          </a:p>
-          <a:p>
-            <a:r>
-              <a:rPr lang="en-US" sz="2400" dirty="0">
-                <a:solidFill>
-                  <a:schemeClr val="tx2"/>
-                </a:solidFill>
-              </a:rPr>
-              <a:t>validations: {</a:t>
-            </a:r>
-          </a:p>
-          <a:p>
-            <a:r>
-              <a:rPr lang="en-US" sz="2400" dirty="0">
-                <a:solidFill>
-                  <a:schemeClr val="tx2"/>
-                </a:solidFill>
-              </a:rPr>
-              <a:t>    name: {</a:t>
-            </a:r>
-          </a:p>
-          <a:p>
-            <a:r>
-              <a:rPr lang="en-US" sz="2400" dirty="0">
-                <a:solidFill>
-                  <a:schemeClr val="tx2"/>
-                </a:solidFill>
-              </a:rPr>
-              <a:t>      </a:t>
-            </a:r>
-            <a:r>
-              <a:rPr lang="en-US" sz="2400" dirty="0" smtClean="0">
-                <a:solidFill>
-                  <a:schemeClr val="tx2"/>
-                </a:solidFill>
-              </a:rPr>
-              <a:t>required,</a:t>
-            </a:r>
-          </a:p>
-          <a:p>
-            <a:r>
-              <a:rPr lang="en-US" sz="2400" dirty="0">
-                <a:solidFill>
-                  <a:schemeClr val="tx2"/>
-                </a:solidFill>
-              </a:rPr>
-              <a:t>      minLength: minLength(4)</a:t>
-            </a:r>
-            <a:endParaRPr lang="en-US" sz="2400" dirty="0" smtClean="0">
-              <a:solidFill>
-                <a:schemeClr val="tx2"/>
-              </a:solidFill>
-            </a:endParaRPr>
-          </a:p>
-          <a:p>
-            <a:r>
-              <a:rPr lang="en-US" sz="2400" dirty="0" smtClean="0">
-                <a:solidFill>
-                  <a:schemeClr val="tx2"/>
-                </a:solidFill>
-              </a:rPr>
-              <a:t> }</a:t>
-            </a:r>
-          </a:p>
-        </p:txBody>
-      </p:sp>
-    </p:spTree>
-    <p:extLst>
-      <p:ext uri="{BB962C8B-B14F-4D97-AF65-F5344CB8AC3E}">
-        <p14:creationId xmlns:p14="http://schemas.microsoft.com/office/powerpoint/2010/main" val="767296611"/>
-      </p:ext>
-    </p:extLst>
-  </p:cSld>
-  <p:clrMapOvr>
-    <a:masterClrMapping/>
-  </p:clrMapOvr>
-  <p:transition/>
-  <p:timing>
-    <p:tnLst>
-      <p:par>
-        <p:cTn id="1" dur="indefinite" restart="never" nodeType="tmRoot">
-          <p:childTnLst>
-            <p:seq concurrent="1" nextAc="seek">
-              <p:cTn id="2" dur="indefinite" nodeType="mainSeq">
-                <p:childTnLst>
-                  <p:par>
-                    <p:cTn id="3" fill="hold">
-                      <p:stCondLst>
-                        <p:cond delay="indefinite"/>
-                      </p:stCondLst>
-                      <p:childTnLst>
-                        <p:par>
-                          <p:cTn id="4" fill="hold">
-                            <p:stCondLst>
-                              <p:cond delay="0"/>
-                            </p:stCondLst>
-                            <p:childTnLst>
-                              <p:par>
-                                <p:cTn id="5" presetID="1" presetClass="entr" presetSubtype="0" fill="hold" grpId="0" nodeType="clickEffect">
-                                  <p:stCondLst>
-                                    <p:cond delay="0"/>
-                                  </p:stCondLst>
-                                  <p:childTnLst>
-                                    <p:set>
-                                      <p:cBhvr>
-                                        <p:cTn id="6" dur="1" fill="hold">
-                                          <p:stCondLst>
-                                            <p:cond delay="0"/>
-                                          </p:stCondLst>
-                                        </p:cTn>
-                                        <p:tgtEl>
-                                          <p:spTgt spid="5">
-                                            <p:bg/>
-                                          </p:spTgt>
-                                        </p:tgtEl>
-                                        <p:attrNameLst>
-                                          <p:attrName>style.visibility</p:attrName>
-                                        </p:attrNameLst>
-                                      </p:cBhvr>
-                                      <p:to>
-                                        <p:strVal val="visible"/>
-                                      </p:to>
-                                    </p:set>
-                                  </p:childTnLst>
-                                </p:cTn>
-                              </p:par>
-                              <p:par>
-                                <p:cTn id="7" presetID="1" presetClass="entr" presetSubtype="0" fill="hold" grpId="0" nodeType="withEffect">
-                                  <p:stCondLst>
-                                    <p:cond delay="0"/>
-                                  </p:stCondLst>
-                                  <p:childTnLst>
-                                    <p:set>
-                                      <p:cBhvr>
-                                        <p:cTn id="8" dur="1" fill="hold">
-                                          <p:stCondLst>
-                                            <p:cond delay="0"/>
-                                          </p:stCondLst>
-                                        </p:cTn>
-                                        <p:tgtEl>
-                                          <p:spTgt spid="5">
-                                            <p:txEl>
-                                              <p:pRg st="0" end="0"/>
-                                            </p:txEl>
-                                          </p:spTgt>
-                                        </p:tgtEl>
-                                        <p:attrNameLst>
-                                          <p:attrName>style.visibility</p:attrName>
-                                        </p:attrNameLst>
-                                      </p:cBhvr>
-                                      <p:to>
-                                        <p:strVal val="visible"/>
-                                      </p:to>
-                                    </p:set>
-                                  </p:childTnLst>
-                                </p:cTn>
-                              </p:par>
-                            </p:childTnLst>
-                          </p:cTn>
-                        </p:par>
-                      </p:childTnLst>
-                    </p:cTn>
-                  </p:par>
-                  <p:par>
-                    <p:cTn id="9" fill="hold">
-                      <p:stCondLst>
-                        <p:cond delay="indefinite"/>
-                      </p:stCondLst>
-                      <p:childTnLst>
-                        <p:par>
-                          <p:cTn id="10" fill="hold">
-                            <p:stCondLst>
-                              <p:cond delay="0"/>
-                            </p:stCondLst>
-                            <p:childTnLst>
-                              <p:par>
-                                <p:cTn id="11" presetID="1" presetClass="entr" presetSubtype="0" fill="hold" grpId="0" nodeType="clickEffect">
-                                  <p:stCondLst>
-                                    <p:cond delay="0"/>
-                                  </p:stCondLst>
-                                  <p:childTnLst>
-                                    <p:set>
-                                      <p:cBhvr>
-                                        <p:cTn id="12" dur="1" fill="hold">
-                                          <p:stCondLst>
-                                            <p:cond delay="0"/>
-                                          </p:stCondLst>
-                                        </p:cTn>
-                                        <p:tgtEl>
-                                          <p:spTgt spid="5">
-                                            <p:txEl>
-                                              <p:pRg st="1" end="1"/>
-                                            </p:txEl>
-                                          </p:spTgt>
-                                        </p:tgtEl>
-                                        <p:attrNameLst>
-                                          <p:attrName>style.visibility</p:attrName>
-                                        </p:attrNameLst>
-                                      </p:cBhvr>
-                                      <p:to>
-                                        <p:strVal val="visible"/>
-                                      </p:to>
-                                    </p:set>
-                                  </p:childTnLst>
-                                </p:cTn>
-                              </p:par>
-                            </p:childTnLst>
-                          </p:cTn>
-                        </p:par>
-                      </p:childTnLst>
-                    </p:cTn>
-                  </p:par>
-                  <p:par>
-                    <p:cTn id="13" fill="hold">
-                      <p:stCondLst>
-                        <p:cond delay="indefinite"/>
-                      </p:stCondLst>
-                      <p:childTnLst>
-                        <p:par>
-                          <p:cTn id="14" fill="hold">
-                            <p:stCondLst>
-                              <p:cond delay="0"/>
-                            </p:stCondLst>
-                            <p:childTnLst>
-                              <p:par>
-                                <p:cTn id="15" presetID="1" presetClass="entr" presetSubtype="0" fill="hold" grpId="0" nodeType="clickEffect">
-                                  <p:stCondLst>
-                                    <p:cond delay="0"/>
-                                  </p:stCondLst>
-                                  <p:childTnLst>
-                                    <p:set>
-                                      <p:cBhvr>
-                                        <p:cTn id="16" dur="1" fill="hold">
-                                          <p:stCondLst>
-                                            <p:cond delay="0"/>
-                                          </p:stCondLst>
-                                        </p:cTn>
-                                        <p:tgtEl>
-                                          <p:spTgt spid="5">
-                                            <p:txEl>
-                                              <p:pRg st="2" end="2"/>
-                                            </p:txEl>
-                                          </p:spTgt>
-                                        </p:tgtEl>
-                                        <p:attrNameLst>
-                                          <p:attrName>style.visibility</p:attrName>
-                                        </p:attrNameLst>
-                                      </p:cBhvr>
-                                      <p:to>
-                                        <p:strVal val="visible"/>
-                                      </p:to>
-                                    </p:set>
-                                  </p:childTnLst>
-                                </p:cTn>
-                              </p:par>
-                            </p:childTnLst>
-                          </p:cTn>
-                        </p:par>
-                      </p:childTnLst>
-                    </p:cTn>
-                  </p:par>
-                  <p:par>
-                    <p:cTn id="17" fill="hold">
-                      <p:stCondLst>
-                        <p:cond delay="indefinite"/>
-                      </p:stCondLst>
-                      <p:childTnLst>
-                        <p:par>
-                          <p:cTn id="18" fill="hold">
-                            <p:stCondLst>
-                              <p:cond delay="0"/>
-                            </p:stCondLst>
-                            <p:childTnLst>
-                              <p:par>
-                                <p:cTn id="19" presetID="1" presetClass="entr" presetSubtype="0" fill="hold" grpId="0" nodeType="clickEffect">
-                                  <p:stCondLst>
-                                    <p:cond delay="0"/>
-                                  </p:stCondLst>
-                                  <p:childTnLst>
-                                    <p:set>
-                                      <p:cBhvr>
-                                        <p:cTn id="20" dur="1" fill="hold">
-                                          <p:stCondLst>
-                                            <p:cond delay="0"/>
-                                          </p:stCondLst>
-                                        </p:cTn>
-                                        <p:tgtEl>
-                                          <p:spTgt spid="5">
-                                            <p:txEl>
-                                              <p:pRg st="3" end="3"/>
-                                            </p:txEl>
-                                          </p:spTgt>
-                                        </p:tgtEl>
-                                        <p:attrNameLst>
-                                          <p:attrName>style.visibility</p:attrName>
-                                        </p:attrNameLst>
-                                      </p:cBhvr>
-                                      <p:to>
-                                        <p:strVal val="visible"/>
-                                      </p:to>
-                                    </p:set>
-                                  </p:childTnLst>
-                                </p:cTn>
-                              </p:par>
-                            </p:childTnLst>
-                          </p:cTn>
-                        </p:par>
-                      </p:childTnLst>
-                    </p:cTn>
-                  </p:par>
-                  <p:par>
-                    <p:cTn id="21" fill="hold">
-                      <p:stCondLst>
-                        <p:cond delay="indefinite"/>
-                      </p:stCondLst>
-                      <p:childTnLst>
-                        <p:par>
-                          <p:cTn id="22" fill="hold">
-                            <p:stCondLst>
-                              <p:cond delay="0"/>
-                            </p:stCondLst>
-                            <p:childTnLst>
-                              <p:par>
-                                <p:cTn id="23" presetID="1" presetClass="entr" presetSubtype="0" fill="hold" grpId="0" nodeType="clickEffect">
-                                  <p:stCondLst>
-                                    <p:cond delay="0"/>
-                                  </p:stCondLst>
-                                  <p:childTnLst>
-                                    <p:set>
-                                      <p:cBhvr>
-                                        <p:cTn id="24" dur="1" fill="hold">
-                                          <p:stCondLst>
-                                            <p:cond delay="0"/>
-                                          </p:stCondLst>
-                                        </p:cTn>
-                                        <p:tgtEl>
-                                          <p:spTgt spid="5">
-                                            <p:txEl>
-                                              <p:pRg st="4" end="4"/>
-                                            </p:txEl>
-                                          </p:spTgt>
-                                        </p:tgtEl>
-                                        <p:attrNameLst>
-                                          <p:attrName>style.visibility</p:attrName>
-                                        </p:attrNameLst>
-                                      </p:cBhvr>
-                                      <p:to>
-                                        <p:strVal val="visible"/>
-                                      </p:to>
-                                    </p:set>
-                                  </p:childTnLst>
-                                </p:cTn>
-                              </p:par>
-                            </p:childTnLst>
-                          </p:cTn>
-                        </p:par>
-                      </p:childTnLst>
-                    </p:cTn>
-                  </p:par>
-                  <p:par>
-                    <p:cTn id="25" fill="hold">
-                      <p:stCondLst>
-                        <p:cond delay="indefinite"/>
-                      </p:stCondLst>
-                      <p:childTnLst>
-                        <p:par>
-                          <p:cTn id="26" fill="hold">
-                            <p:stCondLst>
-                              <p:cond delay="0"/>
-                            </p:stCondLst>
-                            <p:childTnLst>
-                              <p:par>
-                                <p:cTn id="27" presetID="1" presetClass="entr" presetSubtype="0" fill="hold" grpId="0" nodeType="clickEffect">
-                                  <p:stCondLst>
-                                    <p:cond delay="0"/>
-                                  </p:stCondLst>
-                                  <p:childTnLst>
-                                    <p:set>
-                                      <p:cBhvr>
-                                        <p:cTn id="28" dur="1" fill="hold">
-                                          <p:stCondLst>
-                                            <p:cond delay="0"/>
-                                          </p:stCondLst>
-                                        </p:cTn>
-                                        <p:tgtEl>
-                                          <p:spTgt spid="5">
-                                            <p:txEl>
-                                              <p:pRg st="5" end="5"/>
-                                            </p:txEl>
-                                          </p:spTgt>
-                                        </p:tgtEl>
-                                        <p:attrNameLst>
-                                          <p:attrName>style.visibility</p:attrName>
-                                        </p:attrNameLst>
-                                      </p:cBhvr>
-                                      <p:to>
-                                        <p:strVal val="visible"/>
-                                      </p:to>
-                                    </p:set>
-                                  </p:childTnLst>
-                                </p:cTn>
-                              </p:par>
-                            </p:childTnLst>
-                          </p:cTn>
-                        </p:par>
-                      </p:childTnLst>
-                    </p:cTn>
-                  </p:par>
-                </p:childTnLst>
-              </p:cTn>
-              <p:prevCondLst>
-                <p:cond evt="onPrev" delay="0">
-                  <p:tgtEl>
-                    <p:sldTgt/>
-                  </p:tgtEl>
-                </p:cond>
-              </p:prevCondLst>
-              <p:nextCondLst>
-                <p:cond evt="onNext" delay="0">
-                  <p:tgtEl>
-                    <p:sldTgt/>
-                  </p:tgtEl>
-                </p:cond>
-              </p:nextCondLst>
-            </p:seq>
-          </p:childTnLst>
-        </p:cTn>
-      </p:par>
-    </p:tnLst>
-    <p:bldLst>
-      <p:bldP spid="5" grpId="0" uiExpand="1" build="p" animBg="1"/>
-    </p:bldLst>
-  </p:timing>
-</p:sld>
-</file>
-
-<file path=ppt/slides/slide24.xml><?xml version="1.0" encoding="utf-8"?>
-<p:sld xmlns:a="http://schemas.openxmlformats.org/drawingml/2006/main" xmlns:r="http://schemas.openxmlformats.org/officeDocument/2006/relationships" xmlns:p="http://schemas.openxmlformats.org/presentationml/2006/main">
-  <p:cSld>
-    <p:spTree>
-      <p:nvGrpSpPr>
-        <p:cNvPr id="1" name=""/>
-        <p:cNvGrpSpPr/>
-        <p:nvPr/>
-      </p:nvGrpSpPr>
-      <p:grpSpPr>
-        <a:xfrm>
-          <a:off x="0" y="0"/>
-          <a:ext cx="0" cy="0"/>
-          <a:chOff x="0" y="0"/>
-          <a:chExt cx="0" cy="0"/>
-        </a:xfrm>
-      </p:grpSpPr>
-      <p:sp>
-        <p:nvSpPr>
-          <p:cNvPr id="2" name="Текстов контейнер 1"/>
-          <p:cNvSpPr>
-            <a:spLocks noGrp="1"/>
-          </p:cNvSpPr>
-          <p:nvPr>
-            <p:ph type="body" sz="quarter" idx="10"/>
-          </p:nvPr>
-        </p:nvSpPr>
-        <p:spPr/>
-        <p:txBody>
-          <a:bodyPr>
-            <a:normAutofit/>
-          </a:bodyPr>
-          <a:lstStyle/>
-          <a:p>
-            <a:r>
-              <a:rPr lang="en-US" dirty="0" smtClean="0"/>
-              <a:t>All we have to do now is check if the form is valid </a:t>
-            </a:r>
-          </a:p>
-          <a:p>
-            <a:endParaRPr lang="en-US" dirty="0"/>
-          </a:p>
-          <a:p>
-            <a:endParaRPr lang="en-US" dirty="0" smtClean="0"/>
-          </a:p>
-        </p:txBody>
-      </p:sp>
-      <p:sp>
-        <p:nvSpPr>
-          <p:cNvPr id="3" name="Заглавие 2"/>
-          <p:cNvSpPr>
-            <a:spLocks noGrp="1"/>
-          </p:cNvSpPr>
-          <p:nvPr>
-            <p:ph type="title"/>
-          </p:nvPr>
-        </p:nvSpPr>
-        <p:spPr/>
-        <p:txBody>
-          <a:bodyPr/>
-          <a:lstStyle/>
-          <a:p>
-            <a:r>
-              <a:rPr lang="en-US" dirty="0" smtClean="0"/>
-              <a:t>Vuelidate Base Example</a:t>
-            </a:r>
-            <a:endParaRPr lang="bg-BG" dirty="0"/>
-          </a:p>
-        </p:txBody>
-      </p:sp>
-      <p:sp>
-        <p:nvSpPr>
-          <p:cNvPr id="4" name="Контейнер за номер на слайда 3"/>
-          <p:cNvSpPr>
-            <a:spLocks noGrp="1"/>
-          </p:cNvSpPr>
-          <p:nvPr>
-            <p:ph type="sldNum" sz="quarter" idx="13"/>
-          </p:nvPr>
-        </p:nvSpPr>
-        <p:spPr/>
-        <p:txBody>
-          <a:bodyPr/>
-          <a:lstStyle/>
-          <a:p>
-            <a:fld id="{C014DD1E-5D91-48A3-AD6D-45FBA980D106}" type="slidenum">
-              <a:rPr lang="en-US" smtClean="0"/>
-              <a:pPr/>
-              <a:t>24</a:t>
-            </a:fld>
-            <a:endParaRPr lang="en-US" dirty="0"/>
-          </a:p>
-        </p:txBody>
-      </p:sp>
-      <p:sp>
-        <p:nvSpPr>
-          <p:cNvPr id="5" name="Text Placeholder 2">
-            <a:extLst>
-              <a:ext uri="{FF2B5EF4-FFF2-40B4-BE49-F238E27FC236}">
-                <a16:creationId xmlns:a16="http://schemas.microsoft.com/office/drawing/2014/main" id="{5176E72F-FA2C-4D3A-9F3B-B88D91C71827}"/>
-              </a:ext>
-            </a:extLst>
-          </p:cNvPr>
-          <p:cNvSpPr txBox="1">
-            <a:spLocks/>
-          </p:cNvSpPr>
-          <p:nvPr/>
-        </p:nvSpPr>
-        <p:spPr>
-          <a:xfrm>
-            <a:off x="514400" y="1905000"/>
-            <a:ext cx="11049000" cy="3726762"/>
-          </a:xfrm>
-          <a:prstGeom prst="rect">
-            <a:avLst/>
-          </a:prstGeom>
-          <a:solidFill>
-            <a:schemeClr val="accent6">
-              <a:lumMod val="75000"/>
-              <a:alpha val="15000"/>
-            </a:schemeClr>
-          </a:solidFill>
-          <a:ln w="12700">
-            <a:solidFill>
-              <a:schemeClr val="tx1">
-                <a:lumMod val="50000"/>
-              </a:schemeClr>
-            </a:solidFill>
-          </a:ln>
-        </p:spPr>
-        <p:txBody>
-          <a:bodyPr vert="horz" wrap="square" lIns="144000" tIns="108000" rIns="144000" bIns="108000" rtlCol="0">
-            <a:spAutoFit/>
-          </a:bodyPr>
-          <a:lstStyle>
-            <a:lvl1pPr marL="0" indent="0" algn="l" defTabSz="1218438" rtl="0" eaLnBrk="1" latinLnBrk="1" hangingPunct="1">
-              <a:lnSpc>
-                <a:spcPct val="100000"/>
-              </a:lnSpc>
-              <a:spcBef>
-                <a:spcPts val="600"/>
-              </a:spcBef>
-              <a:spcAft>
-                <a:spcPts val="600"/>
-              </a:spcAft>
-              <a:buFont typeface="Wingdings" panose="05000000000000000000" pitchFamily="2" charset="2"/>
-              <a:buNone/>
-              <a:defRPr lang="en-US" sz="2398" b="1" kern="1200" noProof="1" smtClean="0">
-                <a:solidFill>
-                  <a:schemeClr val="tx1">
-                    <a:lumMod val="75000"/>
-                  </a:schemeClr>
-                </a:solidFill>
-                <a:effectLst/>
-                <a:latin typeface="Consolas" pitchFamily="49" charset="0"/>
-                <a:ea typeface="+mn-ea"/>
-                <a:cs typeface="Consolas" pitchFamily="49" charset="0"/>
-              </a:defRPr>
-            </a:lvl1pPr>
-            <a:lvl2pPr marL="989981" indent="-380762" algn="l" defTabSz="1218438" rtl="0" eaLnBrk="1" latinLnBrk="1" hangingPunct="1">
-              <a:lnSpc>
-                <a:spcPct val="105000"/>
-              </a:lnSpc>
-              <a:spcBef>
-                <a:spcPts val="600"/>
-              </a:spcBef>
-              <a:spcAft>
-                <a:spcPts val="600"/>
-              </a:spcAft>
-              <a:buFont typeface="Wingdings" panose="05000000000000000000" pitchFamily="2" charset="2"/>
-              <a:buChar char="§"/>
-              <a:defRPr sz="3198" kern="1200">
-                <a:solidFill>
-                  <a:schemeClr val="tx1"/>
-                </a:solidFill>
-                <a:latin typeface="+mn-lt"/>
-                <a:ea typeface="+mn-ea"/>
-                <a:cs typeface="+mn-cs"/>
-              </a:defRPr>
-            </a:lvl2pPr>
-            <a:lvl3pPr marL="1523048" indent="-304610" algn="l" defTabSz="1218438" rtl="0" eaLnBrk="1" latinLnBrk="1" hangingPunct="1">
-              <a:lnSpc>
-                <a:spcPct val="105000"/>
-              </a:lnSpc>
-              <a:spcBef>
-                <a:spcPts val="600"/>
-              </a:spcBef>
-              <a:spcAft>
-                <a:spcPts val="600"/>
-              </a:spcAft>
-              <a:buFont typeface="Wingdings" panose="05000000000000000000" pitchFamily="2" charset="2"/>
-              <a:buChar char="§"/>
-              <a:defRPr sz="2998" kern="1200">
-                <a:solidFill>
-                  <a:schemeClr val="tx1"/>
-                </a:solidFill>
-                <a:latin typeface="+mn-lt"/>
-                <a:ea typeface="+mn-ea"/>
-                <a:cs typeface="+mn-cs"/>
-              </a:defRPr>
-            </a:lvl3pPr>
-            <a:lvl4pPr marL="2132267" indent="-304610" algn="l" defTabSz="1218438" rtl="0" eaLnBrk="1" latinLnBrk="1" hangingPunct="1">
-              <a:lnSpc>
-                <a:spcPct val="105000"/>
-              </a:lnSpc>
-              <a:spcBef>
-                <a:spcPts val="600"/>
-              </a:spcBef>
-              <a:spcAft>
-                <a:spcPts val="600"/>
-              </a:spcAft>
-              <a:buFont typeface="Wingdings" panose="05000000000000000000" pitchFamily="2" charset="2"/>
-              <a:buChar char="§"/>
-              <a:defRPr sz="2798" kern="1200">
-                <a:solidFill>
-                  <a:schemeClr val="tx1"/>
-                </a:solidFill>
-                <a:latin typeface="+mn-lt"/>
-                <a:ea typeface="+mn-ea"/>
-                <a:cs typeface="+mn-cs"/>
-              </a:defRPr>
-            </a:lvl4pPr>
-            <a:lvl5pPr marL="2741485" indent="-304610" algn="l" defTabSz="1218438" rtl="0" eaLnBrk="1" latinLnBrk="1" hangingPunct="1">
-              <a:lnSpc>
-                <a:spcPct val="105000"/>
-              </a:lnSpc>
-              <a:spcBef>
-                <a:spcPts val="600"/>
-              </a:spcBef>
-              <a:spcAft>
-                <a:spcPts val="600"/>
-              </a:spcAft>
-              <a:buFont typeface="Wingdings" panose="05000000000000000000" pitchFamily="2" charset="2"/>
-              <a:buChar char="§"/>
-              <a:defRPr sz="2598" kern="1200">
-                <a:solidFill>
-                  <a:schemeClr val="tx1"/>
-                </a:solidFill>
-                <a:latin typeface="+mn-lt"/>
-                <a:ea typeface="+mn-ea"/>
-                <a:cs typeface="+mn-cs"/>
-              </a:defRPr>
-            </a:lvl5pPr>
-            <a:lvl6pPr marL="3350704" indent="-304610" algn="l" defTabSz="1218438" rtl="0" eaLnBrk="1" latinLnBrk="1" hangingPunct="1">
-              <a:spcBef>
-                <a:spcPct val="20000"/>
-              </a:spcBef>
-              <a:buFont typeface="Arial" pitchFamily="34" charset="0"/>
-              <a:buChar char="•"/>
-              <a:defRPr sz="2665" kern="1200">
-                <a:solidFill>
-                  <a:schemeClr val="tx1"/>
-                </a:solidFill>
-                <a:latin typeface="+mn-lt"/>
-                <a:ea typeface="+mn-ea"/>
-                <a:cs typeface="+mn-cs"/>
-              </a:defRPr>
-            </a:lvl6pPr>
-            <a:lvl7pPr marL="3959924" indent="-304610" algn="l" defTabSz="1218438" rtl="0" eaLnBrk="1" latinLnBrk="1" hangingPunct="1">
-              <a:spcBef>
-                <a:spcPct val="20000"/>
-              </a:spcBef>
-              <a:buFont typeface="Arial" pitchFamily="34" charset="0"/>
-              <a:buChar char="•"/>
-              <a:defRPr sz="2665" kern="1200">
-                <a:solidFill>
-                  <a:schemeClr val="tx1"/>
-                </a:solidFill>
-                <a:latin typeface="+mn-lt"/>
-                <a:ea typeface="+mn-ea"/>
-                <a:cs typeface="+mn-cs"/>
-              </a:defRPr>
-            </a:lvl7pPr>
-            <a:lvl8pPr marL="4569143" indent="-304610" algn="l" defTabSz="1218438" rtl="0" eaLnBrk="1" latinLnBrk="1" hangingPunct="1">
-              <a:spcBef>
-                <a:spcPct val="20000"/>
-              </a:spcBef>
-              <a:buFont typeface="Arial" pitchFamily="34" charset="0"/>
-              <a:buChar char="•"/>
-              <a:defRPr sz="2665" kern="1200">
-                <a:solidFill>
-                  <a:schemeClr val="tx1"/>
-                </a:solidFill>
-                <a:latin typeface="+mn-lt"/>
-                <a:ea typeface="+mn-ea"/>
-                <a:cs typeface="+mn-cs"/>
-              </a:defRPr>
-            </a:lvl8pPr>
-            <a:lvl9pPr marL="5178362" indent="-304610" algn="l" defTabSz="1218438" rtl="0" eaLnBrk="1" latinLnBrk="1" hangingPunct="1">
-              <a:spcBef>
-                <a:spcPct val="20000"/>
-              </a:spcBef>
-              <a:buFont typeface="Arial" pitchFamily="34" charset="0"/>
-              <a:buChar char="•"/>
-              <a:defRPr sz="2665" kern="1200">
-                <a:solidFill>
-                  <a:schemeClr val="tx1"/>
-                </a:solidFill>
-                <a:latin typeface="+mn-lt"/>
-                <a:ea typeface="+mn-ea"/>
-                <a:cs typeface="+mn-cs"/>
-              </a:defRPr>
-            </a:lvl9pPr>
-          </a:lstStyle>
-          <a:p>
-            <a:r>
-              <a:rPr lang="en-US" sz="2400" dirty="0" smtClean="0">
-                <a:solidFill>
-                  <a:schemeClr val="bg1"/>
-                </a:solidFill>
-              </a:rPr>
-              <a:t>submitForm()</a:t>
-            </a:r>
-            <a:r>
-              <a:rPr lang="en-US" sz="2400" dirty="0" smtClean="0">
-                <a:solidFill>
-                  <a:schemeClr val="tx2"/>
-                </a:solidFill>
-              </a:rPr>
-              <a:t>{</a:t>
-            </a:r>
-          </a:p>
-          <a:p>
-            <a:r>
-              <a:rPr lang="en-US" sz="2400" dirty="0" smtClean="0">
-                <a:solidFill>
-                  <a:schemeClr val="tx2"/>
-                </a:solidFill>
-              </a:rPr>
-              <a:t>if </a:t>
-            </a:r>
-            <a:r>
-              <a:rPr lang="en-US" sz="2400" dirty="0">
-                <a:solidFill>
-                  <a:schemeClr val="tx2"/>
-                </a:solidFill>
-              </a:rPr>
-              <a:t>(</a:t>
-            </a:r>
-            <a:r>
-              <a:rPr lang="en-US" sz="2400" dirty="0">
-                <a:solidFill>
-                  <a:schemeClr val="bg1"/>
-                </a:solidFill>
-              </a:rPr>
-              <a:t>!this.$</a:t>
-            </a:r>
-            <a:r>
-              <a:rPr lang="en-US" sz="2400" dirty="0" smtClean="0">
-                <a:solidFill>
-                  <a:schemeClr val="bg1"/>
-                </a:solidFill>
-              </a:rPr>
-              <a:t>v.$</a:t>
-            </a:r>
-            <a:r>
-              <a:rPr lang="en-US" sz="2400" dirty="0">
-                <a:solidFill>
-                  <a:schemeClr val="bg1"/>
-                </a:solidFill>
-              </a:rPr>
-              <a:t>invalid</a:t>
-            </a:r>
-            <a:r>
-              <a:rPr lang="en-US" sz="2400" dirty="0">
-                <a:solidFill>
-                  <a:schemeClr val="tx2"/>
-                </a:solidFill>
-              </a:rPr>
-              <a:t>) {</a:t>
-            </a:r>
-          </a:p>
-          <a:p>
-            <a:r>
-              <a:rPr lang="en-US" sz="2400" dirty="0">
-                <a:solidFill>
-                  <a:schemeClr val="tx2"/>
-                </a:solidFill>
-              </a:rPr>
-              <a:t>        console.log('📝 Form Submitted</a:t>
-            </a:r>
-            <a:r>
-              <a:rPr lang="en-US" sz="2400" dirty="0" smtClean="0">
-                <a:solidFill>
-                  <a:schemeClr val="tx2"/>
-                </a:solidFill>
-              </a:rPr>
-              <a:t>')</a:t>
-            </a:r>
-            <a:endParaRPr lang="en-US" sz="2400" dirty="0">
-              <a:solidFill>
-                <a:schemeClr val="tx2"/>
-              </a:solidFill>
-            </a:endParaRPr>
-          </a:p>
-          <a:p>
-            <a:r>
-              <a:rPr lang="en-US" sz="2400" dirty="0">
-                <a:solidFill>
-                  <a:schemeClr val="tx2"/>
-                </a:solidFill>
-              </a:rPr>
-              <a:t>      } else {</a:t>
-            </a:r>
-          </a:p>
-          <a:p>
-            <a:r>
-              <a:rPr lang="en-US" sz="2400" dirty="0">
-                <a:solidFill>
-                  <a:schemeClr val="tx2"/>
-                </a:solidFill>
-              </a:rPr>
-              <a:t>        console.log('❌ Invalid form</a:t>
-            </a:r>
-            <a:r>
-              <a:rPr lang="en-US" sz="2400" dirty="0" smtClean="0">
-                <a:solidFill>
-                  <a:schemeClr val="tx2"/>
-                </a:solidFill>
-              </a:rPr>
-              <a:t>')</a:t>
-            </a:r>
-          </a:p>
-          <a:p>
-            <a:r>
-              <a:rPr lang="en-US" sz="2400" dirty="0" smtClean="0">
-                <a:solidFill>
-                  <a:schemeClr val="tx2"/>
-                </a:solidFill>
-              </a:rPr>
-              <a:t>	}</a:t>
-            </a:r>
-          </a:p>
-          <a:p>
-            <a:r>
-              <a:rPr lang="en-US" sz="2400" dirty="0">
-                <a:solidFill>
-                  <a:schemeClr val="tx2"/>
-                </a:solidFill>
-              </a:rPr>
-              <a:t>}</a:t>
-            </a:r>
-            <a:endParaRPr lang="en-US" sz="2400" dirty="0" smtClean="0">
-              <a:solidFill>
-                <a:schemeClr val="tx2"/>
-              </a:solidFill>
-            </a:endParaRPr>
-          </a:p>
-        </p:txBody>
-      </p:sp>
-    </p:spTree>
-    <p:extLst>
-      <p:ext uri="{BB962C8B-B14F-4D97-AF65-F5344CB8AC3E}">
-        <p14:creationId xmlns:p14="http://schemas.microsoft.com/office/powerpoint/2010/main" val="1133968907"/>
-      </p:ext>
-    </p:extLst>
-  </p:cSld>
-  <p:clrMapOvr>
-    <a:masterClrMapping/>
-  </p:clrMapOvr>
-  <p:transition/>
-  <p:timing>
-    <p:tnLst>
-      <p:par>
-        <p:cTn id="1" dur="indefinite" restart="never" nodeType="tmRoot">
-          <p:childTnLst>
-            <p:seq concurrent="1" nextAc="seek">
-              <p:cTn id="2" dur="indefinite" nodeType="mainSeq">
-                <p:childTnLst>
-                  <p:par>
-                    <p:cTn id="3" fill="hold">
-                      <p:stCondLst>
-                        <p:cond delay="indefinite"/>
-                      </p:stCondLst>
-                      <p:childTnLst>
-                        <p:par>
-                          <p:cTn id="4" fill="hold">
-                            <p:stCondLst>
-                              <p:cond delay="0"/>
-                            </p:stCondLst>
-                            <p:childTnLst>
-                              <p:par>
-                                <p:cTn id="5" presetID="1" presetClass="entr" presetSubtype="0" fill="hold" grpId="0" nodeType="clickEffect">
-                                  <p:stCondLst>
-                                    <p:cond delay="0"/>
-                                  </p:stCondLst>
-                                  <p:childTnLst>
-                                    <p:set>
-                                      <p:cBhvr>
-                                        <p:cTn id="6" dur="1" fill="hold">
-                                          <p:stCondLst>
-                                            <p:cond delay="0"/>
-                                          </p:stCondLst>
-                                        </p:cTn>
-                                        <p:tgtEl>
-                                          <p:spTgt spid="5">
-                                            <p:bg/>
-                                          </p:spTgt>
-                                        </p:tgtEl>
-                                        <p:attrNameLst>
-                                          <p:attrName>style.visibility</p:attrName>
-                                        </p:attrNameLst>
-                                      </p:cBhvr>
-                                      <p:to>
-                                        <p:strVal val="visible"/>
-                                      </p:to>
-                                    </p:set>
-                                  </p:childTnLst>
-                                </p:cTn>
-                              </p:par>
-                              <p:par>
-                                <p:cTn id="7" presetID="1" presetClass="entr" presetSubtype="0" fill="hold" grpId="0" nodeType="withEffect">
-                                  <p:stCondLst>
-                                    <p:cond delay="0"/>
-                                  </p:stCondLst>
-                                  <p:childTnLst>
-                                    <p:set>
-                                      <p:cBhvr>
-                                        <p:cTn id="8" dur="1" fill="hold">
-                                          <p:stCondLst>
-                                            <p:cond delay="0"/>
-                                          </p:stCondLst>
-                                        </p:cTn>
-                                        <p:tgtEl>
-                                          <p:spTgt spid="5">
-                                            <p:txEl>
-                                              <p:pRg st="0" end="0"/>
-                                            </p:txEl>
-                                          </p:spTgt>
-                                        </p:tgtEl>
-                                        <p:attrNameLst>
-                                          <p:attrName>style.visibility</p:attrName>
-                                        </p:attrNameLst>
-                                      </p:cBhvr>
-                                      <p:to>
-                                        <p:strVal val="visible"/>
-                                      </p:to>
-                                    </p:set>
-                                  </p:childTnLst>
-                                </p:cTn>
-                              </p:par>
-                            </p:childTnLst>
-                          </p:cTn>
-                        </p:par>
-                      </p:childTnLst>
-                    </p:cTn>
-                  </p:par>
-                  <p:par>
-                    <p:cTn id="9" fill="hold">
-                      <p:stCondLst>
-                        <p:cond delay="indefinite"/>
-                      </p:stCondLst>
-                      <p:childTnLst>
-                        <p:par>
-                          <p:cTn id="10" fill="hold">
-                            <p:stCondLst>
-                              <p:cond delay="0"/>
-                            </p:stCondLst>
-                            <p:childTnLst>
-                              <p:par>
-                                <p:cTn id="11" presetID="1" presetClass="entr" presetSubtype="0" fill="hold" grpId="0" nodeType="clickEffect">
-                                  <p:stCondLst>
-                                    <p:cond delay="0"/>
-                                  </p:stCondLst>
-                                  <p:childTnLst>
-                                    <p:set>
-                                      <p:cBhvr>
-                                        <p:cTn id="12" dur="1" fill="hold">
-                                          <p:stCondLst>
-                                            <p:cond delay="0"/>
-                                          </p:stCondLst>
-                                        </p:cTn>
-                                        <p:tgtEl>
-                                          <p:spTgt spid="5">
-                                            <p:txEl>
-                                              <p:pRg st="1" end="1"/>
-                                            </p:txEl>
-                                          </p:spTgt>
-                                        </p:tgtEl>
-                                        <p:attrNameLst>
-                                          <p:attrName>style.visibility</p:attrName>
-                                        </p:attrNameLst>
-                                      </p:cBhvr>
-                                      <p:to>
-                                        <p:strVal val="visible"/>
-                                      </p:to>
-                                    </p:set>
-                                  </p:childTnLst>
-                                </p:cTn>
-                              </p:par>
-                              <p:par>
-                                <p:cTn id="13" presetID="1" presetClass="entr" presetSubtype="0" fill="hold" grpId="0" nodeType="withEffect">
-                                  <p:stCondLst>
-                                    <p:cond delay="0"/>
-                                  </p:stCondLst>
-                                  <p:childTnLst>
-                                    <p:set>
-                                      <p:cBhvr>
-                                        <p:cTn id="14" dur="1" fill="hold">
-                                          <p:stCondLst>
-                                            <p:cond delay="0"/>
-                                          </p:stCondLst>
-                                        </p:cTn>
-                                        <p:tgtEl>
-                                          <p:spTgt spid="5">
-                                            <p:txEl>
-                                              <p:pRg st="2" end="2"/>
-                                            </p:txEl>
-                                          </p:spTgt>
-                                        </p:tgtEl>
-                                        <p:attrNameLst>
-                                          <p:attrName>style.visibility</p:attrName>
-                                        </p:attrNameLst>
-                                      </p:cBhvr>
-                                      <p:to>
-                                        <p:strVal val="visible"/>
-                                      </p:to>
-                                    </p:set>
-                                  </p:childTnLst>
-                                </p:cTn>
-                              </p:par>
-                              <p:par>
-                                <p:cTn id="15" presetID="1" presetClass="entr" presetSubtype="0" fill="hold" grpId="0" nodeType="withEffect">
-                                  <p:stCondLst>
-                                    <p:cond delay="0"/>
-                                  </p:stCondLst>
-                                  <p:childTnLst>
-                                    <p:set>
-                                      <p:cBhvr>
-                                        <p:cTn id="16" dur="1" fill="hold">
-                                          <p:stCondLst>
-                                            <p:cond delay="0"/>
-                                          </p:stCondLst>
-                                        </p:cTn>
-                                        <p:tgtEl>
-                                          <p:spTgt spid="5">
-                                            <p:txEl>
-                                              <p:pRg st="3" end="3"/>
-                                            </p:txEl>
-                                          </p:spTgt>
-                                        </p:tgtEl>
-                                        <p:attrNameLst>
-                                          <p:attrName>style.visibility</p:attrName>
-                                        </p:attrNameLst>
-                                      </p:cBhvr>
-                                      <p:to>
-                                        <p:strVal val="visible"/>
-                                      </p:to>
-                                    </p:set>
-                                  </p:childTnLst>
-                                </p:cTn>
-                              </p:par>
-                              <p:par>
-                                <p:cTn id="17" presetID="1" presetClass="entr" presetSubtype="0" fill="hold" grpId="0" nodeType="withEffect">
-                                  <p:stCondLst>
-                                    <p:cond delay="0"/>
-                                  </p:stCondLst>
-                                  <p:childTnLst>
-                                    <p:set>
-                                      <p:cBhvr>
-                                        <p:cTn id="18" dur="1" fill="hold">
-                                          <p:stCondLst>
-                                            <p:cond delay="0"/>
-                                          </p:stCondLst>
-                                        </p:cTn>
-                                        <p:tgtEl>
-                                          <p:spTgt spid="5">
-                                            <p:txEl>
-                                              <p:pRg st="4" end="4"/>
-                                            </p:txEl>
-                                          </p:spTgt>
-                                        </p:tgtEl>
-                                        <p:attrNameLst>
-                                          <p:attrName>style.visibility</p:attrName>
-                                        </p:attrNameLst>
-                                      </p:cBhvr>
-                                      <p:to>
-                                        <p:strVal val="visible"/>
-                                      </p:to>
-                                    </p:set>
-                                  </p:childTnLst>
-                                </p:cTn>
-                              </p:par>
-                            </p:childTnLst>
-                          </p:cTn>
-                        </p:par>
-                      </p:childTnLst>
-                    </p:cTn>
-                  </p:par>
-                  <p:par>
-                    <p:cTn id="19" fill="hold">
-                      <p:stCondLst>
-                        <p:cond delay="indefinite"/>
-                      </p:stCondLst>
-                      <p:childTnLst>
-                        <p:par>
-                          <p:cTn id="20" fill="hold">
-                            <p:stCondLst>
-                              <p:cond delay="0"/>
-                            </p:stCondLst>
-                            <p:childTnLst>
-                              <p:par>
-                                <p:cTn id="21" presetID="1" presetClass="entr" presetSubtype="0" fill="hold" grpId="0" nodeType="clickEffect">
-                                  <p:stCondLst>
-                                    <p:cond delay="0"/>
-                                  </p:stCondLst>
-                                  <p:childTnLst>
-                                    <p:set>
-                                      <p:cBhvr>
-                                        <p:cTn id="22" dur="1" fill="hold">
-                                          <p:stCondLst>
-                                            <p:cond delay="0"/>
-                                          </p:stCondLst>
-                                        </p:cTn>
-                                        <p:tgtEl>
-                                          <p:spTgt spid="5">
-                                            <p:txEl>
-                                              <p:pRg st="5" end="5"/>
-                                            </p:txEl>
-                                          </p:spTgt>
-                                        </p:tgtEl>
-                                        <p:attrNameLst>
-                                          <p:attrName>style.visibility</p:attrName>
-                                        </p:attrNameLst>
-                                      </p:cBhvr>
-                                      <p:to>
-                                        <p:strVal val="visible"/>
-                                      </p:to>
-                                    </p:set>
-                                  </p:childTnLst>
-                                </p:cTn>
-                              </p:par>
-                            </p:childTnLst>
-                          </p:cTn>
-                        </p:par>
-                      </p:childTnLst>
-                    </p:cTn>
-                  </p:par>
-                  <p:par>
-                    <p:cTn id="23" fill="hold">
-                      <p:stCondLst>
-                        <p:cond delay="indefinite"/>
-                      </p:stCondLst>
-                      <p:childTnLst>
-                        <p:par>
-                          <p:cTn id="24" fill="hold">
-                            <p:stCondLst>
-                              <p:cond delay="0"/>
-                            </p:stCondLst>
-                            <p:childTnLst>
-                              <p:par>
-                                <p:cTn id="25" presetID="1" presetClass="entr" presetSubtype="0" fill="hold" grpId="0" nodeType="clickEffect">
-                                  <p:stCondLst>
-                                    <p:cond delay="0"/>
-                                  </p:stCondLst>
-                                  <p:childTnLst>
-                                    <p:set>
-                                      <p:cBhvr>
-                                        <p:cTn id="26" dur="1" fill="hold">
-                                          <p:stCondLst>
-                                            <p:cond delay="0"/>
-                                          </p:stCondLst>
-                                        </p:cTn>
-                                        <p:tgtEl>
-                                          <p:spTgt spid="5">
-                                            <p:txEl>
-                                              <p:pRg st="6" end="6"/>
-                                            </p:txEl>
-                                          </p:spTgt>
-                                        </p:tgtEl>
-                                        <p:attrNameLst>
-                                          <p:attrName>style.visibility</p:attrName>
-                                        </p:attrNameLst>
-                                      </p:cBhvr>
-                                      <p:to>
-                                        <p:strVal val="visible"/>
-                                      </p:to>
-                                    </p:set>
-                                  </p:childTnLst>
-                                </p:cTn>
-                              </p:par>
-                            </p:childTnLst>
-                          </p:cTn>
-                        </p:par>
-                      </p:childTnLst>
-                    </p:cTn>
-                  </p:par>
-                </p:childTnLst>
-              </p:cTn>
-              <p:prevCondLst>
-                <p:cond evt="onPrev" delay="0">
-                  <p:tgtEl>
-                    <p:sldTgt/>
-                  </p:tgtEl>
-                </p:cond>
-              </p:prevCondLst>
-              <p:nextCondLst>
-                <p:cond evt="onNext" delay="0">
-                  <p:tgtEl>
-                    <p:sldTgt/>
-                  </p:tgtEl>
-                </p:cond>
-              </p:nextCondLst>
-            </p:seq>
-          </p:childTnLst>
-        </p:cTn>
-      </p:par>
-    </p:tnLst>
-    <p:bldLst>
-      <p:bldP spid="5" grpId="0" uiExpand="1" build="p" animBg="1"/>
     </p:bldLst>
   </p:timing>
 </p:sld>
@@ -19740,7 +20054,7 @@
         <p:spPr>
           <a:xfrm>
             <a:off x="971662" y="1989306"/>
-            <a:ext cx="6858000" cy="3726762"/>
+            <a:ext cx="6858000" cy="3025032"/>
           </a:xfrm>
           <a:prstGeom prst="rect">
             <a:avLst/>
@@ -19765,6 +20079,35 @@
           </a:bodyPr>
           <a:lstStyle/>
           <a:p>
+            <a:pPr marL="342900" indent="-342900" algn="l" eaLnBrk="0" hangingPunct="0">
+              <a:lnSpc>
+                <a:spcPct val="110000"/>
+              </a:lnSpc>
+              <a:buClr>
+                <a:schemeClr val="accent5">
+                  <a:lumMod val="40000"/>
+                  <a:lumOff val="60000"/>
+                </a:schemeClr>
+              </a:buClr>
+              <a:buSzPct val="70000"/>
+              <a:buFont typeface="Wingdings" panose="05000000000000000000" pitchFamily="2" charset="2"/>
+              <a:buChar char="ü"/>
+            </a:pPr>
+            <a:r>
+              <a:rPr lang="en-US" sz="2400" dirty="0" smtClean="0">
+                <a:solidFill>
+                  <a:schemeClr val="bg2"/>
+                </a:solidFill>
+              </a:rPr>
+              <a:t>Data validation is a must client and server side</a:t>
+            </a:r>
+            <a:endParaRPr lang="en-US" sz="2400" dirty="0" smtClean="0">
+              <a:solidFill>
+                <a:schemeClr val="bg2"/>
+              </a:solidFill>
+            </a:endParaRPr>
+          </a:p>
+          <a:p>
             <a:pPr marL="342900" indent="-342900" eaLnBrk="0" hangingPunct="0">
               <a:lnSpc>
                 <a:spcPct val="110000"/>
@@ -19780,29 +20123,29 @@
               <a:buChar char="ü"/>
             </a:pPr>
             <a:r>
-              <a:rPr lang="en-US" sz="2400" dirty="0">
+              <a:rPr lang="en-US" sz="2400" dirty="0" smtClean="0">
                 <a:solidFill>
                   <a:schemeClr val="bg2"/>
                 </a:solidFill>
               </a:rPr>
-              <a:t>Directive is some special token in the markup that tells the </a:t>
-            </a:r>
-            <a:r>
-              <a:rPr lang="en-US" sz="2400" dirty="0" smtClean="0">
-                <a:solidFill>
-                  <a:schemeClr val="bg2"/>
-                </a:solidFill>
-              </a:rPr>
-              <a:t>library </a:t>
-            </a:r>
-            <a:r>
-              <a:rPr lang="en-US" sz="2400" dirty="0">
-                <a:solidFill>
-                  <a:schemeClr val="bg2"/>
-                </a:solidFill>
-              </a:rPr>
-              <a:t>to do something to a DOM</a:t>
-            </a:r>
+              <a:t>Client side validation gives better user experience and better feedback, but lack of security</a:t>
+            </a:r>
+            <a:endParaRPr lang="en-US" sz="2400" dirty="0">
+              <a:solidFill>
+                <a:schemeClr val="bg2"/>
+              </a:solidFill>
+            </a:endParaRPr>
+          </a:p>
+          <a:p>
+            <a:pPr marL="342900" indent="-342900">
+              <a:buFont typeface="Wingdings" panose="05000000000000000000" pitchFamily="2" charset="2"/>
+              <a:buChar char="ü"/>
+            </a:pPr>
+            <a:endParaRPr lang="en-US" sz="2400" dirty="0" smtClean="0">
+              <a:solidFill>
+                <a:schemeClr val="bg2"/>
+              </a:solidFill>
+            </a:endParaRPr>
           </a:p>
           <a:p>
             <a:pPr marL="342900" indent="-342900" algn="l" eaLnBrk="0" hangingPunct="0">
@@ -19819,65 +20162,14 @@
               <a:buFont typeface="Wingdings" panose="05000000000000000000" pitchFamily="2" charset="2"/>
               <a:buChar char="ü"/>
             </a:pPr>
-            <a:endParaRPr lang="en-US" sz="2400" dirty="0" smtClean="0">
-              <a:solidFill>
-                <a:schemeClr val="bg2"/>
-              </a:solidFill>
-            </a:endParaRPr>
-          </a:p>
-          <a:p>
-            <a:pPr marL="342900" indent="-342900" eaLnBrk="0" hangingPunct="0">
-              <a:lnSpc>
-                <a:spcPct val="110000"/>
-              </a:lnSpc>
-              <a:buClr>
-                <a:schemeClr val="accent5">
-                  <a:lumMod val="40000"/>
-                  <a:lumOff val="60000"/>
-                </a:schemeClr>
-              </a:buClr>
-              <a:buSzPct val="70000"/>
-              <a:buFont typeface="Wingdings" panose="05000000000000000000" pitchFamily="2" charset="2"/>
-              <a:buChar char="ü"/>
-            </a:pPr>
-            <a:r>
-              <a:rPr lang="en-US" sz="2400" dirty="0">
+            <a:r>
+              <a:rPr lang="en-US" sz="2400" dirty="0" smtClean="0">
                 <a:solidFill>
                   <a:schemeClr val="bg2"/>
                 </a:solidFill>
               </a:rPr>
-              <a:t>Directives are special attributes with the v- prefix. </a:t>
-            </a:r>
-          </a:p>
-          <a:p>
-            <a:pPr marL="342900" indent="-342900">
-              <a:buFont typeface="Wingdings" panose="05000000000000000000" pitchFamily="2" charset="2"/>
-              <a:buChar char="ü"/>
-            </a:pPr>
-            <a:endParaRPr lang="en-US" sz="2400" dirty="0" smtClean="0">
-              <a:solidFill>
-                <a:schemeClr val="bg2"/>
-              </a:solidFill>
-            </a:endParaRPr>
-          </a:p>
-          <a:p>
-            <a:pPr marL="342900" indent="-342900">
-              <a:buFont typeface="Wingdings" panose="05000000000000000000" pitchFamily="2" charset="2"/>
-              <a:buChar char="ü"/>
-            </a:pPr>
-            <a:r>
-              <a:rPr lang="en-US" sz="2400" dirty="0">
-                <a:solidFill>
-                  <a:schemeClr val="bg2"/>
-                </a:solidFill>
-              </a:rPr>
-              <a:t>A directive’s job is to reactively apply side effects to the DOM when the value of its expression changes. </a:t>
-            </a:r>
-            <a:endParaRPr lang="en-US" sz="2400" dirty="0" smtClean="0">
-              <a:solidFill>
-                <a:schemeClr val="bg2"/>
-              </a:solidFill>
-            </a:endParaRPr>
+              <a:t>Creating own validation with own rules using Vue methods and directives</a:t>
+            </a:r>
           </a:p>
           <a:p>
             <a:pPr marL="342900" indent="-342900" algn="l" eaLnBrk="0" hangingPunct="0">
@@ -19894,6 +20186,14 @@
               <a:buFont typeface="Wingdings" panose="05000000000000000000" pitchFamily="2" charset="2"/>
               <a:buChar char="ü"/>
             </a:pPr>
+            <a:r>
+              <a:rPr lang="en-US" sz="2400" dirty="0" smtClean="0">
+                <a:solidFill>
+                  <a:schemeClr val="bg2"/>
+                </a:solidFill>
+              </a:rPr>
+              <a:t>Creating validation using Vulidate Api</a:t>
+            </a:r>
             <a:endParaRPr lang="en-US" sz="2400" dirty="0" smtClean="0">
               <a:solidFill>
                 <a:schemeClr val="bg2"/>
@@ -19916,7 +20216,177 @@
   <p:timing>
     <p:tnLst>
       <p:par>
-        <p:cTn id="1" dur="indefinite" restart="never" nodeType="tmRoot"/>
+        <p:cTn id="1" dur="indefinite" restart="never" nodeType="tmRoot">
+          <p:childTnLst>
+            <p:seq concurrent="1" nextAc="seek">
+              <p:cTn id="2" dur="indefinite" nodeType="mainSeq">
+                <p:childTnLst>
+                  <p:par>
+                    <p:cTn id="3" fill="hold">
+                      <p:stCondLst>
+                        <p:cond delay="indefinite"/>
+                      </p:stCondLst>
+                      <p:childTnLst>
+                        <p:par>
+                          <p:cTn id="4" fill="hold">
+                            <p:stCondLst>
+                              <p:cond delay="0"/>
+                            </p:stCondLst>
+                            <p:childTnLst>
+                              <p:par>
+                                <p:cTn id="5" presetID="1" presetClass="entr" presetSubtype="0" fill="hold" nodeType="clickEffect">
+                                  <p:stCondLst>
+                                    <p:cond delay="0"/>
+                                  </p:stCondLst>
+                                  <p:childTnLst>
+                                    <p:set>
+                                      <p:cBhvr>
+                                        <p:cTn id="6" dur="1" fill="hold">
+                                          <p:stCondLst>
+                                            <p:cond delay="0"/>
+                                          </p:stCondLst>
+                                        </p:cTn>
+                                        <p:tgtEl>
+                                          <p:spTgt spid="2">
+                                            <p:txEl>
+                                              <p:pRg st="1" end="1"/>
+                                            </p:txEl>
+                                          </p:spTgt>
+                                        </p:tgtEl>
+                                        <p:attrNameLst>
+                                          <p:attrName>style.visibility</p:attrName>
+                                        </p:attrNameLst>
+                                      </p:cBhvr>
+                                      <p:to>
+                                        <p:strVal val="visible"/>
+                                      </p:to>
+                                    </p:set>
+                                  </p:childTnLst>
+                                </p:cTn>
+                              </p:par>
+                            </p:childTnLst>
+                          </p:cTn>
+                        </p:par>
+                      </p:childTnLst>
+                    </p:cTn>
+                  </p:par>
+                  <p:par>
+                    <p:cTn id="7" fill="hold">
+                      <p:stCondLst>
+                        <p:cond delay="indefinite"/>
+                      </p:stCondLst>
+                      <p:childTnLst>
+                        <p:par>
+                          <p:cTn id="8" fill="hold">
+                            <p:stCondLst>
+                              <p:cond delay="0"/>
+                            </p:stCondLst>
+                            <p:childTnLst>
+                              <p:par>
+                                <p:cTn id="9" presetID="1" presetClass="entr" presetSubtype="0" fill="hold" nodeType="clickEffect">
+                                  <p:stCondLst>
+                                    <p:cond delay="0"/>
+                                  </p:stCondLst>
+                                  <p:childTnLst>
+                                    <p:set>
+                                      <p:cBhvr>
+                                        <p:cTn id="10" dur="1" fill="hold">
+                                          <p:stCondLst>
+                                            <p:cond delay="0"/>
+                                          </p:stCondLst>
+                                        </p:cTn>
+                                        <p:tgtEl>
+                                          <p:spTgt spid="2">
+                                            <p:txEl>
+                                              <p:pRg st="3" end="3"/>
+                                            </p:txEl>
+                                          </p:spTgt>
+                                        </p:tgtEl>
+                                        <p:attrNameLst>
+                                          <p:attrName>style.visibility</p:attrName>
+                                        </p:attrNameLst>
+                                      </p:cBhvr>
+                                      <p:to>
+                                        <p:strVal val="visible"/>
+                                      </p:to>
+                                    </p:set>
+                                  </p:childTnLst>
+                                </p:cTn>
+                              </p:par>
+                            </p:childTnLst>
+                          </p:cTn>
+                        </p:par>
+                      </p:childTnLst>
+                    </p:cTn>
+                  </p:par>
+                  <p:par>
+                    <p:cTn id="11" fill="hold">
+                      <p:stCondLst>
+                        <p:cond delay="indefinite"/>
+                      </p:stCondLst>
+                      <p:childTnLst>
+                        <p:par>
+                          <p:cTn id="12" fill="hold">
+                            <p:stCondLst>
+                              <p:cond delay="0"/>
+                            </p:stCondLst>
+                            <p:childTnLst>
+                              <p:par>
+                                <p:cTn id="13" presetID="1" presetClass="entr" presetSubtype="0" fill="hold" nodeType="clickEffect">
+                                  <p:stCondLst>
+                                    <p:cond delay="0"/>
+                                  </p:stCondLst>
+                                  <p:childTnLst>
+                                    <p:set>
+                                      <p:cBhvr>
+                                        <p:cTn id="14" dur="1" fill="hold">
+                                          <p:stCondLst>
+                                            <p:cond delay="0"/>
+                                          </p:stCondLst>
+                                        </p:cTn>
+                                        <p:tgtEl>
+                                          <p:spTgt spid="2">
+                                            <p:txEl>
+                                              <p:pRg st="4" end="4"/>
+                                            </p:txEl>
+                                          </p:spTgt>
+                                        </p:tgtEl>
+                                        <p:attrNameLst>
+                                          <p:attrName>style.visibility</p:attrName>
+                                        </p:attrNameLst>
+                                      </p:cBhvr>
+                                      <p:to>
+                                        <p:strVal val="visible"/>
+                                      </p:to>
+                                    </p:set>
+                                  </p:childTnLst>
+                                </p:cTn>
+                              </p:par>
+                            </p:childTnLst>
+                          </p:cTn>
+                        </p:par>
+                      </p:childTnLst>
+                    </p:cTn>
+                  </p:par>
+                </p:childTnLst>
+              </p:cTn>
+              <p:prevCondLst>
+                <p:cond evt="onPrev" delay="0">
+                  <p:tgtEl>
+                    <p:sldTgt/>
+                  </p:tgtEl>
+                </p:cond>
+              </p:prevCondLst>
+              <p:nextCondLst>
+                <p:cond evt="onNext" delay="0">
+                  <p:tgtEl>
+                    <p:sldTgt/>
+                  </p:tgtEl>
+                </p:cond>
+              </p:nextCondLst>
+            </p:seq>
+          </p:childTnLst>
+        </p:cTn>
       </p:par>
     </p:tnLst>
   </p:timing>
@@ -21621,6 +22091,47 @@
           </a:p>
         </p:txBody>
       </p:sp>
+      <p:pic>
+        <p:nvPicPr>
+          <p:cNvPr id="3078" name="Picture 6" descr="Ð¡Ð²ÑÑÐ·Ð°Ð½Ð¾ Ð¸Ð·Ð¾Ð±ÑÐ°Ð¶ÐµÐ½Ð¸Ðµ"/>
+          <p:cNvPicPr>
+            <a:picLocks noChangeAspect="1" noChangeArrowheads="1"/>
+          </p:cNvPicPr>
+          <p:nvPr/>
+        </p:nvPicPr>
+        <p:blipFill>
+          <a:blip r:embed="rId2">
+            <a:extLst>
+              <a:ext uri="{28A0092B-C50C-407E-A947-70E740481C1C}">
+                <a14:useLocalDpi xmlns:a14="http://schemas.microsoft.com/office/drawing/2010/main" val="0"/>
+              </a:ext>
+            </a:extLst>
+          </a:blip>
+          <a:srcRect/>
+          <a:stretch>
+            <a:fillRect/>
+          </a:stretch>
+        </p:blipFill>
+        <p:spPr bwMode="auto">
+          <a:xfrm>
+            <a:off x="5027612" y="1524000"/>
+            <a:ext cx="2531470" cy="2171701"/>
+          </a:xfrm>
+          <a:prstGeom prst="rect">
+            <a:avLst/>
+          </a:prstGeom>
+          <a:noFill/>
+          <a:extLst>
+            <a:ext uri="{909E8E84-426E-40DD-AFC4-6F175D3DCCD1}">
+              <a14:hiddenFill xmlns:a14="http://schemas.microsoft.com/office/drawing/2010/main">
+                <a:solidFill>
+                  <a:srgbClr val="FFFFFF"/>
+                </a:solidFill>
+              </a14:hiddenFill>
+            </a:ext>
+          </a:extLst>
+        </p:spPr>
+      </p:pic>
     </p:spTree>
     <p:extLst>
       <p:ext uri="{BB962C8B-B14F-4D97-AF65-F5344CB8AC3E}">
@@ -21812,11 +22323,7 @@
           <a:p>
             <a:r>
               <a:rPr lang="en-US" dirty="0" smtClean="0"/>
-              <a:t>Why </a:t>
-            </a:r>
-            <a:r>
-              <a:rPr lang="en-US" dirty="0" smtClean="0"/>
-              <a:t>we do Data Validation?</a:t>
+              <a:t>Why we do Data Validation?</a:t>
             </a:r>
             <a:endParaRPr lang="bg-BG" dirty="0"/>
           </a:p>
@@ -21878,7 +22385,7 @@
                             </p:stCondLst>
                             <p:childTnLst>
                               <p:par>
-                                <p:cTn id="5" presetID="1" presetClass="entr" presetSubtype="0" fill="hold" nodeType="clickEffect">
+                                <p:cTn id="5" presetID="1" presetClass="entr" presetSubtype="0" fill="hold" grpId="0" nodeType="clickEffect">
                                   <p:stCondLst>
                                     <p:cond delay="0"/>
                                   </p:stCondLst>
@@ -21927,7 +22434,7 @@
                             </p:stCondLst>
                             <p:childTnLst>
                               <p:par>
-                                <p:cTn id="9" presetID="1" presetClass="entr" presetSubtype="0" fill="hold" nodeType="clickEffect">
+                                <p:cTn id="9" presetID="1" presetClass="entr" presetSubtype="0" fill="hold" grpId="0" nodeType="clickEffect">
                                   <p:stCondLst>
                                     <p:cond delay="0"/>
                                   </p:stCondLst>
@@ -21976,7 +22483,7 @@
                             </p:stCondLst>
                             <p:childTnLst>
                               <p:par>
-                                <p:cTn id="13" presetID="1" presetClass="entr" presetSubtype="0" fill="hold" nodeType="clickEffect">
+                                <p:cTn id="13" presetID="1" presetClass="entr" presetSubtype="0" fill="hold" grpId="0" nodeType="clickEffect">
                                   <p:stCondLst>
                                     <p:cond delay="0"/>
                                   </p:stCondLst>
@@ -21991,7 +22498,56 @@
                                         <p:tgtEl>
                                           <p:spTgt spid="2">
                                             <p:txEl>
-                                              <p:pRg st="0" end="0"/>
+                                              <p:pRg st="3" end="3"/>
+                                            </p:txEl>
+                                          </p:spTgt>
+                                        </p:tgtEl>
+                                        <p:attrNameLst>
+                                          <p:attrName>style.visibility</p:attrName>
+                                        </p:attrNameLst>
+                                      </p:cBhvr>
+                                      <p:to>
+                                        <p:strVal val="visible"/>
+                                      </p:to>
+                                    </p:set>
+                                  </p:childTnLst>
+                                </p:cTn>
+                              </p:par>
+                            </p:childTnLst>
+                          </p:cTn>
+                        </p:par>
+                      </p:childTnLst>
+                    </p:cTn>
+                  </p:par>
+                  <p:par>
+                    <p:cTn id="15" fill="hold">
+                      <p:stCondLst>
+                        <p:cond delay="indefinite"/>
+                      </p:stCondLst>
+                      <p:childTnLst>
+                        <p:par>
+                          <p:cTn id="16" fill="hold">
+                            <p:stCondLst>
+                              <p:cond delay="0"/>
+                            </p:stCondLst>
+                            <p:childTnLst>
+                              <p:par>
+                                <p:cTn id="17" presetID="1" presetClass="entr" presetSubtype="0" fill="hold" grpId="0" nodeType="clickEffect">
+                                  <p:stCondLst>
+                                    <p:cond delay="0"/>
+                                  </p:stCondLst>
+                                  <p:childTnLst>
+                                    <p:set>
+                                      <p:cBhvr>
+                                        <p:cTn id="18" dur="1" fill="hold">
+                                          <p:stCondLst>
+                                            <p:cond delay="0"/>
+                                          </p:stCondLst>
+                                        </p:cTn>
+                                        <p:tgtEl>
+                                          <p:spTgt spid="2">
+                                            <p:txEl>
+                                              <p:pRg st="4" end="4"/>
                                             </p:txEl>
                                           </p:spTgt>
                                         </p:tgtEl>
@@ -22033,6 +22589,9 @@
         </p:cTn>
       </p:par>
     </p:tnLst>
+    <p:bldLst>
+      <p:bldP spid="2" grpId="0" uiExpand="1" build="p"/>
+    </p:bldLst>
   </p:timing>
 </p:sld>
 </file>
@@ -22381,7 +22940,7 @@
                                         <p:tgtEl>
                                           <p:spTgt spid="6">
                                             <p:txEl>
-                                              <p:pRg st="0" end="0"/>
+                                              <p:pRg st="1" end="1"/>
                                             </p:txEl>
                                           </p:spTgt>
                                         </p:tgtEl>
@@ -22430,7 +22989,7 @@
                                         <p:tgtEl>
                                           <p:spTgt spid="6">
                                             <p:txEl>
-                                              <p:pRg st="1" end="1"/>
+                                              <p:pRg st="2" end="2"/>
                                             </p:txEl>
                                           </p:spTgt>
                                         </p:tgtEl>
@@ -22479,7 +23038,7 @@
                                         <p:tgtEl>
                                           <p:spTgt spid="6">
                                             <p:txEl>
-                                              <p:pRg st="2" end="2"/>
+                                              <p:pRg st="3" end="3"/>
                                             </p:txEl>
                                           </p:spTgt>
                                         </p:tgtEl>
@@ -22526,11 +23085,97 @@
                                           </p:stCondLst>
                                         </p:cTn>
                                         <p:tgtEl>
-                                          <p:spTgt spid="6">
-                                            <p:txEl>
-                                              <p:pRg st="3" end="3"/>
-                                            </p:txEl>
-                                          </p:spTgt>
+                                          <p:spTgt spid="12"/>
+                                        </p:tgtEl>
+                                        <p:attrNameLst>
+                                          <p:attrName>style.visibility</p:attrName>
+                                        </p:attrNameLst>
+                                      </p:cBhvr>
+                                      <p:to>
+                                        <p:strVal val="visible"/>
+                                      </p:to>
+                                    </p:set>
+                                  </p:childTnLst>
+                                </p:cTn>
+                              </p:par>
+                            </p:childTnLst>
+                          </p:cTn>
+                        </p:par>
+                      </p:childTnLst>
+                    </p:cTn>
+                  </p:par>
+                  <p:par>
+                    <p:cTn id="19" fill="hold">
+                      <p:stCondLst>
+                        <p:cond delay="indefinite"/>
+                      </p:stCondLst>
+                      <p:childTnLst>
+                        <p:par>
+                          <p:cTn id="20" fill="hold">
+                            <p:stCondLst>
+                              <p:cond delay="0"/>
+                            </p:stCondLst>
+                            <p:childTnLst>
+                              <p:par>
+                                <p:cTn id="21" presetID="1" presetClass="entr" presetSubtype="0" fill="hold" grpId="0" nodeType="clickEffect">
+                                  <p:stCondLst>
+                                    <p:cond delay="0"/>
+                                  </p:stCondLst>
+                                  <p:childTnLst>
+                                    <p:set>
+                                      <p:cBhvr>
+                                        <p:cTn id="22" dur="1" fill="hold">
+                                          <p:stCondLst>
+                                            <p:cond delay="0"/>
+                                          </p:stCondLst>
+                                        </p:cTn>
+                                        <p:tgtEl>
+                                          <p:spTgt spid="14"/>
+                                        </p:tgtEl>
+                                        <p:attrNameLst>
+                                          <p:attrName>style.visibility</p:attrName>
+                                        </p:attrNameLst>
+                                      </p:cBhvr>
+                                      <p:to>
+                                        <p:strVal val="visible"/>
+                                      </p:to>
+                                    </p:set>
+                                  </p:childTnLst>
+                                </p:cTn>
+                              </p:par>
+                            </p:childTnLst>
+                          </p:cTn>
+                        </p:par>
+                      </p:childTnLst>
+                    </p:cTn>
+                  </p:par>
+                  <p:par>
+                    <p:cTn id="23" fill="hold">
+                      <p:stCondLst>
+                        <p:cond delay="indefinite"/>
+                      </p:stCondLst>
+                      <p:childTnLst>
+                        <p:par>
+                          <p:cTn id="24" fill="hold">
+                            <p:stCondLst>
+                              <p:cond delay="0"/>
+                            </p:stCondLst>
+                            <p:childTnLst>
+                              <p:par>
+                                <p:cTn id="25" presetID="1" presetClass="entr" presetSubtype="0" fill="hold" nodeType="clickEffect">
+                                  <p:stCondLst>
+                                    <p:cond delay="0"/>
+                                  </p:stCondLst>
+                                  <p:childTnLst>
+                                    <p:set>
+                                      <p:cBhvr>
+                                        <p:cTn id="26" dur="1" fill="hold">
+                                          <p:stCondLst>
+                                            <p:cond delay="0"/>
+                                          </p:stCondLst>
+                                        </p:cTn>
+                                        <p:tgtEl>
+                                          <p:spTgt spid="13"/>
                                         </p:tgtEl>
                                         <p:attrNameLst>
                                           <p:attrName>style.visibility</p:attrName>
@@ -22570,6 +23215,9 @@
         </p:cTn>
       </p:par>
     </p:tnLst>
+    <p:bldLst>
+      <p:bldP spid="14" grpId="0" animBg="1"/>
+    </p:bldLst>
   </p:timing>
 </p:sld>
 </file>
@@ -22620,6 +23268,47 @@
           </a:p>
         </p:txBody>
       </p:sp>
+      <p:pic>
+        <p:nvPicPr>
+          <p:cNvPr id="2050" name="Picture 2" descr="Ð ÐµÐ·ÑÐ»ÑÐ°Ñ Ñ Ð¸Ð·Ð¾Ð±ÑÐ°Ð¶ÐµÐ½Ð¸Ðµ Ð·Ð° data validation png"/>
+          <p:cNvPicPr>
+            <a:picLocks noChangeAspect="1" noChangeArrowheads="1"/>
+          </p:cNvPicPr>
+          <p:nvPr/>
+        </p:nvPicPr>
+        <p:blipFill>
+          <a:blip r:embed="rId2">
+            <a:extLst>
+              <a:ext uri="{28A0092B-C50C-407E-A947-70E740481C1C}">
+                <a14:useLocalDpi xmlns:a14="http://schemas.microsoft.com/office/drawing/2010/main" val="0"/>
+              </a:ext>
+            </a:extLst>
+          </a:blip>
+          <a:srcRect/>
+          <a:stretch>
+            <a:fillRect/>
+          </a:stretch>
+        </p:blipFill>
+        <p:spPr bwMode="auto">
+          <a:xfrm>
+            <a:off x="4979988" y="1676400"/>
+            <a:ext cx="2228850" cy="1885950"/>
+          </a:xfrm>
+          <a:prstGeom prst="rect">
+            <a:avLst/>
+          </a:prstGeom>
+          <a:noFill/>
+          <a:extLst>
+            <a:ext uri="{909E8E84-426E-40DD-AFC4-6F175D3DCCD1}">
+              <a14:hiddenFill xmlns:a14="http://schemas.microsoft.com/office/drawing/2010/main">
+                <a:solidFill>
+                  <a:srgbClr val="FFFFFF"/>
+                </a:solidFill>
+              </a14:hiddenFill>
+            </a:ext>
+          </a:extLst>
+        </p:spPr>
+      </p:pic>
     </p:spTree>
     <p:extLst>
       <p:ext uri="{BB962C8B-B14F-4D97-AF65-F5344CB8AC3E}">
@@ -22917,7 +23606,7 @@
                             </p:stCondLst>
                             <p:childTnLst>
                               <p:par>
-                                <p:cTn id="5" presetID="1" presetClass="entr" presetSubtype="0" fill="hold" nodeType="clickEffect">
+                                <p:cTn id="5" presetID="1" presetClass="entr" presetSubtype="0" fill="hold" grpId="0" nodeType="clickEffect">
                                   <p:stCondLst>
                                     <p:cond delay="0"/>
                                   </p:stCondLst>
@@ -22932,7 +23621,7 @@
                                         <p:tgtEl>
                                           <p:spTgt spid="6">
                                             <p:txEl>
-                                              <p:pRg st="3" end="3"/>
+                                              <p:pRg st="1" end="1"/>
                                             </p:txEl>
                                           </p:spTgt>
                                         </p:tgtEl>
@@ -22966,7 +23655,7 @@
                             </p:stCondLst>
                             <p:childTnLst>
                               <p:par>
-                                <p:cTn id="9" presetID="1" presetClass="entr" presetSubtype="0" fill="hold" nodeType="clickEffect">
+                                <p:cTn id="9" presetID="1" presetClass="entr" presetSubtype="0" fill="hold" grpId="0" nodeType="clickEffect">
                                   <p:stCondLst>
                                     <p:cond delay="0"/>
                                   </p:stCondLst>
@@ -22981,7 +23670,7 @@
                                         <p:tgtEl>
                                           <p:spTgt spid="6">
                                             <p:txEl>
-                                              <p:pRg st="0" end="0"/>
+                                              <p:pRg st="2" end="2"/>
                                             </p:txEl>
                                           </p:spTgt>
                                         </p:tgtEl>
@@ -23015,7 +23704,7 @@
                             </p:stCondLst>
                             <p:childTnLst>
                               <p:par>
-                                <p:cTn id="13" presetID="1" presetClass="entr" presetSubtype="0" fill="hold" nodeType="clickEffect">
+                                <p:cTn id="13" presetID="1" presetClass="entr" presetSubtype="0" fill="hold" grpId="0" nodeType="clickEffect">
                                   <p:stCondLst>
                                     <p:cond delay="0"/>
                                   </p:stCondLst>
@@ -23030,7 +23719,7 @@
                                         <p:tgtEl>
                                           <p:spTgt spid="6">
                                             <p:txEl>
-                                              <p:pRg st="1" end="1"/>
+                                              <p:pRg st="3" end="3"/>
                                             </p:txEl>
                                           </p:spTgt>
                                         </p:tgtEl>
@@ -23064,7 +23753,7 @@
                             </p:stCondLst>
                             <p:childTnLst>
                               <p:par>
-                                <p:cTn id="17" presetID="1" presetClass="entr" presetSubtype="0" fill="hold" nodeType="clickEffect">
+                                <p:cTn id="17" presetID="1" presetClass="entr" presetSubtype="0" fill="hold" grpId="0" nodeType="clickEffect">
                                   <p:stCondLst>
                                     <p:cond delay="0"/>
                                   </p:stCondLst>
@@ -23079,7 +23768,105 @@
                                         <p:tgtEl>
                                           <p:spTgt spid="6">
                                             <p:txEl>
-                                              <p:pRg st="2" end="2"/>
+                                              <p:pRg st="4" end="4"/>
+                                            </p:txEl>
+                                          </p:spTgt>
+                                        </p:tgtEl>
+                                        <p:attrNameLst>
+                                          <p:attrName>style.visibility</p:attrName>
+                                        </p:attrNameLst>
+                                      </p:cBhvr>
+                                      <p:to>
+                                        <p:strVal val="visible"/>
+                                      </p:to>
+                                    </p:set>
+                                  </p:childTnLst>
+                                </p:cTn>
+                              </p:par>
+                            </p:childTnLst>
+                          </p:cTn>
+                        </p:par>
+                      </p:childTnLst>
+                    </p:cTn>
+                  </p:par>
+                  <p:par>
+                    <p:cTn id="19" fill="hold">
+                      <p:stCondLst>
+                        <p:cond delay="indefinite"/>
+                      </p:stCondLst>
+                      <p:childTnLst>
+                        <p:par>
+                          <p:cTn id="20" fill="hold">
+                            <p:stCondLst>
+                              <p:cond delay="0"/>
+                            </p:stCondLst>
+                            <p:childTnLst>
+                              <p:par>
+                                <p:cTn id="21" presetID="1" presetClass="entr" presetSubtype="0" fill="hold" grpId="0" nodeType="clickEffect">
+                                  <p:stCondLst>
+                                    <p:cond delay="0"/>
+                                  </p:stCondLst>
+                                  <p:childTnLst>
+                                    <p:set>
+                                      <p:cBhvr>
+                                        <p:cTn id="22" dur="1" fill="hold">
+                                          <p:stCondLst>
+                                            <p:cond delay="0"/>
+                                          </p:stCondLst>
+                                        </p:cTn>
+                                        <p:tgtEl>
+                                          <p:spTgt spid="6">
+                                            <p:txEl>
+                                              <p:pRg st="5" end="5"/>
+                                            </p:txEl>
+                                          </p:spTgt>
+                                        </p:tgtEl>
+                                        <p:attrNameLst>
+                                          <p:attrName>style.visibility</p:attrName>
+                                        </p:attrNameLst>
+                                      </p:cBhvr>
+                                      <p:to>
+                                        <p:strVal val="visible"/>
+                                      </p:to>
+                                    </p:set>
+                                  </p:childTnLst>
+                                </p:cTn>
+                              </p:par>
+                            </p:childTnLst>
+                          </p:cTn>
+                        </p:par>
+                      </p:childTnLst>
+                    </p:cTn>
+                  </p:par>
+                  <p:par>
+                    <p:cTn id="23" fill="hold">
+                      <p:stCondLst>
+                        <p:cond delay="indefinite"/>
+                      </p:stCondLst>
+                      <p:childTnLst>
+                        <p:par>
+                          <p:cTn id="24" fill="hold">
+                            <p:stCondLst>
+                              <p:cond delay="0"/>
+                            </p:stCondLst>
+                            <p:childTnLst>
+                              <p:par>
+                                <p:cTn id="25" presetID="1" presetClass="entr" presetSubtype="0" fill="hold" grpId="0" nodeType="clickEffect">
+                                  <p:stCondLst>
+                                    <p:cond delay="0"/>
+                                  </p:stCondLst>
+                                  <p:childTnLst>
+                                    <p:set>
+                                      <p:cBhvr>
+                                        <p:cTn id="26" dur="1" fill="hold">
+                                          <p:stCondLst>
+                                            <p:cond delay="0"/>
+                                          </p:stCondLst>
+                                        </p:cTn>
+                                        <p:tgtEl>
+                                          <p:spTgt spid="6">
+                                            <p:txEl>
+                                              <p:pRg st="6" end="6"/>
                                             </p:txEl>
                                           </p:spTgt>
                                         </p:tgtEl>
@@ -23121,6 +23908,9 @@
         </p:cTn>
       </p:par>
     </p:tnLst>
+    <p:bldLst>
+      <p:bldP spid="6" grpId="0" uiExpand="1" build="p"/>
+    </p:bldLst>
   </p:timing>
 </p:sld>
 </file>
@@ -23159,11 +23949,7 @@
           <a:p>
             <a:r>
               <a:rPr lang="en-US" dirty="0" smtClean="0"/>
-              <a:t>Base </a:t>
-            </a:r>
-            <a:r>
-              <a:rPr lang="en-US" dirty="0" smtClean="0"/>
-              <a:t>Example</a:t>
+              <a:t>Base Example</a:t>
             </a:r>
             <a:endParaRPr lang="bg-BG" dirty="0"/>
           </a:p>
@@ -23588,7 +24374,7 @@
                             </p:stCondLst>
                             <p:childTnLst>
                               <p:par>
-                                <p:cTn id="5" presetID="1" presetClass="entr" presetSubtype="0" fill="hold" grpId="0" nodeType="clickEffect">
+                                <p:cTn id="5" presetID="1" presetClass="entr" presetSubtype="0" fill="hold" nodeType="clickEffect">
                                   <p:stCondLst>
                                     <p:cond delay="0"/>
                                   </p:stCondLst>
@@ -23601,7 +24387,7 @@
                                           </p:stCondLst>
                                         </p:cTn>
                                         <p:tgtEl>
-                                          <p:spTgt spid="15"/>
+                                          <p:spTgt spid="12"/>
                                         </p:tgtEl>
                                         <p:attrNameLst>
                                           <p:attrName>style.visibility</p:attrName>
@@ -23641,6 +24427,141 @@
                                     <p:set>
                                       <p:cBhvr>
                                         <p:cTn id="10" dur="1" fill="hold">
+                                          <p:stCondLst>
+                                            <p:cond delay="0"/>
+                                          </p:stCondLst>
+                                        </p:cTn>
+                                        <p:tgtEl>
+                                          <p:spTgt spid="14"/>
+                                        </p:tgtEl>
+                                        <p:attrNameLst>
+                                          <p:attrName>style.visibility</p:attrName>
+                                        </p:attrNameLst>
+                                      </p:cBhvr>
+                                      <p:to>
+                                        <p:strVal val="visible"/>
+                                      </p:to>
+                                    </p:set>
+                                  </p:childTnLst>
+                                </p:cTn>
+                              </p:par>
+                            </p:childTnLst>
+                          </p:cTn>
+                        </p:par>
+                      </p:childTnLst>
+                    </p:cTn>
+                  </p:par>
+                  <p:par>
+                    <p:cTn id="11" fill="hold">
+                      <p:stCondLst>
+                        <p:cond delay="indefinite"/>
+                      </p:stCondLst>
+                      <p:childTnLst>
+                        <p:par>
+                          <p:cTn id="12" fill="hold">
+                            <p:stCondLst>
+                              <p:cond delay="0"/>
+                            </p:stCondLst>
+                            <p:childTnLst>
+                              <p:par>
+                                <p:cTn id="13" presetID="1" presetClass="entr" presetSubtype="0" fill="hold" nodeType="clickEffect">
+                                  <p:stCondLst>
+                                    <p:cond delay="0"/>
+                                  </p:stCondLst>
+                                  <p:childTnLst>
+                                    <p:set>
+                                      <p:cBhvr>
+                                        <p:cTn id="14" dur="1" fill="hold">
+                                          <p:stCondLst>
+                                            <p:cond delay="0"/>
+                                          </p:stCondLst>
+                                        </p:cTn>
+                                        <p:tgtEl>
+                                          <p:spTgt spid="13"/>
+                                        </p:tgtEl>
+                                        <p:attrNameLst>
+                                          <p:attrName>style.visibility</p:attrName>
+                                        </p:attrNameLst>
+                                      </p:cBhvr>
+                                      <p:to>
+                                        <p:strVal val="visible"/>
+                                      </p:to>
+                                    </p:set>
+                                  </p:childTnLst>
+                                </p:cTn>
+                              </p:par>
+                            </p:childTnLst>
+                          </p:cTn>
+                        </p:par>
+                      </p:childTnLst>
+                    </p:cTn>
+                  </p:par>
+                  <p:par>
+                    <p:cTn id="15" fill="hold">
+                      <p:stCondLst>
+                        <p:cond delay="indefinite"/>
+                      </p:stCondLst>
+                      <p:childTnLst>
+                        <p:par>
+                          <p:cTn id="16" fill="hold">
+                            <p:stCondLst>
+                              <p:cond delay="0"/>
+                            </p:stCondLst>
+                            <p:childTnLst>
+                              <p:par>
+                                <p:cTn id="17" presetID="1" presetClass="entr" presetSubtype="0" fill="hold" grpId="0" nodeType="clickEffect">
+                                  <p:stCondLst>
+                                    <p:cond delay="0"/>
+                                  </p:stCondLst>
+                                  <p:childTnLst>
+                                    <p:set>
+                                      <p:cBhvr>
+                                        <p:cTn id="18" dur="1" fill="hold">
+                                          <p:stCondLst>
+                                            <p:cond delay="0"/>
+                                          </p:stCondLst>
+                                        </p:cTn>
+                                        <p:tgtEl>
+                                          <p:spTgt spid="15"/>
+                                        </p:tgtEl>
+                                        <p:attrNameLst>
+                                          <p:attrName>style.visibility</p:attrName>
+                                        </p:attrNameLst>
+                                      </p:cBhvr>
+                                      <p:to>
+                                        <p:strVal val="visible"/>
+                                      </p:to>
+                                    </p:set>
+                                  </p:childTnLst>
+                                </p:cTn>
+                              </p:par>
+                            </p:childTnLst>
+                          </p:cTn>
+                        </p:par>
+                      </p:childTnLst>
+                    </p:cTn>
+                  </p:par>
+                  <p:par>
+                    <p:cTn id="19" fill="hold">
+                      <p:stCondLst>
+                        <p:cond delay="indefinite"/>
+                      </p:stCondLst>
+                      <p:childTnLst>
+                        <p:par>
+                          <p:cTn id="20" fill="hold">
+                            <p:stCondLst>
+                              <p:cond delay="0"/>
+                            </p:stCondLst>
+                            <p:childTnLst>
+                              <p:par>
+                                <p:cTn id="21" presetID="1" presetClass="entr" presetSubtype="0" fill="hold" grpId="0" nodeType="clickEffect">
+                                  <p:stCondLst>
+                                    <p:cond delay="0"/>
+                                  </p:stCondLst>
+                                  <p:childTnLst>
+                                    <p:set>
+                                      <p:cBhvr>
+                                        <p:cTn id="22" dur="1" fill="hold">
                                           <p:stCondLst>
                                             <p:cond delay="0"/>
                                           </p:stCondLst>
@@ -23687,6 +24608,7 @@
       </p:par>
     </p:tnLst>
     <p:bldLst>
+      <p:bldP spid="14" grpId="0" animBg="1"/>
       <p:bldP spid="15" grpId="0" animBg="1"/>
       <p:bldP spid="16" grpId="0" animBg="1"/>
     </p:bldLst>
